--- a/QR code.pptx
+++ b/QR code.pptx
@@ -104,6 +104,11 @@
       </a:defRPr>
     </a:lvl9pPr>
   </p:defaultTextStyle>
+  <p:extLst>
+    <p:ext uri="{EFAFB233-063F-42B5-8137-9DF3F51BA10A}">
+      <p15:sldGuideLst xmlns:p15="http://schemas.microsoft.com/office/powerpoint/2012/main"/>
+    </p:ext>
+  </p:extLst>
 </p:presentation>
 </file>
 
@@ -149,10 +154,9 @@
           </a:lstStyle>
           <a:p>
             <a:r>
-              <a:rPr lang="en-US" smtClean="0"/>
+              <a:rPr lang="en-US"/>
               <a:t>Click to edit Master title style</a:t>
             </a:r>
-            <a:endParaRPr lang="en-US"/>
           </a:p>
         </p:txBody>
       </p:sp>
@@ -214,10 +218,9 @@
           </a:lstStyle>
           <a:p>
             <a:r>
-              <a:rPr lang="en-US" smtClean="0"/>
+              <a:rPr lang="en-US"/>
               <a:t>Click to edit Master subtitle style</a:t>
             </a:r>
-            <a:endParaRPr lang="en-US"/>
           </a:p>
         </p:txBody>
       </p:sp>
@@ -238,7 +241,7 @@
           <a:p>
             <a:fld id="{1D890BE2-D3DB-4AD8-8FE1-3CB52FB5ABD9}" type="datetimeFigureOut">
               <a:rPr lang="en-US" smtClean="0"/>
-              <a:t>10/29/2020</a:t>
+              <a:t>11/20/2020</a:t>
             </a:fld>
             <a:endParaRPr lang="en-US"/>
           </a:p>
@@ -332,10 +335,9 @@
           <a:lstStyle/>
           <a:p>
             <a:r>
-              <a:rPr lang="en-US" smtClean="0"/>
+              <a:rPr lang="en-US"/>
               <a:t>Click to edit Master title style</a:t>
             </a:r>
-            <a:endParaRPr lang="en-US"/>
           </a:p>
         </p:txBody>
       </p:sp>
@@ -356,38 +358,37 @@
           <a:p>
             <a:pPr lvl="0"/>
             <a:r>
-              <a:rPr lang="en-US" smtClean="0"/>
+              <a:rPr lang="en-US"/>
               <a:t>Edit Master text styles</a:t>
             </a:r>
           </a:p>
           <a:p>
             <a:pPr lvl="1"/>
             <a:r>
-              <a:rPr lang="en-US" smtClean="0"/>
+              <a:rPr lang="en-US"/>
               <a:t>Second level</a:t>
             </a:r>
           </a:p>
           <a:p>
             <a:pPr lvl="2"/>
             <a:r>
-              <a:rPr lang="en-US" smtClean="0"/>
+              <a:rPr lang="en-US"/>
               <a:t>Third level</a:t>
             </a:r>
           </a:p>
           <a:p>
             <a:pPr lvl="3"/>
             <a:r>
-              <a:rPr lang="en-US" smtClean="0"/>
+              <a:rPr lang="en-US"/>
               <a:t>Fourth level</a:t>
             </a:r>
           </a:p>
           <a:p>
             <a:pPr lvl="4"/>
             <a:r>
-              <a:rPr lang="en-US" smtClean="0"/>
+              <a:rPr lang="en-US"/>
               <a:t>Fifth level</a:t>
             </a:r>
-            <a:endParaRPr lang="en-US"/>
           </a:p>
         </p:txBody>
       </p:sp>
@@ -408,7 +409,7 @@
           <a:p>
             <a:fld id="{1D890BE2-D3DB-4AD8-8FE1-3CB52FB5ABD9}" type="datetimeFigureOut">
               <a:rPr lang="en-US" smtClean="0"/>
-              <a:t>10/29/2020</a:t>
+              <a:t>11/20/2020</a:t>
             </a:fld>
             <a:endParaRPr lang="en-US"/>
           </a:p>
@@ -507,10 +508,9 @@
           <a:lstStyle/>
           <a:p>
             <a:r>
-              <a:rPr lang="en-US" smtClean="0"/>
+              <a:rPr lang="en-US"/>
               <a:t>Click to edit Master title style</a:t>
             </a:r>
-            <a:endParaRPr lang="en-US"/>
           </a:p>
         </p:txBody>
       </p:sp>
@@ -536,38 +536,37 @@
           <a:p>
             <a:pPr lvl="0"/>
             <a:r>
-              <a:rPr lang="en-US" smtClean="0"/>
+              <a:rPr lang="en-US"/>
               <a:t>Edit Master text styles</a:t>
             </a:r>
           </a:p>
           <a:p>
             <a:pPr lvl="1"/>
             <a:r>
-              <a:rPr lang="en-US" smtClean="0"/>
+              <a:rPr lang="en-US"/>
               <a:t>Second level</a:t>
             </a:r>
           </a:p>
           <a:p>
             <a:pPr lvl="2"/>
             <a:r>
-              <a:rPr lang="en-US" smtClean="0"/>
+              <a:rPr lang="en-US"/>
               <a:t>Third level</a:t>
             </a:r>
           </a:p>
           <a:p>
             <a:pPr lvl="3"/>
             <a:r>
-              <a:rPr lang="en-US" smtClean="0"/>
+              <a:rPr lang="en-US"/>
               <a:t>Fourth level</a:t>
             </a:r>
           </a:p>
           <a:p>
             <a:pPr lvl="4"/>
             <a:r>
-              <a:rPr lang="en-US" smtClean="0"/>
+              <a:rPr lang="en-US"/>
               <a:t>Fifth level</a:t>
             </a:r>
-            <a:endParaRPr lang="en-US"/>
           </a:p>
         </p:txBody>
       </p:sp>
@@ -588,7 +587,7 @@
           <a:p>
             <a:fld id="{1D890BE2-D3DB-4AD8-8FE1-3CB52FB5ABD9}" type="datetimeFigureOut">
               <a:rPr lang="en-US" smtClean="0"/>
-              <a:t>10/29/2020</a:t>
+              <a:t>11/20/2020</a:t>
             </a:fld>
             <a:endParaRPr lang="en-US"/>
           </a:p>
@@ -682,10 +681,9 @@
           <a:lstStyle/>
           <a:p>
             <a:r>
-              <a:rPr lang="en-US" smtClean="0"/>
+              <a:rPr lang="en-US"/>
               <a:t>Click to edit Master title style</a:t>
             </a:r>
-            <a:endParaRPr lang="en-US"/>
           </a:p>
         </p:txBody>
       </p:sp>
@@ -706,38 +704,37 @@
           <a:p>
             <a:pPr lvl="0"/>
             <a:r>
-              <a:rPr lang="en-US" smtClean="0"/>
+              <a:rPr lang="en-US"/>
               <a:t>Edit Master text styles</a:t>
             </a:r>
           </a:p>
           <a:p>
             <a:pPr lvl="1"/>
             <a:r>
-              <a:rPr lang="en-US" smtClean="0"/>
+              <a:rPr lang="en-US"/>
               <a:t>Second level</a:t>
             </a:r>
           </a:p>
           <a:p>
             <a:pPr lvl="2"/>
             <a:r>
-              <a:rPr lang="en-US" smtClean="0"/>
+              <a:rPr lang="en-US"/>
               <a:t>Third level</a:t>
             </a:r>
           </a:p>
           <a:p>
             <a:pPr lvl="3"/>
             <a:r>
-              <a:rPr lang="en-US" smtClean="0"/>
+              <a:rPr lang="en-US"/>
               <a:t>Fourth level</a:t>
             </a:r>
           </a:p>
           <a:p>
             <a:pPr lvl="4"/>
             <a:r>
-              <a:rPr lang="en-US" smtClean="0"/>
+              <a:rPr lang="en-US"/>
               <a:t>Fifth level</a:t>
             </a:r>
-            <a:endParaRPr lang="en-US"/>
           </a:p>
         </p:txBody>
       </p:sp>
@@ -758,7 +755,7 @@
           <a:p>
             <a:fld id="{1D890BE2-D3DB-4AD8-8FE1-3CB52FB5ABD9}" type="datetimeFigureOut">
               <a:rPr lang="en-US" smtClean="0"/>
-              <a:t>10/29/2020</a:t>
+              <a:t>11/20/2020</a:t>
             </a:fld>
             <a:endParaRPr lang="en-US"/>
           </a:p>
@@ -861,10 +858,9 @@
           </a:lstStyle>
           <a:p>
             <a:r>
-              <a:rPr lang="en-US" smtClean="0"/>
+              <a:rPr lang="en-US"/>
               <a:t>Click to edit Master title style</a:t>
             </a:r>
-            <a:endParaRPr lang="en-US"/>
           </a:p>
         </p:txBody>
       </p:sp>
@@ -981,7 +977,7 @@
           <a:p>
             <a:pPr lvl="0"/>
             <a:r>
-              <a:rPr lang="en-US" smtClean="0"/>
+              <a:rPr lang="en-US"/>
               <a:t>Edit Master text styles</a:t>
             </a:r>
           </a:p>
@@ -1004,7 +1000,7 @@
           <a:p>
             <a:fld id="{1D890BE2-D3DB-4AD8-8FE1-3CB52FB5ABD9}" type="datetimeFigureOut">
               <a:rPr lang="en-US" smtClean="0"/>
-              <a:t>10/29/2020</a:t>
+              <a:t>11/20/2020</a:t>
             </a:fld>
             <a:endParaRPr lang="en-US"/>
           </a:p>
@@ -1098,10 +1094,9 @@
           <a:lstStyle/>
           <a:p>
             <a:r>
-              <a:rPr lang="en-US" smtClean="0"/>
+              <a:rPr lang="en-US"/>
               <a:t>Click to edit Master title style</a:t>
             </a:r>
-            <a:endParaRPr lang="en-US"/>
           </a:p>
         </p:txBody>
       </p:sp>
@@ -1127,38 +1122,37 @@
           <a:p>
             <a:pPr lvl="0"/>
             <a:r>
-              <a:rPr lang="en-US" smtClean="0"/>
+              <a:rPr lang="en-US"/>
               <a:t>Edit Master text styles</a:t>
             </a:r>
           </a:p>
           <a:p>
             <a:pPr lvl="1"/>
             <a:r>
-              <a:rPr lang="en-US" smtClean="0"/>
+              <a:rPr lang="en-US"/>
               <a:t>Second level</a:t>
             </a:r>
           </a:p>
           <a:p>
             <a:pPr lvl="2"/>
             <a:r>
-              <a:rPr lang="en-US" smtClean="0"/>
+              <a:rPr lang="en-US"/>
               <a:t>Third level</a:t>
             </a:r>
           </a:p>
           <a:p>
             <a:pPr lvl="3"/>
             <a:r>
-              <a:rPr lang="en-US" smtClean="0"/>
+              <a:rPr lang="en-US"/>
               <a:t>Fourth level</a:t>
             </a:r>
           </a:p>
           <a:p>
             <a:pPr lvl="4"/>
             <a:r>
-              <a:rPr lang="en-US" smtClean="0"/>
+              <a:rPr lang="en-US"/>
               <a:t>Fifth level</a:t>
             </a:r>
-            <a:endParaRPr lang="en-US"/>
           </a:p>
         </p:txBody>
       </p:sp>
@@ -1184,38 +1178,37 @@
           <a:p>
             <a:pPr lvl="0"/>
             <a:r>
-              <a:rPr lang="en-US" smtClean="0"/>
+              <a:rPr lang="en-US"/>
               <a:t>Edit Master text styles</a:t>
             </a:r>
           </a:p>
           <a:p>
             <a:pPr lvl="1"/>
             <a:r>
-              <a:rPr lang="en-US" smtClean="0"/>
+              <a:rPr lang="en-US"/>
               <a:t>Second level</a:t>
             </a:r>
           </a:p>
           <a:p>
             <a:pPr lvl="2"/>
             <a:r>
-              <a:rPr lang="en-US" smtClean="0"/>
+              <a:rPr lang="en-US"/>
               <a:t>Third level</a:t>
             </a:r>
           </a:p>
           <a:p>
             <a:pPr lvl="3"/>
             <a:r>
-              <a:rPr lang="en-US" smtClean="0"/>
+              <a:rPr lang="en-US"/>
               <a:t>Fourth level</a:t>
             </a:r>
           </a:p>
           <a:p>
             <a:pPr lvl="4"/>
             <a:r>
-              <a:rPr lang="en-US" smtClean="0"/>
+              <a:rPr lang="en-US"/>
               <a:t>Fifth level</a:t>
             </a:r>
-            <a:endParaRPr lang="en-US"/>
           </a:p>
         </p:txBody>
       </p:sp>
@@ -1236,7 +1229,7 @@
           <a:p>
             <a:fld id="{1D890BE2-D3DB-4AD8-8FE1-3CB52FB5ABD9}" type="datetimeFigureOut">
               <a:rPr lang="en-US" smtClean="0"/>
-              <a:t>10/29/2020</a:t>
+              <a:t>11/20/2020</a:t>
             </a:fld>
             <a:endParaRPr lang="en-US"/>
           </a:p>
@@ -1335,10 +1328,9 @@
           <a:lstStyle/>
           <a:p>
             <a:r>
-              <a:rPr lang="en-US" smtClean="0"/>
+              <a:rPr lang="en-US"/>
               <a:t>Click to edit Master title style</a:t>
             </a:r>
-            <a:endParaRPr lang="en-US"/>
           </a:p>
         </p:txBody>
       </p:sp>
@@ -1401,7 +1393,7 @@
           <a:p>
             <a:pPr lvl="0"/>
             <a:r>
-              <a:rPr lang="en-US" smtClean="0"/>
+              <a:rPr lang="en-US"/>
               <a:t>Edit Master text styles</a:t>
             </a:r>
           </a:p>
@@ -1429,38 +1421,37 @@
           <a:p>
             <a:pPr lvl="0"/>
             <a:r>
-              <a:rPr lang="en-US" smtClean="0"/>
+              <a:rPr lang="en-US"/>
               <a:t>Edit Master text styles</a:t>
             </a:r>
           </a:p>
           <a:p>
             <a:pPr lvl="1"/>
             <a:r>
-              <a:rPr lang="en-US" smtClean="0"/>
+              <a:rPr lang="en-US"/>
               <a:t>Second level</a:t>
             </a:r>
           </a:p>
           <a:p>
             <a:pPr lvl="2"/>
             <a:r>
-              <a:rPr lang="en-US" smtClean="0"/>
+              <a:rPr lang="en-US"/>
               <a:t>Third level</a:t>
             </a:r>
           </a:p>
           <a:p>
             <a:pPr lvl="3"/>
             <a:r>
-              <a:rPr lang="en-US" smtClean="0"/>
+              <a:rPr lang="en-US"/>
               <a:t>Fourth level</a:t>
             </a:r>
           </a:p>
           <a:p>
             <a:pPr lvl="4"/>
             <a:r>
-              <a:rPr lang="en-US" smtClean="0"/>
+              <a:rPr lang="en-US"/>
               <a:t>Fifth level</a:t>
             </a:r>
-            <a:endParaRPr lang="en-US"/>
           </a:p>
         </p:txBody>
       </p:sp>
@@ -1523,7 +1514,7 @@
           <a:p>
             <a:pPr lvl="0"/>
             <a:r>
-              <a:rPr lang="en-US" smtClean="0"/>
+              <a:rPr lang="en-US"/>
               <a:t>Edit Master text styles</a:t>
             </a:r>
           </a:p>
@@ -1551,38 +1542,37 @@
           <a:p>
             <a:pPr lvl="0"/>
             <a:r>
-              <a:rPr lang="en-US" smtClean="0"/>
+              <a:rPr lang="en-US"/>
               <a:t>Edit Master text styles</a:t>
             </a:r>
           </a:p>
           <a:p>
             <a:pPr lvl="1"/>
             <a:r>
-              <a:rPr lang="en-US" smtClean="0"/>
+              <a:rPr lang="en-US"/>
               <a:t>Second level</a:t>
             </a:r>
           </a:p>
           <a:p>
             <a:pPr lvl="2"/>
             <a:r>
-              <a:rPr lang="en-US" smtClean="0"/>
+              <a:rPr lang="en-US"/>
               <a:t>Third level</a:t>
             </a:r>
           </a:p>
           <a:p>
             <a:pPr lvl="3"/>
             <a:r>
-              <a:rPr lang="en-US" smtClean="0"/>
+              <a:rPr lang="en-US"/>
               <a:t>Fourth level</a:t>
             </a:r>
           </a:p>
           <a:p>
             <a:pPr lvl="4"/>
             <a:r>
-              <a:rPr lang="en-US" smtClean="0"/>
+              <a:rPr lang="en-US"/>
               <a:t>Fifth level</a:t>
             </a:r>
-            <a:endParaRPr lang="en-US"/>
           </a:p>
         </p:txBody>
       </p:sp>
@@ -1603,7 +1593,7 @@
           <a:p>
             <a:fld id="{1D890BE2-D3DB-4AD8-8FE1-3CB52FB5ABD9}" type="datetimeFigureOut">
               <a:rPr lang="en-US" smtClean="0"/>
-              <a:t>10/29/2020</a:t>
+              <a:t>11/20/2020</a:t>
             </a:fld>
             <a:endParaRPr lang="en-US"/>
           </a:p>
@@ -1697,10 +1687,9 @@
           <a:lstStyle/>
           <a:p>
             <a:r>
-              <a:rPr lang="en-US" smtClean="0"/>
+              <a:rPr lang="en-US"/>
               <a:t>Click to edit Master title style</a:t>
             </a:r>
-            <a:endParaRPr lang="en-US"/>
           </a:p>
         </p:txBody>
       </p:sp>
@@ -1721,7 +1710,7 @@
           <a:p>
             <a:fld id="{1D890BE2-D3DB-4AD8-8FE1-3CB52FB5ABD9}" type="datetimeFigureOut">
               <a:rPr lang="en-US" smtClean="0"/>
-              <a:t>10/29/2020</a:t>
+              <a:t>11/20/2020</a:t>
             </a:fld>
             <a:endParaRPr lang="en-US"/>
           </a:p>
@@ -1816,7 +1805,7 @@
           <a:p>
             <a:fld id="{1D890BE2-D3DB-4AD8-8FE1-3CB52FB5ABD9}" type="datetimeFigureOut">
               <a:rPr lang="en-US" smtClean="0"/>
-              <a:t>10/29/2020</a:t>
+              <a:t>11/20/2020</a:t>
             </a:fld>
             <a:endParaRPr lang="en-US"/>
           </a:p>
@@ -1919,10 +1908,9 @@
           </a:lstStyle>
           <a:p>
             <a:r>
-              <a:rPr lang="en-US" smtClean="0"/>
+              <a:rPr lang="en-US"/>
               <a:t>Click to edit Master title style</a:t>
             </a:r>
-            <a:endParaRPr lang="en-US"/>
           </a:p>
         </p:txBody>
       </p:sp>
@@ -1976,38 +1964,37 @@
           <a:p>
             <a:pPr lvl="0"/>
             <a:r>
-              <a:rPr lang="en-US" smtClean="0"/>
+              <a:rPr lang="en-US"/>
               <a:t>Edit Master text styles</a:t>
             </a:r>
           </a:p>
           <a:p>
             <a:pPr lvl="1"/>
             <a:r>
-              <a:rPr lang="en-US" smtClean="0"/>
+              <a:rPr lang="en-US"/>
               <a:t>Second level</a:t>
             </a:r>
           </a:p>
           <a:p>
             <a:pPr lvl="2"/>
             <a:r>
-              <a:rPr lang="en-US" smtClean="0"/>
+              <a:rPr lang="en-US"/>
               <a:t>Third level</a:t>
             </a:r>
           </a:p>
           <a:p>
             <a:pPr lvl="3"/>
             <a:r>
-              <a:rPr lang="en-US" smtClean="0"/>
+              <a:rPr lang="en-US"/>
               <a:t>Fourth level</a:t>
             </a:r>
           </a:p>
           <a:p>
             <a:pPr lvl="4"/>
             <a:r>
-              <a:rPr lang="en-US" smtClean="0"/>
+              <a:rPr lang="en-US"/>
               <a:t>Fifth level</a:t>
             </a:r>
-            <a:endParaRPr lang="en-US"/>
           </a:p>
         </p:txBody>
       </p:sp>
@@ -2070,7 +2057,7 @@
           <a:p>
             <a:pPr lvl="0"/>
             <a:r>
-              <a:rPr lang="en-US" smtClean="0"/>
+              <a:rPr lang="en-US"/>
               <a:t>Edit Master text styles</a:t>
             </a:r>
           </a:p>
@@ -2093,7 +2080,7 @@
           <a:p>
             <a:fld id="{1D890BE2-D3DB-4AD8-8FE1-3CB52FB5ABD9}" type="datetimeFigureOut">
               <a:rPr lang="en-US" smtClean="0"/>
-              <a:t>10/29/2020</a:t>
+              <a:t>11/20/2020</a:t>
             </a:fld>
             <a:endParaRPr lang="en-US"/>
           </a:p>
@@ -2196,10 +2183,9 @@
           </a:lstStyle>
           <a:p>
             <a:r>
-              <a:rPr lang="en-US" smtClean="0"/>
+              <a:rPr lang="en-US"/>
               <a:t>Click to edit Master title style</a:t>
             </a:r>
-            <a:endParaRPr lang="en-US"/>
           </a:p>
         </p:txBody>
       </p:sp>
@@ -2323,7 +2309,7 @@
           <a:p>
             <a:pPr lvl="0"/>
             <a:r>
-              <a:rPr lang="en-US" smtClean="0"/>
+              <a:rPr lang="en-US"/>
               <a:t>Edit Master text styles</a:t>
             </a:r>
           </a:p>
@@ -2346,7 +2332,7 @@
           <a:p>
             <a:fld id="{1D890BE2-D3DB-4AD8-8FE1-3CB52FB5ABD9}" type="datetimeFigureOut">
               <a:rPr lang="en-US" smtClean="0"/>
-              <a:t>10/29/2020</a:t>
+              <a:t>11/20/2020</a:t>
             </a:fld>
             <a:endParaRPr lang="en-US"/>
           </a:p>
@@ -2455,10 +2441,9 @@
           <a:lstStyle/>
           <a:p>
             <a:r>
-              <a:rPr lang="en-US" smtClean="0"/>
+              <a:rPr lang="en-US"/>
               <a:t>Click to edit Master title style</a:t>
             </a:r>
-            <a:endParaRPr lang="en-US"/>
           </a:p>
         </p:txBody>
       </p:sp>
@@ -2489,38 +2474,37 @@
           <a:p>
             <a:pPr lvl="0"/>
             <a:r>
-              <a:rPr lang="en-US" smtClean="0"/>
+              <a:rPr lang="en-US"/>
               <a:t>Edit Master text styles</a:t>
             </a:r>
           </a:p>
           <a:p>
             <a:pPr lvl="1"/>
             <a:r>
-              <a:rPr lang="en-US" smtClean="0"/>
+              <a:rPr lang="en-US"/>
               <a:t>Second level</a:t>
             </a:r>
           </a:p>
           <a:p>
             <a:pPr lvl="2"/>
             <a:r>
-              <a:rPr lang="en-US" smtClean="0"/>
+              <a:rPr lang="en-US"/>
               <a:t>Third level</a:t>
             </a:r>
           </a:p>
           <a:p>
             <a:pPr lvl="3"/>
             <a:r>
-              <a:rPr lang="en-US" smtClean="0"/>
+              <a:rPr lang="en-US"/>
               <a:t>Fourth level</a:t>
             </a:r>
           </a:p>
           <a:p>
             <a:pPr lvl="4"/>
             <a:r>
-              <a:rPr lang="en-US" smtClean="0"/>
+              <a:rPr lang="en-US"/>
               <a:t>Fifth level</a:t>
             </a:r>
-            <a:endParaRPr lang="en-US"/>
           </a:p>
         </p:txBody>
       </p:sp>
@@ -2559,7 +2543,7 @@
           <a:p>
             <a:fld id="{1D890BE2-D3DB-4AD8-8FE1-3CB52FB5ABD9}" type="datetimeFigureOut">
               <a:rPr lang="en-US" smtClean="0"/>
-              <a:t>10/29/2020</a:t>
+              <a:t>11/20/2020</a:t>
             </a:fld>
             <a:endParaRPr lang="en-US"/>
           </a:p>
@@ -2982,22 +2966,14 @@
         </p:spPr>
         <p:txBody>
           <a:bodyPr>
-            <a:normAutofit fontScale="90000"/>
+            <a:normAutofit/>
           </a:bodyPr>
           <a:lstStyle/>
           <a:p>
             <a:r>
-              <a:rPr lang="en-US" smtClean="0"/>
+              <a:rPr lang="en-US" dirty="0"/>
               <a:t>QR code</a:t>
             </a:r>
-            <a:br>
-              <a:rPr lang="en-US" smtClean="0"/>
-            </a:br>
-            <a:r>
-              <a:rPr lang="en-US" smtClean="0"/>
-              <a:t>Instruction and Security Application</a:t>
-            </a:r>
-            <a:endParaRPr lang="en-US"/>
           </a:p>
         </p:txBody>
       </p:sp>
@@ -3025,17 +3001,16 @@
           <a:p>
             <a:pPr algn="r"/>
             <a:r>
-              <a:rPr lang="en-US" smtClean="0"/>
+              <a:rPr lang="en-US"/>
               <a:t>Instructor: PhD, Huỳnh Ngọc Tú</a:t>
             </a:r>
           </a:p>
           <a:p>
             <a:pPr algn="r"/>
             <a:r>
-              <a:rPr lang="en-US" smtClean="0"/>
+              <a:rPr lang="en-US"/>
               <a:t>Nguyễn Duy Hàn Lâm – ID: 196005004</a:t>
             </a:r>
-            <a:endParaRPr lang="en-US"/>
           </a:p>
         </p:txBody>
       </p:sp>

--- a/QR code.pptx
+++ b/QR code.pptx
@@ -6,6 +6,28 @@
   </p:sldMasterIdLst>
   <p:sldIdLst>
     <p:sldId id="256" r:id="rId2"/>
+    <p:sldId id="257" r:id="rId3"/>
+    <p:sldId id="258" r:id="rId4"/>
+    <p:sldId id="259" r:id="rId5"/>
+    <p:sldId id="260" r:id="rId6"/>
+    <p:sldId id="261" r:id="rId7"/>
+    <p:sldId id="262" r:id="rId8"/>
+    <p:sldId id="263" r:id="rId9"/>
+    <p:sldId id="264" r:id="rId10"/>
+    <p:sldId id="265" r:id="rId11"/>
+    <p:sldId id="266" r:id="rId12"/>
+    <p:sldId id="267" r:id="rId13"/>
+    <p:sldId id="268" r:id="rId14"/>
+    <p:sldId id="269" r:id="rId15"/>
+    <p:sldId id="270" r:id="rId16"/>
+    <p:sldId id="271" r:id="rId17"/>
+    <p:sldId id="272" r:id="rId18"/>
+    <p:sldId id="273" r:id="rId19"/>
+    <p:sldId id="274" r:id="rId20"/>
+    <p:sldId id="275" r:id="rId21"/>
+    <p:sldId id="276" r:id="rId22"/>
+    <p:sldId id="277" r:id="rId23"/>
+    <p:sldId id="278" r:id="rId24"/>
   </p:sldIdLst>
   <p:sldSz cx="12192000" cy="6858000"/>
   <p:notesSz cx="6858000" cy="9144000"/>
@@ -3027,6 +3049,4183 @@
 </p:sld>
 </file>
 
+<file path=ppt/slides/slide10.xml><?xml version="1.0" encoding="utf-8"?>
+<p:sld xmlns:a="http://schemas.openxmlformats.org/drawingml/2006/main" xmlns:r="http://schemas.openxmlformats.org/officeDocument/2006/relationships" xmlns:p="http://schemas.openxmlformats.org/presentationml/2006/main">
+  <p:cSld>
+    <p:spTree>
+      <p:nvGrpSpPr>
+        <p:cNvPr id="1" name=""/>
+        <p:cNvGrpSpPr/>
+        <p:nvPr/>
+      </p:nvGrpSpPr>
+      <p:grpSpPr>
+        <a:xfrm>
+          <a:off x="0" y="0"/>
+          <a:ext cx="0" cy="0"/>
+          <a:chOff x="0" y="0"/>
+          <a:chExt cx="0" cy="0"/>
+        </a:xfrm>
+      </p:grpSpPr>
+      <p:pic>
+        <p:nvPicPr>
+          <p:cNvPr id="9218" name="Picture 2">
+            <a:extLst>
+              <a:ext uri="{FF2B5EF4-FFF2-40B4-BE49-F238E27FC236}">
+                <a16:creationId xmlns:a16="http://schemas.microsoft.com/office/drawing/2014/main" id="{FA1B4864-2E97-40FD-9778-0DA70CB45B7B}"/>
+              </a:ext>
+            </a:extLst>
+          </p:cNvPr>
+          <p:cNvPicPr>
+            <a:picLocks noChangeAspect="1" noChangeArrowheads="1"/>
+          </p:cNvPicPr>
+          <p:nvPr/>
+        </p:nvPicPr>
+        <p:blipFill>
+          <a:blip r:embed="rId2">
+            <a:extLst>
+              <a:ext uri="{28A0092B-C50C-407E-A947-70E740481C1C}">
+                <a14:useLocalDpi xmlns:a14="http://schemas.microsoft.com/office/drawing/2010/main" val="0"/>
+              </a:ext>
+            </a:extLst>
+          </a:blip>
+          <a:srcRect/>
+          <a:stretch>
+            <a:fillRect/>
+          </a:stretch>
+        </p:blipFill>
+        <p:spPr bwMode="auto">
+          <a:xfrm>
+            <a:off x="730250" y="0"/>
+            <a:ext cx="10731500" cy="6858000"/>
+          </a:xfrm>
+          <a:prstGeom prst="rect">
+            <a:avLst/>
+          </a:prstGeom>
+          <a:noFill/>
+          <a:extLst>
+            <a:ext uri="{909E8E84-426E-40DD-AFC4-6F175D3DCCD1}">
+              <a14:hiddenFill xmlns:a14="http://schemas.microsoft.com/office/drawing/2010/main">
+                <a:solidFill>
+                  <a:srgbClr val="FFFFFF"/>
+                </a:solidFill>
+              </a14:hiddenFill>
+            </a:ext>
+          </a:extLst>
+        </p:spPr>
+      </p:pic>
+    </p:spTree>
+    <p:extLst>
+      <p:ext uri="{BB962C8B-B14F-4D97-AF65-F5344CB8AC3E}">
+        <p14:creationId xmlns:p14="http://schemas.microsoft.com/office/powerpoint/2010/main" val="1279770828"/>
+      </p:ext>
+    </p:extLst>
+  </p:cSld>
+  <p:clrMapOvr>
+    <a:masterClrMapping/>
+  </p:clrMapOvr>
+</p:sld>
+</file>
+
+<file path=ppt/slides/slide11.xml><?xml version="1.0" encoding="utf-8"?>
+<p:sld xmlns:a="http://schemas.openxmlformats.org/drawingml/2006/main" xmlns:r="http://schemas.openxmlformats.org/officeDocument/2006/relationships" xmlns:p="http://schemas.openxmlformats.org/presentationml/2006/main">
+  <p:cSld>
+    <p:spTree>
+      <p:nvGrpSpPr>
+        <p:cNvPr id="1" name=""/>
+        <p:cNvGrpSpPr/>
+        <p:nvPr/>
+      </p:nvGrpSpPr>
+      <p:grpSpPr>
+        <a:xfrm>
+          <a:off x="0" y="0"/>
+          <a:ext cx="0" cy="0"/>
+          <a:chOff x="0" y="0"/>
+          <a:chExt cx="0" cy="0"/>
+        </a:xfrm>
+      </p:grpSpPr>
+      <p:sp>
+        <p:nvSpPr>
+          <p:cNvPr id="2" name="Title 1">
+            <a:extLst>
+              <a:ext uri="{FF2B5EF4-FFF2-40B4-BE49-F238E27FC236}">
+                <a16:creationId xmlns:a16="http://schemas.microsoft.com/office/drawing/2014/main" id="{C4C0FFB3-0074-4204-83A0-BD4240305765}"/>
+              </a:ext>
+            </a:extLst>
+          </p:cNvPr>
+          <p:cNvSpPr>
+            <a:spLocks noGrp="1"/>
+          </p:cNvSpPr>
+          <p:nvPr>
+            <p:ph type="title"/>
+          </p:nvPr>
+        </p:nvSpPr>
+        <p:spPr/>
+        <p:txBody>
+          <a:bodyPr/>
+          <a:lstStyle/>
+          <a:p>
+            <a:r>
+              <a:rPr lang="en-US" dirty="0" err="1"/>
+              <a:t>Các</a:t>
+            </a:r>
+            <a:r>
+              <a:rPr lang="en-US" dirty="0"/>
+              <a:t> encoding mode</a:t>
+            </a:r>
+          </a:p>
+        </p:txBody>
+      </p:sp>
+      <p:pic>
+        <p:nvPicPr>
+          <p:cNvPr id="5" name="Picture 4">
+            <a:extLst>
+              <a:ext uri="{FF2B5EF4-FFF2-40B4-BE49-F238E27FC236}">
+                <a16:creationId xmlns:a16="http://schemas.microsoft.com/office/drawing/2014/main" id="{577506F5-6C06-4218-B815-A5650249CE1A}"/>
+              </a:ext>
+            </a:extLst>
+          </p:cNvPr>
+          <p:cNvPicPr>
+            <a:picLocks noChangeAspect="1"/>
+          </p:cNvPicPr>
+          <p:nvPr/>
+        </p:nvPicPr>
+        <p:blipFill>
+          <a:blip r:embed="rId2"/>
+          <a:stretch>
+            <a:fillRect/>
+          </a:stretch>
+        </p:blipFill>
+        <p:spPr>
+          <a:xfrm>
+            <a:off x="3400425" y="2109787"/>
+            <a:ext cx="5391150" cy="2638425"/>
+          </a:xfrm>
+          <a:prstGeom prst="rect">
+            <a:avLst/>
+          </a:prstGeom>
+        </p:spPr>
+      </p:pic>
+    </p:spTree>
+    <p:extLst>
+      <p:ext uri="{BB962C8B-B14F-4D97-AF65-F5344CB8AC3E}">
+        <p14:creationId xmlns:p14="http://schemas.microsoft.com/office/powerpoint/2010/main" val="964961398"/>
+      </p:ext>
+    </p:extLst>
+  </p:cSld>
+  <p:clrMapOvr>
+    <a:masterClrMapping/>
+  </p:clrMapOvr>
+</p:sld>
+</file>
+
+<file path=ppt/slides/slide12.xml><?xml version="1.0" encoding="utf-8"?>
+<p:sld xmlns:a="http://schemas.openxmlformats.org/drawingml/2006/main" xmlns:r="http://schemas.openxmlformats.org/officeDocument/2006/relationships" xmlns:p="http://schemas.openxmlformats.org/presentationml/2006/main">
+  <p:cSld>
+    <p:spTree>
+      <p:nvGrpSpPr>
+        <p:cNvPr id="1" name=""/>
+        <p:cNvGrpSpPr/>
+        <p:nvPr/>
+      </p:nvGrpSpPr>
+      <p:grpSpPr>
+        <a:xfrm>
+          <a:off x="0" y="0"/>
+          <a:ext cx="0" cy="0"/>
+          <a:chOff x="0" y="0"/>
+          <a:chExt cx="0" cy="0"/>
+        </a:xfrm>
+      </p:grpSpPr>
+      <p:pic>
+        <p:nvPicPr>
+          <p:cNvPr id="7" name="Picture 6">
+            <a:extLst>
+              <a:ext uri="{FF2B5EF4-FFF2-40B4-BE49-F238E27FC236}">
+                <a16:creationId xmlns:a16="http://schemas.microsoft.com/office/drawing/2014/main" id="{85DFB3B2-7EFA-4D85-B9CD-07793BAA931C}"/>
+              </a:ext>
+            </a:extLst>
+          </p:cNvPr>
+          <p:cNvPicPr>
+            <a:picLocks noChangeAspect="1"/>
+          </p:cNvPicPr>
+          <p:nvPr/>
+        </p:nvPicPr>
+        <p:blipFill>
+          <a:blip r:embed="rId2"/>
+          <a:stretch>
+            <a:fillRect/>
+          </a:stretch>
+        </p:blipFill>
+        <p:spPr>
+          <a:xfrm>
+            <a:off x="3519487" y="971550"/>
+            <a:ext cx="5153025" cy="4914900"/>
+          </a:xfrm>
+          <a:prstGeom prst="rect">
+            <a:avLst/>
+          </a:prstGeom>
+        </p:spPr>
+      </p:pic>
+    </p:spTree>
+    <p:extLst>
+      <p:ext uri="{BB962C8B-B14F-4D97-AF65-F5344CB8AC3E}">
+        <p14:creationId xmlns:p14="http://schemas.microsoft.com/office/powerpoint/2010/main" val="1928534406"/>
+      </p:ext>
+    </p:extLst>
+  </p:cSld>
+  <p:clrMapOvr>
+    <a:masterClrMapping/>
+  </p:clrMapOvr>
+</p:sld>
+</file>
+
+<file path=ppt/slides/slide13.xml><?xml version="1.0" encoding="utf-8"?>
+<p:sld xmlns:a="http://schemas.openxmlformats.org/drawingml/2006/main" xmlns:r="http://schemas.openxmlformats.org/officeDocument/2006/relationships" xmlns:p="http://schemas.openxmlformats.org/presentationml/2006/main">
+  <p:cSld>
+    <p:spTree>
+      <p:nvGrpSpPr>
+        <p:cNvPr id="1" name=""/>
+        <p:cNvGrpSpPr/>
+        <p:nvPr/>
+      </p:nvGrpSpPr>
+      <p:grpSpPr>
+        <a:xfrm>
+          <a:off x="0" y="0"/>
+          <a:ext cx="0" cy="0"/>
+          <a:chOff x="0" y="0"/>
+          <a:chExt cx="0" cy="0"/>
+        </a:xfrm>
+      </p:grpSpPr>
+      <p:pic>
+        <p:nvPicPr>
+          <p:cNvPr id="5" name="Picture 4">
+            <a:extLst>
+              <a:ext uri="{FF2B5EF4-FFF2-40B4-BE49-F238E27FC236}">
+                <a16:creationId xmlns:a16="http://schemas.microsoft.com/office/drawing/2014/main" id="{E2B33F6A-7308-45B3-B371-4BB253B9C63B}"/>
+              </a:ext>
+            </a:extLst>
+          </p:cNvPr>
+          <p:cNvPicPr>
+            <a:picLocks noChangeAspect="1"/>
+          </p:cNvPicPr>
+          <p:nvPr/>
+        </p:nvPicPr>
+        <p:blipFill>
+          <a:blip r:embed="rId2"/>
+          <a:stretch>
+            <a:fillRect/>
+          </a:stretch>
+        </p:blipFill>
+        <p:spPr>
+          <a:xfrm>
+            <a:off x="3519487" y="957262"/>
+            <a:ext cx="5153025" cy="4943475"/>
+          </a:xfrm>
+          <a:prstGeom prst="rect">
+            <a:avLst/>
+          </a:prstGeom>
+        </p:spPr>
+      </p:pic>
+    </p:spTree>
+    <p:extLst>
+      <p:ext uri="{BB962C8B-B14F-4D97-AF65-F5344CB8AC3E}">
+        <p14:creationId xmlns:p14="http://schemas.microsoft.com/office/powerpoint/2010/main" val="2090135376"/>
+      </p:ext>
+    </p:extLst>
+  </p:cSld>
+  <p:clrMapOvr>
+    <a:masterClrMapping/>
+  </p:clrMapOvr>
+</p:sld>
+</file>
+
+<file path=ppt/slides/slide14.xml><?xml version="1.0" encoding="utf-8"?>
+<p:sld xmlns:a="http://schemas.openxmlformats.org/drawingml/2006/main" xmlns:r="http://schemas.openxmlformats.org/officeDocument/2006/relationships" xmlns:p="http://schemas.openxmlformats.org/presentationml/2006/main">
+  <p:cSld>
+    <p:spTree>
+      <p:nvGrpSpPr>
+        <p:cNvPr id="1" name=""/>
+        <p:cNvGrpSpPr/>
+        <p:nvPr/>
+      </p:nvGrpSpPr>
+      <p:grpSpPr>
+        <a:xfrm>
+          <a:off x="0" y="0"/>
+          <a:ext cx="0" cy="0"/>
+          <a:chOff x="0" y="0"/>
+          <a:chExt cx="0" cy="0"/>
+        </a:xfrm>
+      </p:grpSpPr>
+      <p:pic>
+        <p:nvPicPr>
+          <p:cNvPr id="5" name="Picture 4">
+            <a:extLst>
+              <a:ext uri="{FF2B5EF4-FFF2-40B4-BE49-F238E27FC236}">
+                <a16:creationId xmlns:a16="http://schemas.microsoft.com/office/drawing/2014/main" id="{140B5AEC-1BF8-4AE5-8CD7-6E604DD7C310}"/>
+              </a:ext>
+            </a:extLst>
+          </p:cNvPr>
+          <p:cNvPicPr>
+            <a:picLocks noChangeAspect="1"/>
+          </p:cNvPicPr>
+          <p:nvPr/>
+        </p:nvPicPr>
+        <p:blipFill>
+          <a:blip r:embed="rId2"/>
+          <a:stretch>
+            <a:fillRect/>
+          </a:stretch>
+        </p:blipFill>
+        <p:spPr>
+          <a:xfrm>
+            <a:off x="3519487" y="938212"/>
+            <a:ext cx="5153025" cy="4981575"/>
+          </a:xfrm>
+          <a:prstGeom prst="rect">
+            <a:avLst/>
+          </a:prstGeom>
+        </p:spPr>
+      </p:pic>
+    </p:spTree>
+    <p:extLst>
+      <p:ext uri="{BB962C8B-B14F-4D97-AF65-F5344CB8AC3E}">
+        <p14:creationId xmlns:p14="http://schemas.microsoft.com/office/powerpoint/2010/main" val="258633436"/>
+      </p:ext>
+    </p:extLst>
+  </p:cSld>
+  <p:clrMapOvr>
+    <a:masterClrMapping/>
+  </p:clrMapOvr>
+</p:sld>
+</file>
+
+<file path=ppt/slides/slide15.xml><?xml version="1.0" encoding="utf-8"?>
+<p:sld xmlns:a="http://schemas.openxmlformats.org/drawingml/2006/main" xmlns:r="http://schemas.openxmlformats.org/officeDocument/2006/relationships" xmlns:p="http://schemas.openxmlformats.org/presentationml/2006/main">
+  <p:cSld>
+    <p:spTree>
+      <p:nvGrpSpPr>
+        <p:cNvPr id="1" name=""/>
+        <p:cNvGrpSpPr/>
+        <p:nvPr/>
+      </p:nvGrpSpPr>
+      <p:grpSpPr>
+        <a:xfrm>
+          <a:off x="0" y="0"/>
+          <a:ext cx="0" cy="0"/>
+          <a:chOff x="0" y="0"/>
+          <a:chExt cx="0" cy="0"/>
+        </a:xfrm>
+      </p:grpSpPr>
+      <p:pic>
+        <p:nvPicPr>
+          <p:cNvPr id="7" name="Picture 6">
+            <a:extLst>
+              <a:ext uri="{FF2B5EF4-FFF2-40B4-BE49-F238E27FC236}">
+                <a16:creationId xmlns:a16="http://schemas.microsoft.com/office/drawing/2014/main" id="{474B2FBF-D1E9-4709-B05F-D55E8611F3DA}"/>
+              </a:ext>
+            </a:extLst>
+          </p:cNvPr>
+          <p:cNvPicPr>
+            <a:picLocks noChangeAspect="1"/>
+          </p:cNvPicPr>
+          <p:nvPr/>
+        </p:nvPicPr>
+        <p:blipFill>
+          <a:blip r:embed="rId2"/>
+          <a:stretch>
+            <a:fillRect/>
+          </a:stretch>
+        </p:blipFill>
+        <p:spPr>
+          <a:xfrm>
+            <a:off x="3538537" y="962025"/>
+            <a:ext cx="5114925" cy="4933950"/>
+          </a:xfrm>
+          <a:prstGeom prst="rect">
+            <a:avLst/>
+          </a:prstGeom>
+        </p:spPr>
+      </p:pic>
+    </p:spTree>
+    <p:extLst>
+      <p:ext uri="{BB962C8B-B14F-4D97-AF65-F5344CB8AC3E}">
+        <p14:creationId xmlns:p14="http://schemas.microsoft.com/office/powerpoint/2010/main" val="1793701159"/>
+      </p:ext>
+    </p:extLst>
+  </p:cSld>
+  <p:clrMapOvr>
+    <a:masterClrMapping/>
+  </p:clrMapOvr>
+</p:sld>
+</file>
+
+<file path=ppt/slides/slide16.xml><?xml version="1.0" encoding="utf-8"?>
+<p:sld xmlns:a="http://schemas.openxmlformats.org/drawingml/2006/main" xmlns:r="http://schemas.openxmlformats.org/officeDocument/2006/relationships" xmlns:p="http://schemas.openxmlformats.org/presentationml/2006/main">
+  <p:cSld>
+    <p:spTree>
+      <p:nvGrpSpPr>
+        <p:cNvPr id="1" name=""/>
+        <p:cNvGrpSpPr/>
+        <p:nvPr/>
+      </p:nvGrpSpPr>
+      <p:grpSpPr>
+        <a:xfrm>
+          <a:off x="0" y="0"/>
+          <a:ext cx="0" cy="0"/>
+          <a:chOff x="0" y="0"/>
+          <a:chExt cx="0" cy="0"/>
+        </a:xfrm>
+      </p:grpSpPr>
+      <p:pic>
+        <p:nvPicPr>
+          <p:cNvPr id="5" name="Picture 4">
+            <a:extLst>
+              <a:ext uri="{FF2B5EF4-FFF2-40B4-BE49-F238E27FC236}">
+                <a16:creationId xmlns:a16="http://schemas.microsoft.com/office/drawing/2014/main" id="{0E7BB032-7DE4-4338-86C2-DCF2DD8D3A5B}"/>
+              </a:ext>
+            </a:extLst>
+          </p:cNvPr>
+          <p:cNvPicPr>
+            <a:picLocks noChangeAspect="1"/>
+          </p:cNvPicPr>
+          <p:nvPr/>
+        </p:nvPicPr>
+        <p:blipFill>
+          <a:blip r:embed="rId2"/>
+          <a:stretch>
+            <a:fillRect/>
+          </a:stretch>
+        </p:blipFill>
+        <p:spPr>
+          <a:xfrm>
+            <a:off x="3552825" y="962025"/>
+            <a:ext cx="5086350" cy="4933950"/>
+          </a:xfrm>
+          <a:prstGeom prst="rect">
+            <a:avLst/>
+          </a:prstGeom>
+        </p:spPr>
+      </p:pic>
+    </p:spTree>
+    <p:extLst>
+      <p:ext uri="{BB962C8B-B14F-4D97-AF65-F5344CB8AC3E}">
+        <p14:creationId xmlns:p14="http://schemas.microsoft.com/office/powerpoint/2010/main" val="1955915267"/>
+      </p:ext>
+    </p:extLst>
+  </p:cSld>
+  <p:clrMapOvr>
+    <a:masterClrMapping/>
+  </p:clrMapOvr>
+</p:sld>
+</file>
+
+<file path=ppt/slides/slide17.xml><?xml version="1.0" encoding="utf-8"?>
+<p:sld xmlns:a="http://schemas.openxmlformats.org/drawingml/2006/main" xmlns:r="http://schemas.openxmlformats.org/officeDocument/2006/relationships" xmlns:p="http://schemas.openxmlformats.org/presentationml/2006/main">
+  <p:cSld>
+    <p:spTree>
+      <p:nvGrpSpPr>
+        <p:cNvPr id="1" name=""/>
+        <p:cNvGrpSpPr/>
+        <p:nvPr/>
+      </p:nvGrpSpPr>
+      <p:grpSpPr>
+        <a:xfrm>
+          <a:off x="0" y="0"/>
+          <a:ext cx="0" cy="0"/>
+          <a:chOff x="0" y="0"/>
+          <a:chExt cx="0" cy="0"/>
+        </a:xfrm>
+      </p:grpSpPr>
+      <p:sp>
+        <p:nvSpPr>
+          <p:cNvPr id="2" name="Title 1">
+            <a:extLst>
+              <a:ext uri="{FF2B5EF4-FFF2-40B4-BE49-F238E27FC236}">
+                <a16:creationId xmlns:a16="http://schemas.microsoft.com/office/drawing/2014/main" id="{A80CBA26-B507-4350-9A66-5C4B61AE00E8}"/>
+              </a:ext>
+            </a:extLst>
+          </p:cNvPr>
+          <p:cNvSpPr>
+            <a:spLocks noGrp="1"/>
+          </p:cNvSpPr>
+          <p:nvPr>
+            <p:ph type="title"/>
+          </p:nvPr>
+        </p:nvSpPr>
+        <p:spPr>
+          <a:xfrm>
+            <a:off x="66413" y="0"/>
+            <a:ext cx="10515600" cy="1325563"/>
+          </a:xfrm>
+        </p:spPr>
+        <p:txBody>
+          <a:bodyPr/>
+          <a:lstStyle/>
+          <a:p>
+            <a:r>
+              <a:rPr lang="en-US" dirty="0" err="1"/>
+              <a:t>Ứng</a:t>
+            </a:r>
+            <a:r>
+              <a:rPr lang="en-US" dirty="0"/>
+              <a:t> </a:t>
+            </a:r>
+            <a:r>
+              <a:rPr lang="en-US" dirty="0" err="1"/>
+              <a:t>dụng</a:t>
+            </a:r>
+            <a:r>
+              <a:rPr lang="en-US" dirty="0"/>
+              <a:t> </a:t>
+            </a:r>
+            <a:r>
+              <a:rPr lang="en-US" dirty="0" err="1"/>
+              <a:t>của</a:t>
+            </a:r>
+            <a:r>
+              <a:rPr lang="en-US" dirty="0"/>
+              <a:t> QR code</a:t>
+            </a:r>
+          </a:p>
+        </p:txBody>
+      </p:sp>
+      <p:sp>
+        <p:nvSpPr>
+          <p:cNvPr id="3" name="Content Placeholder 2">
+            <a:extLst>
+              <a:ext uri="{FF2B5EF4-FFF2-40B4-BE49-F238E27FC236}">
+                <a16:creationId xmlns:a16="http://schemas.microsoft.com/office/drawing/2014/main" id="{B75312BC-317A-4007-9CE9-292EE90F850D}"/>
+              </a:ext>
+            </a:extLst>
+          </p:cNvPr>
+          <p:cNvSpPr>
+            <a:spLocks noGrp="1"/>
+          </p:cNvSpPr>
+          <p:nvPr>
+            <p:ph idx="1"/>
+          </p:nvPr>
+        </p:nvSpPr>
+        <p:spPr/>
+        <p:txBody>
+          <a:bodyPr/>
+          <a:lstStyle/>
+          <a:p>
+            <a:r>
+              <a:rPr lang="en-US" dirty="0" err="1"/>
+              <a:t>Quản</a:t>
+            </a:r>
+            <a:r>
+              <a:rPr lang="en-US" dirty="0"/>
+              <a:t> </a:t>
+            </a:r>
+            <a:r>
+              <a:rPr lang="en-US" dirty="0" err="1"/>
+              <a:t>lý</a:t>
+            </a:r>
+            <a:r>
+              <a:rPr lang="en-US" dirty="0"/>
+              <a:t> </a:t>
+            </a:r>
+            <a:r>
+              <a:rPr lang="en-US" dirty="0" err="1"/>
+              <a:t>các</a:t>
+            </a:r>
+            <a:r>
+              <a:rPr lang="en-US" dirty="0"/>
+              <a:t> </a:t>
+            </a:r>
+            <a:r>
+              <a:rPr lang="en-US" dirty="0" err="1"/>
+              <a:t>dây</a:t>
+            </a:r>
+            <a:r>
+              <a:rPr lang="en-US" dirty="0"/>
+              <a:t> </a:t>
+            </a:r>
+            <a:r>
+              <a:rPr lang="en-US" dirty="0" err="1"/>
+              <a:t>chuyền</a:t>
+            </a:r>
+            <a:r>
+              <a:rPr lang="en-US" dirty="0"/>
+              <a:t> </a:t>
+            </a:r>
+            <a:r>
+              <a:rPr lang="en-US" dirty="0" err="1"/>
+              <a:t>sản</a:t>
+            </a:r>
+            <a:r>
+              <a:rPr lang="en-US" dirty="0"/>
+              <a:t> </a:t>
+            </a:r>
+            <a:r>
+              <a:rPr lang="en-US" dirty="0" err="1"/>
+              <a:t>xuất</a:t>
+            </a:r>
+            <a:endParaRPr lang="en-US" dirty="0"/>
+          </a:p>
+        </p:txBody>
+      </p:sp>
+      <p:pic>
+        <p:nvPicPr>
+          <p:cNvPr id="5" name="Picture 4">
+            <a:extLst>
+              <a:ext uri="{FF2B5EF4-FFF2-40B4-BE49-F238E27FC236}">
+                <a16:creationId xmlns:a16="http://schemas.microsoft.com/office/drawing/2014/main" id="{67E6DE6C-9B9F-467C-BFB5-D90EAE7E694C}"/>
+              </a:ext>
+            </a:extLst>
+          </p:cNvPr>
+          <p:cNvPicPr>
+            <a:picLocks noChangeAspect="1"/>
+          </p:cNvPicPr>
+          <p:nvPr/>
+        </p:nvPicPr>
+        <p:blipFill>
+          <a:blip r:embed="rId2"/>
+          <a:stretch>
+            <a:fillRect/>
+          </a:stretch>
+        </p:blipFill>
+        <p:spPr>
+          <a:xfrm>
+            <a:off x="790575" y="1104900"/>
+            <a:ext cx="10563225" cy="5753100"/>
+          </a:xfrm>
+          <a:prstGeom prst="rect">
+            <a:avLst/>
+          </a:prstGeom>
+        </p:spPr>
+      </p:pic>
+    </p:spTree>
+    <p:extLst>
+      <p:ext uri="{BB962C8B-B14F-4D97-AF65-F5344CB8AC3E}">
+        <p14:creationId xmlns:p14="http://schemas.microsoft.com/office/powerpoint/2010/main" val="215625256"/>
+      </p:ext>
+    </p:extLst>
+  </p:cSld>
+  <p:clrMapOvr>
+    <a:masterClrMapping/>
+  </p:clrMapOvr>
+</p:sld>
+</file>
+
+<file path=ppt/slides/slide18.xml><?xml version="1.0" encoding="utf-8"?>
+<p:sld xmlns:a="http://schemas.openxmlformats.org/drawingml/2006/main" xmlns:r="http://schemas.openxmlformats.org/officeDocument/2006/relationships" xmlns:p="http://schemas.openxmlformats.org/presentationml/2006/main">
+  <p:cSld>
+    <p:spTree>
+      <p:nvGrpSpPr>
+        <p:cNvPr id="1" name=""/>
+        <p:cNvGrpSpPr/>
+        <p:nvPr/>
+      </p:nvGrpSpPr>
+      <p:grpSpPr>
+        <a:xfrm>
+          <a:off x="0" y="0"/>
+          <a:ext cx="0" cy="0"/>
+          <a:chOff x="0" y="0"/>
+          <a:chExt cx="0" cy="0"/>
+        </a:xfrm>
+      </p:grpSpPr>
+      <p:sp>
+        <p:nvSpPr>
+          <p:cNvPr id="2" name="Title 1">
+            <a:extLst>
+              <a:ext uri="{FF2B5EF4-FFF2-40B4-BE49-F238E27FC236}">
+                <a16:creationId xmlns:a16="http://schemas.microsoft.com/office/drawing/2014/main" id="{A80CBA26-B507-4350-9A66-5C4B61AE00E8}"/>
+              </a:ext>
+            </a:extLst>
+          </p:cNvPr>
+          <p:cNvSpPr>
+            <a:spLocks noGrp="1"/>
+          </p:cNvSpPr>
+          <p:nvPr>
+            <p:ph type="title"/>
+          </p:nvPr>
+        </p:nvSpPr>
+        <p:spPr/>
+        <p:txBody>
+          <a:bodyPr/>
+          <a:lstStyle/>
+          <a:p>
+            <a:r>
+              <a:rPr lang="en-US" dirty="0" err="1"/>
+              <a:t>Ứng</a:t>
+            </a:r>
+            <a:r>
+              <a:rPr lang="en-US" dirty="0"/>
+              <a:t> </a:t>
+            </a:r>
+            <a:r>
+              <a:rPr lang="en-US" dirty="0" err="1"/>
+              <a:t>dụng</a:t>
+            </a:r>
+            <a:r>
+              <a:rPr lang="en-US" dirty="0"/>
+              <a:t> </a:t>
+            </a:r>
+            <a:r>
+              <a:rPr lang="en-US" dirty="0" err="1"/>
+              <a:t>của</a:t>
+            </a:r>
+            <a:r>
+              <a:rPr lang="en-US" dirty="0"/>
+              <a:t> QR code</a:t>
+            </a:r>
+          </a:p>
+        </p:txBody>
+      </p:sp>
+      <p:sp>
+        <p:nvSpPr>
+          <p:cNvPr id="3" name="Content Placeholder 2">
+            <a:extLst>
+              <a:ext uri="{FF2B5EF4-FFF2-40B4-BE49-F238E27FC236}">
+                <a16:creationId xmlns:a16="http://schemas.microsoft.com/office/drawing/2014/main" id="{B75312BC-317A-4007-9CE9-292EE90F850D}"/>
+              </a:ext>
+            </a:extLst>
+          </p:cNvPr>
+          <p:cNvSpPr>
+            <a:spLocks noGrp="1"/>
+          </p:cNvSpPr>
+          <p:nvPr>
+            <p:ph idx="1"/>
+          </p:nvPr>
+        </p:nvSpPr>
+        <p:spPr/>
+        <p:txBody>
+          <a:bodyPr/>
+          <a:lstStyle/>
+          <a:p>
+            <a:r>
+              <a:rPr lang="en-US" dirty="0" err="1"/>
+              <a:t>Truy</a:t>
+            </a:r>
+            <a:r>
+              <a:rPr lang="en-US" dirty="0"/>
+              <a:t> </a:t>
+            </a:r>
+            <a:r>
+              <a:rPr lang="en-US" dirty="0" err="1"/>
+              <a:t>cập</a:t>
+            </a:r>
+            <a:r>
+              <a:rPr lang="en-US" dirty="0"/>
+              <a:t> </a:t>
+            </a:r>
+            <a:r>
+              <a:rPr lang="en-US" dirty="0" err="1"/>
+              <a:t>nhanh</a:t>
+            </a:r>
+            <a:endParaRPr lang="en-US" dirty="0"/>
+          </a:p>
+        </p:txBody>
+      </p:sp>
+      <p:pic>
+        <p:nvPicPr>
+          <p:cNvPr id="5" name="Picture 4">
+            <a:extLst>
+              <a:ext uri="{FF2B5EF4-FFF2-40B4-BE49-F238E27FC236}">
+                <a16:creationId xmlns:a16="http://schemas.microsoft.com/office/drawing/2014/main" id="{6408F07C-33A0-46D5-B5B3-51B94805EDF6}"/>
+              </a:ext>
+            </a:extLst>
+          </p:cNvPr>
+          <p:cNvPicPr>
+            <a:picLocks noChangeAspect="1"/>
+          </p:cNvPicPr>
+          <p:nvPr/>
+        </p:nvPicPr>
+        <p:blipFill>
+          <a:blip r:embed="rId2"/>
+          <a:stretch>
+            <a:fillRect/>
+          </a:stretch>
+        </p:blipFill>
+        <p:spPr>
+          <a:xfrm>
+            <a:off x="2951635" y="2363787"/>
+            <a:ext cx="6288729" cy="4208752"/>
+          </a:xfrm>
+          <a:prstGeom prst="rect">
+            <a:avLst/>
+          </a:prstGeom>
+        </p:spPr>
+      </p:pic>
+    </p:spTree>
+    <p:extLst>
+      <p:ext uri="{BB962C8B-B14F-4D97-AF65-F5344CB8AC3E}">
+        <p14:creationId xmlns:p14="http://schemas.microsoft.com/office/powerpoint/2010/main" val="2832904686"/>
+      </p:ext>
+    </p:extLst>
+  </p:cSld>
+  <p:clrMapOvr>
+    <a:masterClrMapping/>
+  </p:clrMapOvr>
+</p:sld>
+</file>
+
+<file path=ppt/slides/slide19.xml><?xml version="1.0" encoding="utf-8"?>
+<p:sld xmlns:a="http://schemas.openxmlformats.org/drawingml/2006/main" xmlns:r="http://schemas.openxmlformats.org/officeDocument/2006/relationships" xmlns:p="http://schemas.openxmlformats.org/presentationml/2006/main">
+  <p:cSld>
+    <p:spTree>
+      <p:nvGrpSpPr>
+        <p:cNvPr id="1" name=""/>
+        <p:cNvGrpSpPr/>
+        <p:nvPr/>
+      </p:nvGrpSpPr>
+      <p:grpSpPr>
+        <a:xfrm>
+          <a:off x="0" y="0"/>
+          <a:ext cx="0" cy="0"/>
+          <a:chOff x="0" y="0"/>
+          <a:chExt cx="0" cy="0"/>
+        </a:xfrm>
+      </p:grpSpPr>
+      <p:sp>
+        <p:nvSpPr>
+          <p:cNvPr id="2" name="Title 1">
+            <a:extLst>
+              <a:ext uri="{FF2B5EF4-FFF2-40B4-BE49-F238E27FC236}">
+                <a16:creationId xmlns:a16="http://schemas.microsoft.com/office/drawing/2014/main" id="{E441F615-5009-4B74-B717-9980712E940C}"/>
+              </a:ext>
+            </a:extLst>
+          </p:cNvPr>
+          <p:cNvSpPr>
+            <a:spLocks noGrp="1"/>
+          </p:cNvSpPr>
+          <p:nvPr>
+            <p:ph type="title"/>
+          </p:nvPr>
+        </p:nvSpPr>
+        <p:spPr/>
+        <p:txBody>
+          <a:bodyPr/>
+          <a:lstStyle/>
+          <a:p>
+            <a:r>
+              <a:rPr lang="en-US" dirty="0" err="1"/>
+              <a:t>Ứng</a:t>
+            </a:r>
+            <a:r>
+              <a:rPr lang="en-US" dirty="0"/>
+              <a:t> </a:t>
+            </a:r>
+            <a:r>
+              <a:rPr lang="en-US" dirty="0" err="1"/>
+              <a:t>dụng</a:t>
+            </a:r>
+            <a:r>
+              <a:rPr lang="en-US" dirty="0"/>
+              <a:t> QR code</a:t>
+            </a:r>
+          </a:p>
+        </p:txBody>
+      </p:sp>
+      <p:sp>
+        <p:nvSpPr>
+          <p:cNvPr id="3" name="Content Placeholder 2">
+            <a:extLst>
+              <a:ext uri="{FF2B5EF4-FFF2-40B4-BE49-F238E27FC236}">
+                <a16:creationId xmlns:a16="http://schemas.microsoft.com/office/drawing/2014/main" id="{14988169-D215-466F-ABF4-170845B92633}"/>
+              </a:ext>
+            </a:extLst>
+          </p:cNvPr>
+          <p:cNvSpPr>
+            <a:spLocks noGrp="1"/>
+          </p:cNvSpPr>
+          <p:nvPr>
+            <p:ph idx="1"/>
+          </p:nvPr>
+        </p:nvSpPr>
+        <p:spPr/>
+        <p:txBody>
+          <a:bodyPr/>
+          <a:lstStyle/>
+          <a:p>
+            <a:r>
+              <a:rPr lang="en-US" dirty="0"/>
+              <a:t>Authenticator</a:t>
+            </a:r>
+          </a:p>
+        </p:txBody>
+      </p:sp>
+      <p:pic>
+        <p:nvPicPr>
+          <p:cNvPr id="5" name="Picture 4">
+            <a:extLst>
+              <a:ext uri="{FF2B5EF4-FFF2-40B4-BE49-F238E27FC236}">
+                <a16:creationId xmlns:a16="http://schemas.microsoft.com/office/drawing/2014/main" id="{F041FA0A-C20D-4AE6-82AB-310D9C0C2031}"/>
+              </a:ext>
+            </a:extLst>
+          </p:cNvPr>
+          <p:cNvPicPr>
+            <a:picLocks noChangeAspect="1"/>
+          </p:cNvPicPr>
+          <p:nvPr/>
+        </p:nvPicPr>
+        <p:blipFill>
+          <a:blip r:embed="rId2"/>
+          <a:stretch>
+            <a:fillRect/>
+          </a:stretch>
+        </p:blipFill>
+        <p:spPr>
+          <a:xfrm>
+            <a:off x="838200" y="2449584"/>
+            <a:ext cx="6263677" cy="3617053"/>
+          </a:xfrm>
+          <a:prstGeom prst="rect">
+            <a:avLst/>
+          </a:prstGeom>
+        </p:spPr>
+      </p:pic>
+      <p:pic>
+        <p:nvPicPr>
+          <p:cNvPr id="7" name="Picture 6">
+            <a:extLst>
+              <a:ext uri="{FF2B5EF4-FFF2-40B4-BE49-F238E27FC236}">
+                <a16:creationId xmlns:a16="http://schemas.microsoft.com/office/drawing/2014/main" id="{67BB644D-3D0D-473B-9E95-8794BAE342E4}"/>
+              </a:ext>
+            </a:extLst>
+          </p:cNvPr>
+          <p:cNvPicPr>
+            <a:picLocks noChangeAspect="1"/>
+          </p:cNvPicPr>
+          <p:nvPr/>
+        </p:nvPicPr>
+        <p:blipFill>
+          <a:blip r:embed="rId3"/>
+          <a:stretch>
+            <a:fillRect/>
+          </a:stretch>
+        </p:blipFill>
+        <p:spPr>
+          <a:xfrm>
+            <a:off x="7505700" y="2237587"/>
+            <a:ext cx="3848100" cy="3829050"/>
+          </a:xfrm>
+          <a:prstGeom prst="rect">
+            <a:avLst/>
+          </a:prstGeom>
+        </p:spPr>
+      </p:pic>
+    </p:spTree>
+    <p:extLst>
+      <p:ext uri="{BB962C8B-B14F-4D97-AF65-F5344CB8AC3E}">
+        <p14:creationId xmlns:p14="http://schemas.microsoft.com/office/powerpoint/2010/main" val="2570431292"/>
+      </p:ext>
+    </p:extLst>
+  </p:cSld>
+  <p:clrMapOvr>
+    <a:masterClrMapping/>
+  </p:clrMapOvr>
+</p:sld>
+</file>
+
+<file path=ppt/slides/slide2.xml><?xml version="1.0" encoding="utf-8"?>
+<p:sld xmlns:a="http://schemas.openxmlformats.org/drawingml/2006/main" xmlns:r="http://schemas.openxmlformats.org/officeDocument/2006/relationships" xmlns:p="http://schemas.openxmlformats.org/presentationml/2006/main">
+  <p:cSld>
+    <p:spTree>
+      <p:nvGrpSpPr>
+        <p:cNvPr id="1" name=""/>
+        <p:cNvGrpSpPr/>
+        <p:nvPr/>
+      </p:nvGrpSpPr>
+      <p:grpSpPr>
+        <a:xfrm>
+          <a:off x="0" y="0"/>
+          <a:ext cx="0" cy="0"/>
+          <a:chOff x="0" y="0"/>
+          <a:chExt cx="0" cy="0"/>
+        </a:xfrm>
+      </p:grpSpPr>
+      <p:sp>
+        <p:nvSpPr>
+          <p:cNvPr id="2" name="Title 1">
+            <a:extLst>
+              <a:ext uri="{FF2B5EF4-FFF2-40B4-BE49-F238E27FC236}">
+                <a16:creationId xmlns:a16="http://schemas.microsoft.com/office/drawing/2014/main" id="{D91D2E5E-1748-4250-A78E-8AB65A7F412D}"/>
+              </a:ext>
+            </a:extLst>
+          </p:cNvPr>
+          <p:cNvSpPr>
+            <a:spLocks noGrp="1"/>
+          </p:cNvSpPr>
+          <p:nvPr>
+            <p:ph type="title"/>
+          </p:nvPr>
+        </p:nvSpPr>
+        <p:spPr/>
+        <p:txBody>
+          <a:bodyPr/>
+          <a:lstStyle/>
+          <a:p>
+            <a:r>
+              <a:rPr lang="en-US" dirty="0"/>
+              <a:t>Barcode</a:t>
+            </a:r>
+          </a:p>
+        </p:txBody>
+      </p:sp>
+      <p:sp>
+        <p:nvSpPr>
+          <p:cNvPr id="3" name="Content Placeholder 2">
+            <a:extLst>
+              <a:ext uri="{FF2B5EF4-FFF2-40B4-BE49-F238E27FC236}">
+                <a16:creationId xmlns:a16="http://schemas.microsoft.com/office/drawing/2014/main" id="{93A8F23E-5475-4B86-B586-EBB892AED264}"/>
+              </a:ext>
+            </a:extLst>
+          </p:cNvPr>
+          <p:cNvSpPr>
+            <a:spLocks noGrp="1"/>
+          </p:cNvSpPr>
+          <p:nvPr>
+            <p:ph idx="1"/>
+          </p:nvPr>
+        </p:nvSpPr>
+        <p:spPr>
+          <a:xfrm>
+            <a:off x="838200" y="2024864"/>
+            <a:ext cx="10515600" cy="1404136"/>
+          </a:xfrm>
+        </p:spPr>
+        <p:txBody>
+          <a:bodyPr/>
+          <a:lstStyle/>
+          <a:p>
+            <a:r>
+              <a:rPr lang="en-US" dirty="0" err="1"/>
+              <a:t>Là</a:t>
+            </a:r>
+            <a:r>
+              <a:rPr lang="en-US" dirty="0"/>
+              <a:t> </a:t>
+            </a:r>
+            <a:r>
+              <a:rPr lang="en-US" dirty="0" err="1"/>
+              <a:t>một</a:t>
+            </a:r>
+            <a:r>
+              <a:rPr lang="en-US" dirty="0"/>
+              <a:t> </a:t>
+            </a:r>
+            <a:r>
+              <a:rPr lang="en-US" dirty="0" err="1"/>
+              <a:t>phương</a:t>
+            </a:r>
+            <a:r>
+              <a:rPr lang="en-US" dirty="0"/>
+              <a:t> </a:t>
+            </a:r>
+            <a:r>
+              <a:rPr lang="en-US" dirty="0" err="1"/>
+              <a:t>thức</a:t>
+            </a:r>
+            <a:r>
+              <a:rPr lang="en-US" dirty="0"/>
+              <a:t> </a:t>
+            </a:r>
+            <a:r>
+              <a:rPr lang="en-US" dirty="0" err="1"/>
+              <a:t>để</a:t>
+            </a:r>
+            <a:r>
+              <a:rPr lang="en-US" dirty="0"/>
+              <a:t> </a:t>
+            </a:r>
+            <a:r>
+              <a:rPr lang="en-US" dirty="0" err="1"/>
+              <a:t>biểu</a:t>
+            </a:r>
+            <a:r>
+              <a:rPr lang="en-US" dirty="0"/>
+              <a:t> </a:t>
+            </a:r>
+            <a:r>
+              <a:rPr lang="en-US" dirty="0" err="1"/>
+              <a:t>diễn</a:t>
+            </a:r>
+            <a:r>
+              <a:rPr lang="en-US" dirty="0"/>
+              <a:t> </a:t>
+            </a:r>
+            <a:r>
+              <a:rPr lang="en-US" dirty="0" err="1"/>
+              <a:t>dữ</a:t>
+            </a:r>
+            <a:r>
+              <a:rPr lang="en-US" dirty="0"/>
+              <a:t> </a:t>
+            </a:r>
+            <a:r>
+              <a:rPr lang="en-US" dirty="0" err="1"/>
+              <a:t>liệu</a:t>
+            </a:r>
+            <a:r>
+              <a:rPr lang="en-US" dirty="0"/>
+              <a:t>.</a:t>
+            </a:r>
+          </a:p>
+          <a:p>
+            <a:r>
+              <a:rPr lang="en-US" dirty="0" err="1"/>
+              <a:t>Máy</a:t>
+            </a:r>
+            <a:r>
+              <a:rPr lang="en-US" dirty="0"/>
+              <a:t> </a:t>
+            </a:r>
+            <a:r>
+              <a:rPr lang="en-US" dirty="0" err="1"/>
+              <a:t>có</a:t>
+            </a:r>
+            <a:r>
+              <a:rPr lang="en-US" dirty="0"/>
+              <a:t> </a:t>
+            </a:r>
+            <a:r>
+              <a:rPr lang="en-US" dirty="0" err="1"/>
+              <a:t>thể</a:t>
+            </a:r>
+            <a:r>
+              <a:rPr lang="en-US" dirty="0"/>
+              <a:t> </a:t>
+            </a:r>
+            <a:r>
+              <a:rPr lang="en-US" dirty="0" err="1"/>
+              <a:t>quét</a:t>
+            </a:r>
+            <a:r>
+              <a:rPr lang="en-US" dirty="0"/>
+              <a:t> </a:t>
+            </a:r>
+            <a:r>
+              <a:rPr lang="en-US" dirty="0" err="1"/>
+              <a:t>và</a:t>
+            </a:r>
+            <a:r>
+              <a:rPr lang="en-US" dirty="0"/>
+              <a:t> </a:t>
+            </a:r>
+            <a:r>
+              <a:rPr lang="en-US" dirty="0" err="1"/>
+              <a:t>thu</a:t>
+            </a:r>
+            <a:r>
+              <a:rPr lang="en-US" dirty="0"/>
+              <a:t> </a:t>
+            </a:r>
+            <a:r>
+              <a:rPr lang="en-US" dirty="0" err="1"/>
+              <a:t>nhận</a:t>
+            </a:r>
+            <a:r>
+              <a:rPr lang="en-US" dirty="0"/>
+              <a:t> </a:t>
+            </a:r>
+            <a:r>
+              <a:rPr lang="en-US" dirty="0" err="1"/>
+              <a:t>được</a:t>
+            </a:r>
+            <a:r>
+              <a:rPr lang="en-US" dirty="0"/>
+              <a:t> </a:t>
+            </a:r>
+            <a:r>
+              <a:rPr lang="en-US" dirty="0" err="1"/>
+              <a:t>dữ</a:t>
+            </a:r>
+            <a:r>
+              <a:rPr lang="en-US" dirty="0"/>
+              <a:t> </a:t>
+            </a:r>
+            <a:r>
+              <a:rPr lang="en-US" dirty="0" err="1"/>
+              <a:t>liệu</a:t>
+            </a:r>
+            <a:r>
+              <a:rPr lang="en-US" dirty="0"/>
+              <a:t> </a:t>
+            </a:r>
+            <a:r>
+              <a:rPr lang="en-US" dirty="0" err="1"/>
+              <a:t>được</a:t>
+            </a:r>
+            <a:r>
+              <a:rPr lang="en-US" dirty="0"/>
+              <a:t> </a:t>
+            </a:r>
+            <a:r>
+              <a:rPr lang="en-US" dirty="0" err="1"/>
+              <a:t>biểu</a:t>
+            </a:r>
+            <a:r>
+              <a:rPr lang="en-US" dirty="0"/>
+              <a:t> </a:t>
+            </a:r>
+            <a:r>
+              <a:rPr lang="en-US" dirty="0" err="1"/>
+              <a:t>diễn</a:t>
+            </a:r>
+            <a:r>
+              <a:rPr lang="en-US" dirty="0"/>
+              <a:t>.</a:t>
+            </a:r>
+          </a:p>
+        </p:txBody>
+      </p:sp>
+      <p:pic>
+        <p:nvPicPr>
+          <p:cNvPr id="1026" name="Picture 2">
+            <a:extLst>
+              <a:ext uri="{FF2B5EF4-FFF2-40B4-BE49-F238E27FC236}">
+                <a16:creationId xmlns:a16="http://schemas.microsoft.com/office/drawing/2014/main" id="{F138F34A-5E34-456D-B12B-BF3929AFA0D3}"/>
+              </a:ext>
+            </a:extLst>
+          </p:cNvPr>
+          <p:cNvPicPr>
+            <a:picLocks noChangeAspect="1" noChangeArrowheads="1"/>
+          </p:cNvPicPr>
+          <p:nvPr/>
+        </p:nvPicPr>
+        <p:blipFill>
+          <a:blip r:embed="rId2">
+            <a:extLst>
+              <a:ext uri="{28A0092B-C50C-407E-A947-70E740481C1C}">
+                <a14:useLocalDpi xmlns:a14="http://schemas.microsoft.com/office/drawing/2010/main" val="0"/>
+              </a:ext>
+            </a:extLst>
+          </a:blip>
+          <a:srcRect/>
+          <a:stretch>
+            <a:fillRect/>
+          </a:stretch>
+        </p:blipFill>
+        <p:spPr bwMode="auto">
+          <a:xfrm>
+            <a:off x="5048250" y="3429000"/>
+            <a:ext cx="2095500" cy="1800225"/>
+          </a:xfrm>
+          <a:prstGeom prst="rect">
+            <a:avLst/>
+          </a:prstGeom>
+          <a:noFill/>
+          <a:extLst>
+            <a:ext uri="{909E8E84-426E-40DD-AFC4-6F175D3DCCD1}">
+              <a14:hiddenFill xmlns:a14="http://schemas.microsoft.com/office/drawing/2010/main">
+                <a:solidFill>
+                  <a:srgbClr val="FFFFFF"/>
+                </a:solidFill>
+              </a14:hiddenFill>
+            </a:ext>
+          </a:extLst>
+        </p:spPr>
+      </p:pic>
+    </p:spTree>
+    <p:extLst>
+      <p:ext uri="{BB962C8B-B14F-4D97-AF65-F5344CB8AC3E}">
+        <p14:creationId xmlns:p14="http://schemas.microsoft.com/office/powerpoint/2010/main" val="2596257906"/>
+      </p:ext>
+    </p:extLst>
+  </p:cSld>
+  <p:clrMapOvr>
+    <a:masterClrMapping/>
+  </p:clrMapOvr>
+</p:sld>
+</file>
+
+<file path=ppt/slides/slide20.xml><?xml version="1.0" encoding="utf-8"?>
+<p:sld xmlns:a="http://schemas.openxmlformats.org/drawingml/2006/main" xmlns:r="http://schemas.openxmlformats.org/officeDocument/2006/relationships" xmlns:p="http://schemas.openxmlformats.org/presentationml/2006/main">
+  <p:cSld>
+    <p:spTree>
+      <p:nvGrpSpPr>
+        <p:cNvPr id="1" name=""/>
+        <p:cNvGrpSpPr/>
+        <p:nvPr/>
+      </p:nvGrpSpPr>
+      <p:grpSpPr>
+        <a:xfrm>
+          <a:off x="0" y="0"/>
+          <a:ext cx="0" cy="0"/>
+          <a:chOff x="0" y="0"/>
+          <a:chExt cx="0" cy="0"/>
+        </a:xfrm>
+      </p:grpSpPr>
+      <p:sp>
+        <p:nvSpPr>
+          <p:cNvPr id="2" name="Title 1">
+            <a:extLst>
+              <a:ext uri="{FF2B5EF4-FFF2-40B4-BE49-F238E27FC236}">
+                <a16:creationId xmlns:a16="http://schemas.microsoft.com/office/drawing/2014/main" id="{7F272EC9-AD6A-422A-B7A0-C60B7F424B68}"/>
+              </a:ext>
+            </a:extLst>
+          </p:cNvPr>
+          <p:cNvSpPr>
+            <a:spLocks noGrp="1"/>
+          </p:cNvSpPr>
+          <p:nvPr>
+            <p:ph type="title"/>
+          </p:nvPr>
+        </p:nvSpPr>
+        <p:spPr/>
+        <p:txBody>
+          <a:bodyPr/>
+          <a:lstStyle/>
+          <a:p>
+            <a:r>
+              <a:rPr lang="en-US" dirty="0" err="1"/>
+              <a:t>Ứng</a:t>
+            </a:r>
+            <a:r>
+              <a:rPr lang="en-US" dirty="0"/>
+              <a:t> </a:t>
+            </a:r>
+            <a:r>
+              <a:rPr lang="en-US" dirty="0" err="1"/>
+              <a:t>dụng</a:t>
+            </a:r>
+            <a:r>
+              <a:rPr lang="en-US" dirty="0"/>
+              <a:t> </a:t>
+            </a:r>
+            <a:r>
+              <a:rPr lang="en-US" dirty="0" err="1"/>
+              <a:t>của</a:t>
+            </a:r>
+            <a:r>
+              <a:rPr lang="en-US" dirty="0"/>
+              <a:t> QR code</a:t>
+            </a:r>
+          </a:p>
+        </p:txBody>
+      </p:sp>
+      <p:pic>
+        <p:nvPicPr>
+          <p:cNvPr id="11266" name="Picture 2" descr="Kakao has announced that it has added QR code identification technology that will enable users to process payments with a simple snapshot to its Kakao Pay service. (Image: Kakao Pay)">
+            <a:extLst>
+              <a:ext uri="{FF2B5EF4-FFF2-40B4-BE49-F238E27FC236}">
+                <a16:creationId xmlns:a16="http://schemas.microsoft.com/office/drawing/2014/main" id="{F2A13D00-6A1E-4F9C-9D03-F689E51F1F8E}"/>
+              </a:ext>
+            </a:extLst>
+          </p:cNvPr>
+          <p:cNvPicPr>
+            <a:picLocks noChangeAspect="1" noChangeArrowheads="1"/>
+          </p:cNvPicPr>
+          <p:nvPr/>
+        </p:nvPicPr>
+        <p:blipFill>
+          <a:blip r:embed="rId2">
+            <a:extLst>
+              <a:ext uri="{28A0092B-C50C-407E-A947-70E740481C1C}">
+                <a14:useLocalDpi xmlns:a14="http://schemas.microsoft.com/office/drawing/2010/main" val="0"/>
+              </a:ext>
+            </a:extLst>
+          </a:blip>
+          <a:srcRect/>
+          <a:stretch>
+            <a:fillRect/>
+          </a:stretch>
+        </p:blipFill>
+        <p:spPr bwMode="auto">
+          <a:xfrm>
+            <a:off x="3000375" y="1959528"/>
+            <a:ext cx="6191250" cy="3962400"/>
+          </a:xfrm>
+          <a:prstGeom prst="rect">
+            <a:avLst/>
+          </a:prstGeom>
+          <a:noFill/>
+          <a:extLst>
+            <a:ext uri="{909E8E84-426E-40DD-AFC4-6F175D3DCCD1}">
+              <a14:hiddenFill xmlns:a14="http://schemas.microsoft.com/office/drawing/2010/main">
+                <a:solidFill>
+                  <a:srgbClr val="FFFFFF"/>
+                </a:solidFill>
+              </a14:hiddenFill>
+            </a:ext>
+          </a:extLst>
+        </p:spPr>
+      </p:pic>
+    </p:spTree>
+    <p:extLst>
+      <p:ext uri="{BB962C8B-B14F-4D97-AF65-F5344CB8AC3E}">
+        <p14:creationId xmlns:p14="http://schemas.microsoft.com/office/powerpoint/2010/main" val="1232619192"/>
+      </p:ext>
+    </p:extLst>
+  </p:cSld>
+  <p:clrMapOvr>
+    <a:masterClrMapping/>
+  </p:clrMapOvr>
+</p:sld>
+</file>
+
+<file path=ppt/slides/slide21.xml><?xml version="1.0" encoding="utf-8"?>
+<p:sld xmlns:a="http://schemas.openxmlformats.org/drawingml/2006/main" xmlns:r="http://schemas.openxmlformats.org/officeDocument/2006/relationships" xmlns:p="http://schemas.openxmlformats.org/presentationml/2006/main">
+  <p:cSld>
+    <p:spTree>
+      <p:nvGrpSpPr>
+        <p:cNvPr id="1" name=""/>
+        <p:cNvGrpSpPr/>
+        <p:nvPr/>
+      </p:nvGrpSpPr>
+      <p:grpSpPr>
+        <a:xfrm>
+          <a:off x="0" y="0"/>
+          <a:ext cx="0" cy="0"/>
+          <a:chOff x="0" y="0"/>
+          <a:chExt cx="0" cy="0"/>
+        </a:xfrm>
+      </p:grpSpPr>
+      <p:sp>
+        <p:nvSpPr>
+          <p:cNvPr id="2" name="Title 1">
+            <a:extLst>
+              <a:ext uri="{FF2B5EF4-FFF2-40B4-BE49-F238E27FC236}">
+                <a16:creationId xmlns:a16="http://schemas.microsoft.com/office/drawing/2014/main" id="{72753889-2666-44E8-BAC3-D3961BF80372}"/>
+              </a:ext>
+            </a:extLst>
+          </p:cNvPr>
+          <p:cNvSpPr>
+            <a:spLocks noGrp="1"/>
+          </p:cNvSpPr>
+          <p:nvPr>
+            <p:ph type="title"/>
+          </p:nvPr>
+        </p:nvSpPr>
+        <p:spPr>
+          <a:xfrm>
+            <a:off x="318083" y="42891"/>
+            <a:ext cx="10515600" cy="1325563"/>
+          </a:xfrm>
+        </p:spPr>
+        <p:txBody>
+          <a:bodyPr/>
+          <a:lstStyle/>
+          <a:p>
+            <a:r>
+              <a:rPr lang="en-US" dirty="0" err="1"/>
+              <a:t>Rủi</a:t>
+            </a:r>
+            <a:r>
+              <a:rPr lang="en-US" dirty="0"/>
+              <a:t> </a:t>
+            </a:r>
+            <a:r>
+              <a:rPr lang="en-US" dirty="0" err="1"/>
+              <a:t>ro</a:t>
+            </a:r>
+            <a:r>
+              <a:rPr lang="en-US" dirty="0"/>
+              <a:t> </a:t>
+            </a:r>
+            <a:r>
+              <a:rPr lang="en-US" dirty="0" err="1"/>
+              <a:t>của</a:t>
+            </a:r>
+            <a:r>
+              <a:rPr lang="en-US" dirty="0"/>
+              <a:t> QR code</a:t>
+            </a:r>
+          </a:p>
+        </p:txBody>
+      </p:sp>
+      <p:pic>
+        <p:nvPicPr>
+          <p:cNvPr id="13318" name="Picture 6" descr="What is Malware &amp; What Does it Do? | Malware Definition | Avast">
+            <a:extLst>
+              <a:ext uri="{FF2B5EF4-FFF2-40B4-BE49-F238E27FC236}">
+                <a16:creationId xmlns:a16="http://schemas.microsoft.com/office/drawing/2014/main" id="{A594F470-036C-4A0E-B424-6AC27423BC09}"/>
+              </a:ext>
+            </a:extLst>
+          </p:cNvPr>
+          <p:cNvPicPr>
+            <a:picLocks noChangeAspect="1" noChangeArrowheads="1"/>
+          </p:cNvPicPr>
+          <p:nvPr/>
+        </p:nvPicPr>
+        <p:blipFill>
+          <a:blip r:embed="rId2">
+            <a:extLst>
+              <a:ext uri="{28A0092B-C50C-407E-A947-70E740481C1C}">
+                <a14:useLocalDpi xmlns:a14="http://schemas.microsoft.com/office/drawing/2010/main" val="0"/>
+              </a:ext>
+            </a:extLst>
+          </a:blip>
+          <a:srcRect/>
+          <a:stretch>
+            <a:fillRect/>
+          </a:stretch>
+        </p:blipFill>
+        <p:spPr bwMode="auto">
+          <a:xfrm>
+            <a:off x="2371201" y="1041283"/>
+            <a:ext cx="8020050" cy="5715000"/>
+          </a:xfrm>
+          <a:prstGeom prst="rect">
+            <a:avLst/>
+          </a:prstGeom>
+          <a:noFill/>
+          <a:extLst>
+            <a:ext uri="{909E8E84-426E-40DD-AFC4-6F175D3DCCD1}">
+              <a14:hiddenFill xmlns:a14="http://schemas.microsoft.com/office/drawing/2010/main">
+                <a:solidFill>
+                  <a:srgbClr val="FFFFFF"/>
+                </a:solidFill>
+              </a14:hiddenFill>
+            </a:ext>
+          </a:extLst>
+        </p:spPr>
+      </p:pic>
+    </p:spTree>
+    <p:extLst>
+      <p:ext uri="{BB962C8B-B14F-4D97-AF65-F5344CB8AC3E}">
+        <p14:creationId xmlns:p14="http://schemas.microsoft.com/office/powerpoint/2010/main" val="2417208963"/>
+      </p:ext>
+    </p:extLst>
+  </p:cSld>
+  <p:clrMapOvr>
+    <a:masterClrMapping/>
+  </p:clrMapOvr>
+</p:sld>
+</file>
+
+<file path=ppt/slides/slide22.xml><?xml version="1.0" encoding="utf-8"?>
+<p:sld xmlns:a="http://schemas.openxmlformats.org/drawingml/2006/main" xmlns:r="http://schemas.openxmlformats.org/officeDocument/2006/relationships" xmlns:p="http://schemas.openxmlformats.org/presentationml/2006/main">
+  <p:cSld>
+    <p:spTree>
+      <p:nvGrpSpPr>
+        <p:cNvPr id="1" name=""/>
+        <p:cNvGrpSpPr/>
+        <p:nvPr/>
+      </p:nvGrpSpPr>
+      <p:grpSpPr>
+        <a:xfrm>
+          <a:off x="0" y="0"/>
+          <a:ext cx="0" cy="0"/>
+          <a:chOff x="0" y="0"/>
+          <a:chExt cx="0" cy="0"/>
+        </a:xfrm>
+      </p:grpSpPr>
+      <p:pic>
+        <p:nvPicPr>
+          <p:cNvPr id="14338" name="Picture 2" descr="WhatsApp QR link hijacking attack (initiated via sending a target victim a phishing website link). Here the spoofed QR code is automatically refreshed through the Javascript that has been copied from the legitimate WhatsApp authentication page.">
+            <a:extLst>
+              <a:ext uri="{FF2B5EF4-FFF2-40B4-BE49-F238E27FC236}">
+                <a16:creationId xmlns:a16="http://schemas.microsoft.com/office/drawing/2014/main" id="{20319774-0AFC-46EF-884F-61E6A44FE585}"/>
+              </a:ext>
+            </a:extLst>
+          </p:cNvPr>
+          <p:cNvPicPr>
+            <a:picLocks noChangeAspect="1" noChangeArrowheads="1"/>
+          </p:cNvPicPr>
+          <p:nvPr/>
+        </p:nvPicPr>
+        <p:blipFill>
+          <a:blip r:embed="rId2">
+            <a:extLst>
+              <a:ext uri="{28A0092B-C50C-407E-A947-70E740481C1C}">
+                <a14:useLocalDpi xmlns:a14="http://schemas.microsoft.com/office/drawing/2010/main" val="0"/>
+              </a:ext>
+            </a:extLst>
+          </a:blip>
+          <a:srcRect/>
+          <a:stretch>
+            <a:fillRect/>
+          </a:stretch>
+        </p:blipFill>
+        <p:spPr bwMode="auto">
+          <a:xfrm>
+            <a:off x="2047875" y="14288"/>
+            <a:ext cx="8096250" cy="6829425"/>
+          </a:xfrm>
+          <a:prstGeom prst="rect">
+            <a:avLst/>
+          </a:prstGeom>
+          <a:noFill/>
+          <a:extLst>
+            <a:ext uri="{909E8E84-426E-40DD-AFC4-6F175D3DCCD1}">
+              <a14:hiddenFill xmlns:a14="http://schemas.microsoft.com/office/drawing/2010/main">
+                <a:solidFill>
+                  <a:srgbClr val="FFFFFF"/>
+                </a:solidFill>
+              </a14:hiddenFill>
+            </a:ext>
+          </a:extLst>
+        </p:spPr>
+      </p:pic>
+    </p:spTree>
+    <p:extLst>
+      <p:ext uri="{BB962C8B-B14F-4D97-AF65-F5344CB8AC3E}">
+        <p14:creationId xmlns:p14="http://schemas.microsoft.com/office/powerpoint/2010/main" val="2562274954"/>
+      </p:ext>
+    </p:extLst>
+  </p:cSld>
+  <p:clrMapOvr>
+    <a:masterClrMapping/>
+  </p:clrMapOvr>
+</p:sld>
+</file>
+
+<file path=ppt/slides/slide23.xml><?xml version="1.0" encoding="utf-8"?>
+<p:sld xmlns:a="http://schemas.openxmlformats.org/drawingml/2006/main" xmlns:r="http://schemas.openxmlformats.org/officeDocument/2006/relationships" xmlns:p="http://schemas.openxmlformats.org/presentationml/2006/main">
+  <p:cSld>
+    <p:spTree>
+      <p:nvGrpSpPr>
+        <p:cNvPr id="1" name=""/>
+        <p:cNvGrpSpPr/>
+        <p:nvPr/>
+      </p:nvGrpSpPr>
+      <p:grpSpPr>
+        <a:xfrm>
+          <a:off x="0" y="0"/>
+          <a:ext cx="0" cy="0"/>
+          <a:chOff x="0" y="0"/>
+          <a:chExt cx="0" cy="0"/>
+        </a:xfrm>
+      </p:grpSpPr>
+      <p:sp>
+        <p:nvSpPr>
+          <p:cNvPr id="2" name="Title 1">
+            <a:extLst>
+              <a:ext uri="{FF2B5EF4-FFF2-40B4-BE49-F238E27FC236}">
+                <a16:creationId xmlns:a16="http://schemas.microsoft.com/office/drawing/2014/main" id="{C86F7AC2-376F-4F90-A7D4-6BD8EFE21020}"/>
+              </a:ext>
+            </a:extLst>
+          </p:cNvPr>
+          <p:cNvSpPr>
+            <a:spLocks noGrp="1"/>
+          </p:cNvSpPr>
+          <p:nvPr>
+            <p:ph type="title"/>
+          </p:nvPr>
+        </p:nvSpPr>
+        <p:spPr/>
+        <p:txBody>
+          <a:bodyPr/>
+          <a:lstStyle/>
+          <a:p>
+            <a:r>
+              <a:rPr lang="en-US" dirty="0" err="1"/>
+              <a:t>Giải</a:t>
+            </a:r>
+            <a:r>
+              <a:rPr lang="en-US" dirty="0"/>
+              <a:t> </a:t>
+            </a:r>
+            <a:r>
+              <a:rPr lang="en-US" dirty="0" err="1"/>
+              <a:t>pháp</a:t>
+            </a:r>
+            <a:r>
+              <a:rPr lang="en-US" dirty="0"/>
+              <a:t> </a:t>
+            </a:r>
+            <a:r>
+              <a:rPr lang="en-US" dirty="0" err="1"/>
+              <a:t>phòng</a:t>
+            </a:r>
+            <a:r>
+              <a:rPr lang="en-US" dirty="0"/>
+              <a:t> </a:t>
+            </a:r>
+            <a:r>
+              <a:rPr lang="en-US" dirty="0" err="1"/>
+              <a:t>vệ</a:t>
+            </a:r>
+            <a:endParaRPr lang="en-US" dirty="0"/>
+          </a:p>
+        </p:txBody>
+      </p:sp>
+      <p:sp>
+        <p:nvSpPr>
+          <p:cNvPr id="4" name="Content Placeholder 2">
+            <a:extLst>
+              <a:ext uri="{FF2B5EF4-FFF2-40B4-BE49-F238E27FC236}">
+                <a16:creationId xmlns:a16="http://schemas.microsoft.com/office/drawing/2014/main" id="{7FA642E0-5FA7-4CB3-9D21-A71FBEB8FFE4}"/>
+              </a:ext>
+            </a:extLst>
+          </p:cNvPr>
+          <p:cNvSpPr>
+            <a:spLocks noGrp="1"/>
+          </p:cNvSpPr>
+          <p:nvPr>
+            <p:ph idx="1"/>
+          </p:nvPr>
+        </p:nvSpPr>
+        <p:spPr>
+          <a:xfrm>
+            <a:off x="838200" y="1825625"/>
+            <a:ext cx="10515600" cy="4351338"/>
+          </a:xfrm>
+        </p:spPr>
+        <p:txBody>
+          <a:bodyPr/>
+          <a:lstStyle/>
+          <a:p>
+            <a:r>
+              <a:rPr lang="en-US" dirty="0" err="1"/>
+              <a:t>Cần</a:t>
+            </a:r>
+            <a:r>
+              <a:rPr lang="en-US" dirty="0"/>
+              <a:t> </a:t>
+            </a:r>
+            <a:r>
+              <a:rPr lang="en-US" dirty="0" err="1"/>
+              <a:t>tìm</a:t>
+            </a:r>
+            <a:r>
+              <a:rPr lang="en-US" dirty="0"/>
+              <a:t> </a:t>
+            </a:r>
+            <a:r>
+              <a:rPr lang="en-US" dirty="0" err="1"/>
+              <a:t>hiểu</a:t>
+            </a:r>
+            <a:r>
+              <a:rPr lang="en-US" dirty="0"/>
+              <a:t> </a:t>
+            </a:r>
+            <a:r>
+              <a:rPr lang="en-US" dirty="0" err="1"/>
+              <a:t>rõ</a:t>
+            </a:r>
+            <a:r>
+              <a:rPr lang="en-US" dirty="0"/>
+              <a:t> </a:t>
+            </a:r>
+            <a:r>
+              <a:rPr lang="en-US" dirty="0" err="1"/>
+              <a:t>nguồn</a:t>
+            </a:r>
+            <a:r>
+              <a:rPr lang="en-US" dirty="0"/>
+              <a:t> </a:t>
+            </a:r>
+            <a:r>
+              <a:rPr lang="en-US" dirty="0" err="1"/>
+              <a:t>gốc</a:t>
+            </a:r>
+            <a:r>
+              <a:rPr lang="en-US" dirty="0"/>
+              <a:t> </a:t>
+            </a:r>
+            <a:r>
+              <a:rPr lang="en-US" dirty="0" err="1"/>
+              <a:t>của</a:t>
+            </a:r>
+            <a:r>
+              <a:rPr lang="en-US" dirty="0"/>
+              <a:t> QR Code </a:t>
+            </a:r>
+            <a:r>
+              <a:rPr lang="en-US" dirty="0" err="1"/>
+              <a:t>trước</a:t>
+            </a:r>
+            <a:r>
+              <a:rPr lang="en-US" dirty="0"/>
+              <a:t> </a:t>
+            </a:r>
+            <a:r>
+              <a:rPr lang="en-US" dirty="0" err="1"/>
+              <a:t>khi</a:t>
+            </a:r>
+            <a:r>
+              <a:rPr lang="en-US" dirty="0"/>
+              <a:t> scan.</a:t>
+            </a:r>
+          </a:p>
+          <a:p>
+            <a:r>
+              <a:rPr lang="en-US" dirty="0" err="1"/>
+              <a:t>Nâng</a:t>
+            </a:r>
+            <a:r>
+              <a:rPr lang="en-US" dirty="0"/>
+              <a:t> </a:t>
+            </a:r>
+            <a:r>
+              <a:rPr lang="en-US" dirty="0" err="1"/>
+              <a:t>cao</a:t>
+            </a:r>
+            <a:r>
+              <a:rPr lang="en-US" dirty="0"/>
+              <a:t> </a:t>
+            </a:r>
+            <a:r>
+              <a:rPr lang="en-US" dirty="0" err="1"/>
+              <a:t>cảnh</a:t>
+            </a:r>
+            <a:r>
+              <a:rPr lang="en-US" dirty="0"/>
+              <a:t> </a:t>
+            </a:r>
+            <a:r>
+              <a:rPr lang="en-US" dirty="0" err="1"/>
+              <a:t>giác</a:t>
+            </a:r>
+            <a:r>
+              <a:rPr lang="en-US" dirty="0"/>
+              <a:t> </a:t>
+            </a:r>
+            <a:r>
+              <a:rPr lang="en-US" dirty="0" err="1"/>
+              <a:t>với</a:t>
+            </a:r>
+            <a:r>
+              <a:rPr lang="en-US" dirty="0"/>
+              <a:t> </a:t>
+            </a:r>
+            <a:r>
+              <a:rPr lang="en-US" dirty="0" err="1"/>
+              <a:t>các</a:t>
+            </a:r>
+            <a:r>
+              <a:rPr lang="en-US" dirty="0"/>
+              <a:t> link </a:t>
+            </a:r>
+            <a:r>
+              <a:rPr lang="en-US" dirty="0" err="1"/>
+              <a:t>url</a:t>
+            </a:r>
+            <a:r>
+              <a:rPr lang="en-US" dirty="0"/>
+              <a:t> </a:t>
+            </a:r>
+            <a:r>
+              <a:rPr lang="en-US" dirty="0" err="1"/>
+              <a:t>chứa</a:t>
+            </a:r>
+            <a:r>
+              <a:rPr lang="en-US" dirty="0"/>
+              <a:t> </a:t>
+            </a:r>
+            <a:r>
+              <a:rPr lang="en-US" dirty="0" err="1"/>
+              <a:t>trong</a:t>
+            </a:r>
+            <a:r>
+              <a:rPr lang="en-US" dirty="0"/>
+              <a:t> QR Code.</a:t>
+            </a:r>
+          </a:p>
+          <a:p>
+            <a:r>
+              <a:rPr lang="en-US" dirty="0" err="1"/>
+              <a:t>Đọc</a:t>
+            </a:r>
+            <a:r>
+              <a:rPr lang="en-US" dirty="0"/>
+              <a:t> </a:t>
+            </a:r>
+            <a:r>
+              <a:rPr lang="en-US" dirty="0" err="1"/>
+              <a:t>và</a:t>
+            </a:r>
+            <a:r>
+              <a:rPr lang="en-US" dirty="0"/>
+              <a:t> </a:t>
+            </a:r>
+            <a:r>
+              <a:rPr lang="en-US" dirty="0" err="1"/>
+              <a:t>hiểu</a:t>
+            </a:r>
+            <a:r>
+              <a:rPr lang="en-US" dirty="0"/>
+              <a:t> </a:t>
+            </a:r>
+            <a:r>
+              <a:rPr lang="en-US" dirty="0" err="1"/>
+              <a:t>rõ</a:t>
+            </a:r>
+            <a:r>
+              <a:rPr lang="en-US" dirty="0"/>
+              <a:t> </a:t>
+            </a:r>
+            <a:r>
+              <a:rPr lang="en-US" dirty="0" err="1"/>
+              <a:t>những</a:t>
+            </a:r>
+            <a:r>
+              <a:rPr lang="en-US" dirty="0"/>
+              <a:t> </a:t>
+            </a:r>
+            <a:r>
+              <a:rPr lang="en-US" dirty="0" err="1"/>
+              <a:t>nguy</a:t>
+            </a:r>
+            <a:r>
+              <a:rPr lang="en-US" dirty="0"/>
+              <a:t> </a:t>
+            </a:r>
+            <a:r>
+              <a:rPr lang="en-US" dirty="0" err="1"/>
+              <a:t>cơ</a:t>
+            </a:r>
+            <a:r>
+              <a:rPr lang="en-US" dirty="0"/>
+              <a:t> </a:t>
+            </a:r>
+            <a:r>
+              <a:rPr lang="en-US" dirty="0" err="1"/>
+              <a:t>khi</a:t>
+            </a:r>
+            <a:r>
+              <a:rPr lang="en-US" dirty="0"/>
+              <a:t> </a:t>
+            </a:r>
+            <a:r>
+              <a:rPr lang="en-US" dirty="0" err="1"/>
+              <a:t>ủy</a:t>
+            </a:r>
+            <a:r>
+              <a:rPr lang="en-US" dirty="0"/>
+              <a:t> </a:t>
+            </a:r>
+            <a:r>
+              <a:rPr lang="en-US" dirty="0" err="1"/>
+              <a:t>quyền</a:t>
+            </a:r>
+            <a:r>
+              <a:rPr lang="en-US" dirty="0"/>
+              <a:t> </a:t>
+            </a:r>
+            <a:r>
+              <a:rPr lang="en-US" dirty="0" err="1"/>
+              <a:t>cho</a:t>
+            </a:r>
+            <a:r>
+              <a:rPr lang="en-US" dirty="0"/>
+              <a:t> </a:t>
+            </a:r>
+            <a:r>
+              <a:rPr lang="en-US" dirty="0" err="1"/>
+              <a:t>các</a:t>
+            </a:r>
+            <a:r>
+              <a:rPr lang="en-US" dirty="0"/>
+              <a:t> </a:t>
+            </a:r>
+            <a:r>
+              <a:rPr lang="en-US" dirty="0" err="1"/>
+              <a:t>ứng</a:t>
+            </a:r>
+            <a:r>
+              <a:rPr lang="en-US" dirty="0"/>
+              <a:t> </a:t>
+            </a:r>
+            <a:r>
+              <a:rPr lang="en-US" dirty="0" err="1"/>
+              <a:t>dụng</a:t>
+            </a:r>
+            <a:r>
+              <a:rPr lang="en-US" dirty="0"/>
+              <a:t> </a:t>
+            </a:r>
+            <a:r>
+              <a:rPr lang="en-US" dirty="0" err="1"/>
+              <a:t>quét</a:t>
+            </a:r>
+            <a:r>
+              <a:rPr lang="en-US" dirty="0"/>
+              <a:t> QR code.</a:t>
+            </a:r>
+          </a:p>
+        </p:txBody>
+      </p:sp>
+    </p:spTree>
+    <p:extLst>
+      <p:ext uri="{BB962C8B-B14F-4D97-AF65-F5344CB8AC3E}">
+        <p14:creationId xmlns:p14="http://schemas.microsoft.com/office/powerpoint/2010/main" val="2630366688"/>
+      </p:ext>
+    </p:extLst>
+  </p:cSld>
+  <p:clrMapOvr>
+    <a:masterClrMapping/>
+  </p:clrMapOvr>
+</p:sld>
+</file>
+
+<file path=ppt/slides/slide3.xml><?xml version="1.0" encoding="utf-8"?>
+<p:sld xmlns:a="http://schemas.openxmlformats.org/drawingml/2006/main" xmlns:r="http://schemas.openxmlformats.org/officeDocument/2006/relationships" xmlns:p="http://schemas.openxmlformats.org/presentationml/2006/main">
+  <p:cSld>
+    <p:spTree>
+      <p:nvGrpSpPr>
+        <p:cNvPr id="1" name=""/>
+        <p:cNvGrpSpPr/>
+        <p:nvPr/>
+      </p:nvGrpSpPr>
+      <p:grpSpPr>
+        <a:xfrm>
+          <a:off x="0" y="0"/>
+          <a:ext cx="0" cy="0"/>
+          <a:chOff x="0" y="0"/>
+          <a:chExt cx="0" cy="0"/>
+        </a:xfrm>
+      </p:grpSpPr>
+      <p:sp>
+        <p:nvSpPr>
+          <p:cNvPr id="2" name="Title 1">
+            <a:extLst>
+              <a:ext uri="{FF2B5EF4-FFF2-40B4-BE49-F238E27FC236}">
+                <a16:creationId xmlns:a16="http://schemas.microsoft.com/office/drawing/2014/main" id="{9EEA5B66-F0AD-418B-BD17-4F044215B899}"/>
+              </a:ext>
+            </a:extLst>
+          </p:cNvPr>
+          <p:cNvSpPr>
+            <a:spLocks noGrp="1"/>
+          </p:cNvSpPr>
+          <p:nvPr>
+            <p:ph type="title"/>
+          </p:nvPr>
+        </p:nvSpPr>
+        <p:spPr/>
+        <p:txBody>
+          <a:bodyPr/>
+          <a:lstStyle/>
+          <a:p>
+            <a:r>
+              <a:rPr lang="en-US" dirty="0" err="1"/>
+              <a:t>Cấu</a:t>
+            </a:r>
+            <a:r>
+              <a:rPr lang="en-US" dirty="0"/>
+              <a:t> </a:t>
+            </a:r>
+            <a:r>
+              <a:rPr lang="en-US" dirty="0" err="1"/>
+              <a:t>trúc</a:t>
+            </a:r>
+            <a:r>
+              <a:rPr lang="en-US" dirty="0"/>
+              <a:t> </a:t>
+            </a:r>
+            <a:r>
+              <a:rPr lang="en-US" dirty="0" err="1"/>
+              <a:t>của</a:t>
+            </a:r>
+            <a:r>
+              <a:rPr lang="en-US" dirty="0"/>
+              <a:t> barcode</a:t>
+            </a:r>
+          </a:p>
+        </p:txBody>
+      </p:sp>
+      <p:pic>
+        <p:nvPicPr>
+          <p:cNvPr id="2050" name="Picture 2">
+            <a:extLst>
+              <a:ext uri="{FF2B5EF4-FFF2-40B4-BE49-F238E27FC236}">
+                <a16:creationId xmlns:a16="http://schemas.microsoft.com/office/drawing/2014/main" id="{59C01CE0-06A5-4EEE-8B15-4233229CA746}"/>
+              </a:ext>
+            </a:extLst>
+          </p:cNvPr>
+          <p:cNvPicPr>
+            <a:picLocks noChangeAspect="1" noChangeArrowheads="1"/>
+          </p:cNvPicPr>
+          <p:nvPr/>
+        </p:nvPicPr>
+        <p:blipFill>
+          <a:blip r:embed="rId2">
+            <a:extLst>
+              <a:ext uri="{28A0092B-C50C-407E-A947-70E740481C1C}">
+                <a14:useLocalDpi xmlns:a14="http://schemas.microsoft.com/office/drawing/2010/main" val="0"/>
+              </a:ext>
+            </a:extLst>
+          </a:blip>
+          <a:srcRect/>
+          <a:stretch>
+            <a:fillRect/>
+          </a:stretch>
+        </p:blipFill>
+        <p:spPr bwMode="auto">
+          <a:xfrm>
+            <a:off x="2266950" y="1469909"/>
+            <a:ext cx="7658100" cy="4857750"/>
+          </a:xfrm>
+          <a:prstGeom prst="rect">
+            <a:avLst/>
+          </a:prstGeom>
+          <a:noFill/>
+          <a:extLst>
+            <a:ext uri="{909E8E84-426E-40DD-AFC4-6F175D3DCCD1}">
+              <a14:hiddenFill xmlns:a14="http://schemas.microsoft.com/office/drawing/2010/main">
+                <a:solidFill>
+                  <a:srgbClr val="FFFFFF"/>
+                </a:solidFill>
+              </a14:hiddenFill>
+            </a:ext>
+          </a:extLst>
+        </p:spPr>
+      </p:pic>
+    </p:spTree>
+    <p:extLst>
+      <p:ext uri="{BB962C8B-B14F-4D97-AF65-F5344CB8AC3E}">
+        <p14:creationId xmlns:p14="http://schemas.microsoft.com/office/powerpoint/2010/main" val="1129177394"/>
+      </p:ext>
+    </p:extLst>
+  </p:cSld>
+  <p:clrMapOvr>
+    <a:masterClrMapping/>
+  </p:clrMapOvr>
+</p:sld>
+</file>
+
+<file path=ppt/slides/slide4.xml><?xml version="1.0" encoding="utf-8"?>
+<p:sld xmlns:a="http://schemas.openxmlformats.org/drawingml/2006/main" xmlns:r="http://schemas.openxmlformats.org/officeDocument/2006/relationships" xmlns:p="http://schemas.openxmlformats.org/presentationml/2006/main">
+  <p:cSld>
+    <p:spTree>
+      <p:nvGrpSpPr>
+        <p:cNvPr id="1" name=""/>
+        <p:cNvGrpSpPr/>
+        <p:nvPr/>
+      </p:nvGrpSpPr>
+      <p:grpSpPr>
+        <a:xfrm>
+          <a:off x="0" y="0"/>
+          <a:ext cx="0" cy="0"/>
+          <a:chOff x="0" y="0"/>
+          <a:chExt cx="0" cy="0"/>
+        </a:xfrm>
+      </p:grpSpPr>
+      <p:sp>
+        <p:nvSpPr>
+          <p:cNvPr id="2" name="Title 1">
+            <a:extLst>
+              <a:ext uri="{FF2B5EF4-FFF2-40B4-BE49-F238E27FC236}">
+                <a16:creationId xmlns:a16="http://schemas.microsoft.com/office/drawing/2014/main" id="{693656C5-9EC8-4DAC-B17A-292D9187F6BA}"/>
+              </a:ext>
+            </a:extLst>
+          </p:cNvPr>
+          <p:cNvSpPr>
+            <a:spLocks noGrp="1"/>
+          </p:cNvSpPr>
+          <p:nvPr>
+            <p:ph type="title"/>
+          </p:nvPr>
+        </p:nvSpPr>
+        <p:spPr/>
+        <p:txBody>
+          <a:bodyPr/>
+          <a:lstStyle/>
+          <a:p>
+            <a:r>
+              <a:rPr lang="en-US" dirty="0" err="1"/>
+              <a:t>Cách</a:t>
+            </a:r>
+            <a:r>
+              <a:rPr lang="en-US" dirty="0"/>
+              <a:t> barcode </a:t>
+            </a:r>
+            <a:r>
+              <a:rPr lang="en-US" dirty="0" err="1"/>
+              <a:t>hoạt</a:t>
+            </a:r>
+            <a:r>
+              <a:rPr lang="en-US" dirty="0"/>
+              <a:t> </a:t>
+            </a:r>
+            <a:r>
+              <a:rPr lang="en-US" dirty="0" err="1"/>
+              <a:t>động</a:t>
+            </a:r>
+            <a:endParaRPr lang="en-US" dirty="0"/>
+          </a:p>
+        </p:txBody>
+      </p:sp>
+      <p:sp>
+        <p:nvSpPr>
+          <p:cNvPr id="4" name="Content Placeholder 2">
+            <a:extLst>
+              <a:ext uri="{FF2B5EF4-FFF2-40B4-BE49-F238E27FC236}">
+                <a16:creationId xmlns:a16="http://schemas.microsoft.com/office/drawing/2014/main" id="{8C72E8A3-E03B-4CB0-A41A-1E3F7A9877AE}"/>
+              </a:ext>
+            </a:extLst>
+          </p:cNvPr>
+          <p:cNvSpPr>
+            <a:spLocks noGrp="1"/>
+          </p:cNvSpPr>
+          <p:nvPr>
+            <p:ph idx="1"/>
+          </p:nvPr>
+        </p:nvSpPr>
+        <p:spPr>
+          <a:xfrm>
+            <a:off x="838200" y="1747314"/>
+            <a:ext cx="10515600" cy="1404136"/>
+          </a:xfrm>
+        </p:spPr>
+        <p:txBody>
+          <a:bodyPr/>
+          <a:lstStyle/>
+          <a:p>
+            <a:r>
+              <a:rPr lang="en-US" dirty="0" err="1"/>
+              <a:t>Ví</a:t>
+            </a:r>
+            <a:r>
+              <a:rPr lang="en-US" dirty="0"/>
+              <a:t> </a:t>
+            </a:r>
+            <a:r>
+              <a:rPr lang="en-US" dirty="0" err="1"/>
+              <a:t>dụ</a:t>
+            </a:r>
+            <a:r>
+              <a:rPr lang="en-US" dirty="0"/>
+              <a:t> ta </a:t>
+            </a:r>
+            <a:r>
+              <a:rPr lang="en-US" dirty="0" err="1"/>
+              <a:t>cần</a:t>
+            </a:r>
+            <a:r>
+              <a:rPr lang="en-US" dirty="0"/>
+              <a:t> barcode </a:t>
+            </a:r>
+            <a:r>
+              <a:rPr lang="en-US" dirty="0" err="1"/>
+              <a:t>dữ</a:t>
+            </a:r>
+            <a:r>
+              <a:rPr lang="en-US" dirty="0"/>
+              <a:t> </a:t>
+            </a:r>
+            <a:r>
+              <a:rPr lang="en-US" dirty="0" err="1"/>
+              <a:t>liệu</a:t>
+            </a:r>
+            <a:r>
+              <a:rPr lang="en-US" dirty="0"/>
+              <a:t> “</a:t>
+            </a:r>
+            <a:r>
+              <a:rPr lang="en-US" sz="1800" dirty="0">
+                <a:effectLst/>
+                <a:latin typeface="Times New Roman" panose="02020603050405020304" pitchFamily="18" charset="0"/>
+                <a:ea typeface="Times New Roman" panose="02020603050405020304" pitchFamily="18" charset="0"/>
+              </a:rPr>
+              <a:t>CSE370</a:t>
+            </a:r>
+            <a:r>
+              <a:rPr lang="en-US" dirty="0"/>
+              <a:t>”</a:t>
+            </a:r>
+          </a:p>
+        </p:txBody>
+      </p:sp>
+      <p:graphicFrame>
+        <p:nvGraphicFramePr>
+          <p:cNvPr id="5" name="Table 4">
+            <a:extLst>
+              <a:ext uri="{FF2B5EF4-FFF2-40B4-BE49-F238E27FC236}">
+                <a16:creationId xmlns:a16="http://schemas.microsoft.com/office/drawing/2014/main" id="{77868CA8-B6D4-47AB-BB27-8DFBAC5BBB74}"/>
+              </a:ext>
+            </a:extLst>
+          </p:cNvPr>
+          <p:cNvGraphicFramePr>
+            <a:graphicFrameLocks noGrp="1"/>
+          </p:cNvGraphicFramePr>
+          <p:nvPr>
+            <p:extLst>
+              <p:ext uri="{D42A27DB-BD31-4B8C-83A1-F6EECF244321}">
+                <p14:modId xmlns:p14="http://schemas.microsoft.com/office/powerpoint/2010/main" val="3369695846"/>
+              </p:ext>
+            </p:extLst>
+          </p:nvPr>
+        </p:nvGraphicFramePr>
+        <p:xfrm>
+          <a:off x="2668637" y="2462114"/>
+          <a:ext cx="6854726" cy="3271060"/>
+        </p:xfrm>
+        <a:graphic>
+          <a:graphicData uri="http://schemas.openxmlformats.org/drawingml/2006/table">
+            <a:tbl>
+              <a:tblPr firstRow="1" firstCol="1" bandRow="1">
+                <a:tableStyleId>{5C22544A-7EE6-4342-B048-85BDC9FD1C3A}</a:tableStyleId>
+              </a:tblPr>
+              <a:tblGrid>
+                <a:gridCol w="2284655">
+                  <a:extLst>
+                    <a:ext uri="{9D8B030D-6E8A-4147-A177-3AD203B41FA5}">
+                      <a16:colId xmlns:a16="http://schemas.microsoft.com/office/drawing/2014/main" val="380498612"/>
+                    </a:ext>
+                  </a:extLst>
+                </a:gridCol>
+                <a:gridCol w="2284655">
+                  <a:extLst>
+                    <a:ext uri="{9D8B030D-6E8A-4147-A177-3AD203B41FA5}">
+                      <a16:colId xmlns:a16="http://schemas.microsoft.com/office/drawing/2014/main" val="2504837845"/>
+                    </a:ext>
+                  </a:extLst>
+                </a:gridCol>
+                <a:gridCol w="2285416">
+                  <a:extLst>
+                    <a:ext uri="{9D8B030D-6E8A-4147-A177-3AD203B41FA5}">
+                      <a16:colId xmlns:a16="http://schemas.microsoft.com/office/drawing/2014/main" val="2381140054"/>
+                    </a:ext>
+                  </a:extLst>
+                </a:gridCol>
+              </a:tblGrid>
+              <a:tr h="327106">
+                <a:tc>
+                  <a:txBody>
+                    <a:bodyPr/>
+                    <a:lstStyle/>
+                    <a:p>
+                      <a:pPr marL="0" marR="0" indent="0" algn="just">
+                        <a:lnSpc>
+                          <a:spcPct val="150000"/>
+                        </a:lnSpc>
+                        <a:spcBef>
+                          <a:spcPts val="0"/>
+                        </a:spcBef>
+                        <a:spcAft>
+                          <a:spcPts val="0"/>
+                        </a:spcAft>
+                      </a:pPr>
+                      <a:r>
+                        <a:rPr lang="en-US" sz="1300">
+                          <a:effectLst/>
+                        </a:rPr>
+                        <a:t>Ký tự</a:t>
+                      </a:r>
+                      <a:endParaRPr lang="en-US" sz="1300">
+                        <a:effectLst/>
+                        <a:latin typeface="Times New Roman" panose="02020603050405020304" pitchFamily="18" charset="0"/>
+                        <a:ea typeface="Times New Roman" panose="02020603050405020304" pitchFamily="18" charset="0"/>
+                        <a:cs typeface="Times New Roman" panose="02020603050405020304" pitchFamily="18" charset="0"/>
+                      </a:endParaRPr>
+                    </a:p>
+                  </a:txBody>
+                  <a:tcPr marL="68580" marR="68580" marT="0" marB="0"/>
+                </a:tc>
+                <a:tc>
+                  <a:txBody>
+                    <a:bodyPr/>
+                    <a:lstStyle/>
+                    <a:p>
+                      <a:pPr marL="0" marR="0" indent="0" algn="just">
+                        <a:lnSpc>
+                          <a:spcPct val="150000"/>
+                        </a:lnSpc>
+                        <a:spcBef>
+                          <a:spcPts val="0"/>
+                        </a:spcBef>
+                        <a:spcAft>
+                          <a:spcPts val="0"/>
+                        </a:spcAft>
+                      </a:pPr>
+                      <a:r>
+                        <a:rPr lang="en-US" sz="1300">
+                          <a:effectLst/>
+                        </a:rPr>
+                        <a:t>Giá trị</a:t>
+                      </a:r>
+                      <a:endParaRPr lang="en-US" sz="1300">
+                        <a:effectLst/>
+                        <a:latin typeface="Times New Roman" panose="02020603050405020304" pitchFamily="18" charset="0"/>
+                        <a:ea typeface="Times New Roman" panose="02020603050405020304" pitchFamily="18" charset="0"/>
+                        <a:cs typeface="Times New Roman" panose="02020603050405020304" pitchFamily="18" charset="0"/>
+                      </a:endParaRPr>
+                    </a:p>
+                  </a:txBody>
+                  <a:tcPr marL="68580" marR="68580" marT="0" marB="0"/>
+                </a:tc>
+                <a:tc>
+                  <a:txBody>
+                    <a:bodyPr/>
+                    <a:lstStyle/>
+                    <a:p>
+                      <a:pPr marL="0" marR="0" indent="0" algn="just">
+                        <a:lnSpc>
+                          <a:spcPct val="150000"/>
+                        </a:lnSpc>
+                        <a:spcBef>
+                          <a:spcPts val="0"/>
+                        </a:spcBef>
+                        <a:spcAft>
+                          <a:spcPts val="0"/>
+                        </a:spcAft>
+                      </a:pPr>
+                      <a:r>
+                        <a:rPr lang="en-US" sz="1300">
+                          <a:effectLst/>
+                        </a:rPr>
+                        <a:t>Mã nhị phân tương ứng</a:t>
+                      </a:r>
+                      <a:endParaRPr lang="en-US" sz="1300">
+                        <a:effectLst/>
+                        <a:latin typeface="Times New Roman" panose="02020603050405020304" pitchFamily="18" charset="0"/>
+                        <a:ea typeface="Times New Roman" panose="02020603050405020304" pitchFamily="18" charset="0"/>
+                        <a:cs typeface="Times New Roman" panose="02020603050405020304" pitchFamily="18" charset="0"/>
+                      </a:endParaRPr>
+                    </a:p>
+                  </a:txBody>
+                  <a:tcPr marL="68580" marR="68580" marT="0" marB="0"/>
+                </a:tc>
+                <a:extLst>
+                  <a:ext uri="{0D108BD9-81ED-4DB2-BD59-A6C34878D82A}">
+                    <a16:rowId xmlns:a16="http://schemas.microsoft.com/office/drawing/2014/main" val="664925356"/>
+                  </a:ext>
+                </a:extLst>
+              </a:tr>
+              <a:tr h="327106">
+                <a:tc>
+                  <a:txBody>
+                    <a:bodyPr/>
+                    <a:lstStyle/>
+                    <a:p>
+                      <a:pPr marL="0" marR="0" indent="0" algn="just">
+                        <a:lnSpc>
+                          <a:spcPct val="150000"/>
+                        </a:lnSpc>
+                        <a:spcBef>
+                          <a:spcPts val="0"/>
+                        </a:spcBef>
+                        <a:spcAft>
+                          <a:spcPts val="0"/>
+                        </a:spcAft>
+                      </a:pPr>
+                      <a:r>
+                        <a:rPr lang="en-US" sz="1300">
+                          <a:effectLst/>
+                        </a:rPr>
+                        <a:t>A (START_A)</a:t>
+                      </a:r>
+                      <a:endParaRPr lang="en-US" sz="1300">
+                        <a:effectLst/>
+                        <a:latin typeface="Times New Roman" panose="02020603050405020304" pitchFamily="18" charset="0"/>
+                        <a:ea typeface="Times New Roman" panose="02020603050405020304" pitchFamily="18" charset="0"/>
+                        <a:cs typeface="Times New Roman" panose="02020603050405020304" pitchFamily="18" charset="0"/>
+                      </a:endParaRPr>
+                    </a:p>
+                  </a:txBody>
+                  <a:tcPr marL="68580" marR="68580" marT="0" marB="0"/>
+                </a:tc>
+                <a:tc>
+                  <a:txBody>
+                    <a:bodyPr/>
+                    <a:lstStyle/>
+                    <a:p>
+                      <a:pPr marL="0" marR="0" indent="0" algn="just">
+                        <a:lnSpc>
+                          <a:spcPct val="150000"/>
+                        </a:lnSpc>
+                        <a:spcBef>
+                          <a:spcPts val="0"/>
+                        </a:spcBef>
+                        <a:spcAft>
+                          <a:spcPts val="0"/>
+                        </a:spcAft>
+                      </a:pPr>
+                      <a:r>
+                        <a:rPr lang="en-US" sz="1300">
+                          <a:effectLst/>
+                        </a:rPr>
+                        <a:t>103</a:t>
+                      </a:r>
+                      <a:endParaRPr lang="en-US" sz="1300">
+                        <a:effectLst/>
+                        <a:latin typeface="Times New Roman" panose="02020603050405020304" pitchFamily="18" charset="0"/>
+                        <a:ea typeface="Times New Roman" panose="02020603050405020304" pitchFamily="18" charset="0"/>
+                        <a:cs typeface="Times New Roman" panose="02020603050405020304" pitchFamily="18" charset="0"/>
+                      </a:endParaRPr>
+                    </a:p>
+                  </a:txBody>
+                  <a:tcPr marL="68580" marR="68580" marT="0" marB="0"/>
+                </a:tc>
+                <a:tc>
+                  <a:txBody>
+                    <a:bodyPr/>
+                    <a:lstStyle/>
+                    <a:p>
+                      <a:pPr marL="0" marR="0" indent="0" algn="just">
+                        <a:lnSpc>
+                          <a:spcPct val="150000"/>
+                        </a:lnSpc>
+                        <a:spcBef>
+                          <a:spcPts val="0"/>
+                        </a:spcBef>
+                        <a:spcAft>
+                          <a:spcPts val="0"/>
+                        </a:spcAft>
+                      </a:pPr>
+                      <a:r>
+                        <a:rPr lang="en-US" sz="1300">
+                          <a:effectLst/>
+                        </a:rPr>
+                        <a:t>11010000100</a:t>
+                      </a:r>
+                      <a:endParaRPr lang="en-US" sz="1300">
+                        <a:effectLst/>
+                        <a:latin typeface="Times New Roman" panose="02020603050405020304" pitchFamily="18" charset="0"/>
+                        <a:ea typeface="Times New Roman" panose="02020603050405020304" pitchFamily="18" charset="0"/>
+                        <a:cs typeface="Times New Roman" panose="02020603050405020304" pitchFamily="18" charset="0"/>
+                      </a:endParaRPr>
+                    </a:p>
+                  </a:txBody>
+                  <a:tcPr marL="68580" marR="68580" marT="0" marB="0"/>
+                </a:tc>
+                <a:extLst>
+                  <a:ext uri="{0D108BD9-81ED-4DB2-BD59-A6C34878D82A}">
+                    <a16:rowId xmlns:a16="http://schemas.microsoft.com/office/drawing/2014/main" val="212228477"/>
+                  </a:ext>
+                </a:extLst>
+              </a:tr>
+              <a:tr h="327106">
+                <a:tc>
+                  <a:txBody>
+                    <a:bodyPr/>
+                    <a:lstStyle/>
+                    <a:p>
+                      <a:pPr marL="0" marR="0" indent="0" algn="just">
+                        <a:lnSpc>
+                          <a:spcPct val="150000"/>
+                        </a:lnSpc>
+                        <a:spcBef>
+                          <a:spcPts val="0"/>
+                        </a:spcBef>
+                        <a:spcAft>
+                          <a:spcPts val="0"/>
+                        </a:spcAft>
+                      </a:pPr>
+                      <a:r>
+                        <a:rPr lang="en-US" sz="1300">
+                          <a:effectLst/>
+                        </a:rPr>
+                        <a:t>C (35)</a:t>
+                      </a:r>
+                      <a:endParaRPr lang="en-US" sz="1300">
+                        <a:effectLst/>
+                        <a:latin typeface="Times New Roman" panose="02020603050405020304" pitchFamily="18" charset="0"/>
+                        <a:ea typeface="Times New Roman" panose="02020603050405020304" pitchFamily="18" charset="0"/>
+                        <a:cs typeface="Times New Roman" panose="02020603050405020304" pitchFamily="18" charset="0"/>
+                      </a:endParaRPr>
+                    </a:p>
+                  </a:txBody>
+                  <a:tcPr marL="68580" marR="68580" marT="0" marB="0"/>
+                </a:tc>
+                <a:tc>
+                  <a:txBody>
+                    <a:bodyPr/>
+                    <a:lstStyle/>
+                    <a:p>
+                      <a:pPr marL="0" marR="0" indent="0" algn="just">
+                        <a:lnSpc>
+                          <a:spcPct val="150000"/>
+                        </a:lnSpc>
+                        <a:spcBef>
+                          <a:spcPts val="0"/>
+                        </a:spcBef>
+                        <a:spcAft>
+                          <a:spcPts val="0"/>
+                        </a:spcAft>
+                      </a:pPr>
+                      <a:r>
+                        <a:rPr lang="en-US" sz="1300">
+                          <a:effectLst/>
+                        </a:rPr>
+                        <a:t>35 x 1 = 35</a:t>
+                      </a:r>
+                      <a:endParaRPr lang="en-US" sz="1300">
+                        <a:effectLst/>
+                        <a:latin typeface="Times New Roman" panose="02020603050405020304" pitchFamily="18" charset="0"/>
+                        <a:ea typeface="Times New Roman" panose="02020603050405020304" pitchFamily="18" charset="0"/>
+                        <a:cs typeface="Times New Roman" panose="02020603050405020304" pitchFamily="18" charset="0"/>
+                      </a:endParaRPr>
+                    </a:p>
+                  </a:txBody>
+                  <a:tcPr marL="68580" marR="68580" marT="0" marB="0"/>
+                </a:tc>
+                <a:tc>
+                  <a:txBody>
+                    <a:bodyPr/>
+                    <a:lstStyle/>
+                    <a:p>
+                      <a:pPr marL="0" marR="0" indent="0" algn="just">
+                        <a:lnSpc>
+                          <a:spcPct val="150000"/>
+                        </a:lnSpc>
+                        <a:spcBef>
+                          <a:spcPts val="0"/>
+                        </a:spcBef>
+                        <a:spcAft>
+                          <a:spcPts val="0"/>
+                        </a:spcAft>
+                      </a:pPr>
+                      <a:r>
+                        <a:rPr lang="en-US" sz="1300">
+                          <a:effectLst/>
+                        </a:rPr>
+                        <a:t>10001000110</a:t>
+                      </a:r>
+                      <a:endParaRPr lang="en-US" sz="1300">
+                        <a:effectLst/>
+                        <a:latin typeface="Times New Roman" panose="02020603050405020304" pitchFamily="18" charset="0"/>
+                        <a:ea typeface="Times New Roman" panose="02020603050405020304" pitchFamily="18" charset="0"/>
+                        <a:cs typeface="Times New Roman" panose="02020603050405020304" pitchFamily="18" charset="0"/>
+                      </a:endParaRPr>
+                    </a:p>
+                  </a:txBody>
+                  <a:tcPr marL="68580" marR="68580" marT="0" marB="0"/>
+                </a:tc>
+                <a:extLst>
+                  <a:ext uri="{0D108BD9-81ED-4DB2-BD59-A6C34878D82A}">
+                    <a16:rowId xmlns:a16="http://schemas.microsoft.com/office/drawing/2014/main" val="487653823"/>
+                  </a:ext>
+                </a:extLst>
+              </a:tr>
+              <a:tr h="327106">
+                <a:tc>
+                  <a:txBody>
+                    <a:bodyPr/>
+                    <a:lstStyle/>
+                    <a:p>
+                      <a:pPr marL="0" marR="0" indent="0" algn="just">
+                        <a:lnSpc>
+                          <a:spcPct val="150000"/>
+                        </a:lnSpc>
+                        <a:spcBef>
+                          <a:spcPts val="0"/>
+                        </a:spcBef>
+                        <a:spcAft>
+                          <a:spcPts val="0"/>
+                        </a:spcAft>
+                      </a:pPr>
+                      <a:r>
+                        <a:rPr lang="en-US" sz="1300">
+                          <a:effectLst/>
+                        </a:rPr>
+                        <a:t>S (51)</a:t>
+                      </a:r>
+                      <a:endParaRPr lang="en-US" sz="1300">
+                        <a:effectLst/>
+                        <a:latin typeface="Times New Roman" panose="02020603050405020304" pitchFamily="18" charset="0"/>
+                        <a:ea typeface="Times New Roman" panose="02020603050405020304" pitchFamily="18" charset="0"/>
+                        <a:cs typeface="Times New Roman" panose="02020603050405020304" pitchFamily="18" charset="0"/>
+                      </a:endParaRPr>
+                    </a:p>
+                  </a:txBody>
+                  <a:tcPr marL="68580" marR="68580" marT="0" marB="0"/>
+                </a:tc>
+                <a:tc>
+                  <a:txBody>
+                    <a:bodyPr/>
+                    <a:lstStyle/>
+                    <a:p>
+                      <a:pPr marL="0" marR="0" indent="0" algn="just">
+                        <a:lnSpc>
+                          <a:spcPct val="150000"/>
+                        </a:lnSpc>
+                        <a:spcBef>
+                          <a:spcPts val="0"/>
+                        </a:spcBef>
+                        <a:spcAft>
+                          <a:spcPts val="0"/>
+                        </a:spcAft>
+                      </a:pPr>
+                      <a:r>
+                        <a:rPr lang="en-US" sz="1300">
+                          <a:effectLst/>
+                        </a:rPr>
+                        <a:t>51 x 2 = 102</a:t>
+                      </a:r>
+                      <a:endParaRPr lang="en-US" sz="1300">
+                        <a:effectLst/>
+                        <a:latin typeface="Times New Roman" panose="02020603050405020304" pitchFamily="18" charset="0"/>
+                        <a:ea typeface="Times New Roman" panose="02020603050405020304" pitchFamily="18" charset="0"/>
+                        <a:cs typeface="Times New Roman" panose="02020603050405020304" pitchFamily="18" charset="0"/>
+                      </a:endParaRPr>
+                    </a:p>
+                  </a:txBody>
+                  <a:tcPr marL="68580" marR="68580" marT="0" marB="0"/>
+                </a:tc>
+                <a:tc>
+                  <a:txBody>
+                    <a:bodyPr/>
+                    <a:lstStyle/>
+                    <a:p>
+                      <a:pPr marL="0" marR="0" indent="0" algn="just">
+                        <a:lnSpc>
+                          <a:spcPct val="150000"/>
+                        </a:lnSpc>
+                        <a:spcBef>
+                          <a:spcPts val="0"/>
+                        </a:spcBef>
+                        <a:spcAft>
+                          <a:spcPts val="0"/>
+                        </a:spcAft>
+                      </a:pPr>
+                      <a:r>
+                        <a:rPr lang="en-US" sz="1300">
+                          <a:effectLst/>
+                        </a:rPr>
+                        <a:t>11011101000</a:t>
+                      </a:r>
+                      <a:endParaRPr lang="en-US" sz="1300">
+                        <a:effectLst/>
+                        <a:latin typeface="Times New Roman" panose="02020603050405020304" pitchFamily="18" charset="0"/>
+                        <a:ea typeface="Times New Roman" panose="02020603050405020304" pitchFamily="18" charset="0"/>
+                        <a:cs typeface="Times New Roman" panose="02020603050405020304" pitchFamily="18" charset="0"/>
+                      </a:endParaRPr>
+                    </a:p>
+                  </a:txBody>
+                  <a:tcPr marL="68580" marR="68580" marT="0" marB="0"/>
+                </a:tc>
+                <a:extLst>
+                  <a:ext uri="{0D108BD9-81ED-4DB2-BD59-A6C34878D82A}">
+                    <a16:rowId xmlns:a16="http://schemas.microsoft.com/office/drawing/2014/main" val="815115400"/>
+                  </a:ext>
+                </a:extLst>
+              </a:tr>
+              <a:tr h="327106">
+                <a:tc>
+                  <a:txBody>
+                    <a:bodyPr/>
+                    <a:lstStyle/>
+                    <a:p>
+                      <a:pPr marL="0" marR="0" indent="0" algn="just">
+                        <a:lnSpc>
+                          <a:spcPct val="150000"/>
+                        </a:lnSpc>
+                        <a:spcBef>
+                          <a:spcPts val="0"/>
+                        </a:spcBef>
+                        <a:spcAft>
+                          <a:spcPts val="0"/>
+                        </a:spcAft>
+                      </a:pPr>
+                      <a:r>
+                        <a:rPr lang="en-US" sz="1300">
+                          <a:effectLst/>
+                        </a:rPr>
+                        <a:t>E (37)</a:t>
+                      </a:r>
+                      <a:endParaRPr lang="en-US" sz="1300">
+                        <a:effectLst/>
+                        <a:latin typeface="Times New Roman" panose="02020603050405020304" pitchFamily="18" charset="0"/>
+                        <a:ea typeface="Times New Roman" panose="02020603050405020304" pitchFamily="18" charset="0"/>
+                        <a:cs typeface="Times New Roman" panose="02020603050405020304" pitchFamily="18" charset="0"/>
+                      </a:endParaRPr>
+                    </a:p>
+                  </a:txBody>
+                  <a:tcPr marL="68580" marR="68580" marT="0" marB="0"/>
+                </a:tc>
+                <a:tc>
+                  <a:txBody>
+                    <a:bodyPr/>
+                    <a:lstStyle/>
+                    <a:p>
+                      <a:pPr marL="0" marR="0" indent="0" algn="just">
+                        <a:lnSpc>
+                          <a:spcPct val="150000"/>
+                        </a:lnSpc>
+                        <a:spcBef>
+                          <a:spcPts val="0"/>
+                        </a:spcBef>
+                        <a:spcAft>
+                          <a:spcPts val="0"/>
+                        </a:spcAft>
+                      </a:pPr>
+                      <a:r>
+                        <a:rPr lang="en-US" sz="1300">
+                          <a:effectLst/>
+                        </a:rPr>
+                        <a:t>37 x 3 = 111</a:t>
+                      </a:r>
+                      <a:endParaRPr lang="en-US" sz="1300">
+                        <a:effectLst/>
+                        <a:latin typeface="Times New Roman" panose="02020603050405020304" pitchFamily="18" charset="0"/>
+                        <a:ea typeface="Times New Roman" panose="02020603050405020304" pitchFamily="18" charset="0"/>
+                        <a:cs typeface="Times New Roman" panose="02020603050405020304" pitchFamily="18" charset="0"/>
+                      </a:endParaRPr>
+                    </a:p>
+                  </a:txBody>
+                  <a:tcPr marL="68580" marR="68580" marT="0" marB="0"/>
+                </a:tc>
+                <a:tc>
+                  <a:txBody>
+                    <a:bodyPr/>
+                    <a:lstStyle/>
+                    <a:p>
+                      <a:pPr marL="0" marR="0" indent="0" algn="just">
+                        <a:lnSpc>
+                          <a:spcPct val="150000"/>
+                        </a:lnSpc>
+                        <a:spcBef>
+                          <a:spcPts val="0"/>
+                        </a:spcBef>
+                        <a:spcAft>
+                          <a:spcPts val="0"/>
+                        </a:spcAft>
+                      </a:pPr>
+                      <a:r>
+                        <a:rPr lang="en-US" sz="1300">
+                          <a:effectLst/>
+                        </a:rPr>
+                        <a:t>10001101000</a:t>
+                      </a:r>
+                      <a:endParaRPr lang="en-US" sz="1300">
+                        <a:effectLst/>
+                        <a:latin typeface="Times New Roman" panose="02020603050405020304" pitchFamily="18" charset="0"/>
+                        <a:ea typeface="Times New Roman" panose="02020603050405020304" pitchFamily="18" charset="0"/>
+                        <a:cs typeface="Times New Roman" panose="02020603050405020304" pitchFamily="18" charset="0"/>
+                      </a:endParaRPr>
+                    </a:p>
+                  </a:txBody>
+                  <a:tcPr marL="68580" marR="68580" marT="0" marB="0"/>
+                </a:tc>
+                <a:extLst>
+                  <a:ext uri="{0D108BD9-81ED-4DB2-BD59-A6C34878D82A}">
+                    <a16:rowId xmlns:a16="http://schemas.microsoft.com/office/drawing/2014/main" val="88114519"/>
+                  </a:ext>
+                </a:extLst>
+              </a:tr>
+              <a:tr h="327106">
+                <a:tc>
+                  <a:txBody>
+                    <a:bodyPr/>
+                    <a:lstStyle/>
+                    <a:p>
+                      <a:pPr marL="0" marR="0" indent="0" algn="just">
+                        <a:lnSpc>
+                          <a:spcPct val="150000"/>
+                        </a:lnSpc>
+                        <a:spcBef>
+                          <a:spcPts val="0"/>
+                        </a:spcBef>
+                        <a:spcAft>
+                          <a:spcPts val="0"/>
+                        </a:spcAft>
+                      </a:pPr>
+                      <a:r>
+                        <a:rPr lang="en-US" sz="1300">
+                          <a:effectLst/>
+                        </a:rPr>
+                        <a:t>3 (19)</a:t>
+                      </a:r>
+                      <a:endParaRPr lang="en-US" sz="1300">
+                        <a:effectLst/>
+                        <a:latin typeface="Times New Roman" panose="02020603050405020304" pitchFamily="18" charset="0"/>
+                        <a:ea typeface="Times New Roman" panose="02020603050405020304" pitchFamily="18" charset="0"/>
+                        <a:cs typeface="Times New Roman" panose="02020603050405020304" pitchFamily="18" charset="0"/>
+                      </a:endParaRPr>
+                    </a:p>
+                  </a:txBody>
+                  <a:tcPr marL="68580" marR="68580" marT="0" marB="0"/>
+                </a:tc>
+                <a:tc>
+                  <a:txBody>
+                    <a:bodyPr/>
+                    <a:lstStyle/>
+                    <a:p>
+                      <a:pPr marL="0" marR="0" indent="0" algn="just">
+                        <a:lnSpc>
+                          <a:spcPct val="150000"/>
+                        </a:lnSpc>
+                        <a:spcBef>
+                          <a:spcPts val="0"/>
+                        </a:spcBef>
+                        <a:spcAft>
+                          <a:spcPts val="0"/>
+                        </a:spcAft>
+                      </a:pPr>
+                      <a:r>
+                        <a:rPr lang="en-US" sz="1300">
+                          <a:effectLst/>
+                        </a:rPr>
+                        <a:t>19 x 4 = 76</a:t>
+                      </a:r>
+                      <a:endParaRPr lang="en-US" sz="1300">
+                        <a:effectLst/>
+                        <a:latin typeface="Times New Roman" panose="02020603050405020304" pitchFamily="18" charset="0"/>
+                        <a:ea typeface="Times New Roman" panose="02020603050405020304" pitchFamily="18" charset="0"/>
+                        <a:cs typeface="Times New Roman" panose="02020603050405020304" pitchFamily="18" charset="0"/>
+                      </a:endParaRPr>
+                    </a:p>
+                  </a:txBody>
+                  <a:tcPr marL="68580" marR="68580" marT="0" marB="0"/>
+                </a:tc>
+                <a:tc>
+                  <a:txBody>
+                    <a:bodyPr/>
+                    <a:lstStyle/>
+                    <a:p>
+                      <a:pPr marL="0" marR="0" indent="0" algn="just">
+                        <a:lnSpc>
+                          <a:spcPct val="150000"/>
+                        </a:lnSpc>
+                        <a:spcBef>
+                          <a:spcPts val="0"/>
+                        </a:spcBef>
+                        <a:spcAft>
+                          <a:spcPts val="0"/>
+                        </a:spcAft>
+                      </a:pPr>
+                      <a:r>
+                        <a:rPr lang="en-US" sz="1300">
+                          <a:effectLst/>
+                        </a:rPr>
+                        <a:t>11001011100</a:t>
+                      </a:r>
+                      <a:endParaRPr lang="en-US" sz="1300">
+                        <a:effectLst/>
+                        <a:latin typeface="Times New Roman" panose="02020603050405020304" pitchFamily="18" charset="0"/>
+                        <a:ea typeface="Times New Roman" panose="02020603050405020304" pitchFamily="18" charset="0"/>
+                        <a:cs typeface="Times New Roman" panose="02020603050405020304" pitchFamily="18" charset="0"/>
+                      </a:endParaRPr>
+                    </a:p>
+                  </a:txBody>
+                  <a:tcPr marL="68580" marR="68580" marT="0" marB="0"/>
+                </a:tc>
+                <a:extLst>
+                  <a:ext uri="{0D108BD9-81ED-4DB2-BD59-A6C34878D82A}">
+                    <a16:rowId xmlns:a16="http://schemas.microsoft.com/office/drawing/2014/main" val="3380070290"/>
+                  </a:ext>
+                </a:extLst>
+              </a:tr>
+              <a:tr h="327106">
+                <a:tc>
+                  <a:txBody>
+                    <a:bodyPr/>
+                    <a:lstStyle/>
+                    <a:p>
+                      <a:pPr marL="0" marR="0" indent="0" algn="just">
+                        <a:lnSpc>
+                          <a:spcPct val="150000"/>
+                        </a:lnSpc>
+                        <a:spcBef>
+                          <a:spcPts val="0"/>
+                        </a:spcBef>
+                        <a:spcAft>
+                          <a:spcPts val="0"/>
+                        </a:spcAft>
+                      </a:pPr>
+                      <a:r>
+                        <a:rPr lang="en-US" sz="1300">
+                          <a:effectLst/>
+                        </a:rPr>
+                        <a:t>7 (23)</a:t>
+                      </a:r>
+                      <a:endParaRPr lang="en-US" sz="1300">
+                        <a:effectLst/>
+                        <a:latin typeface="Times New Roman" panose="02020603050405020304" pitchFamily="18" charset="0"/>
+                        <a:ea typeface="Times New Roman" panose="02020603050405020304" pitchFamily="18" charset="0"/>
+                        <a:cs typeface="Times New Roman" panose="02020603050405020304" pitchFamily="18" charset="0"/>
+                      </a:endParaRPr>
+                    </a:p>
+                  </a:txBody>
+                  <a:tcPr marL="68580" marR="68580" marT="0" marB="0"/>
+                </a:tc>
+                <a:tc>
+                  <a:txBody>
+                    <a:bodyPr/>
+                    <a:lstStyle/>
+                    <a:p>
+                      <a:pPr marL="0" marR="0" indent="0" algn="just">
+                        <a:lnSpc>
+                          <a:spcPct val="150000"/>
+                        </a:lnSpc>
+                        <a:spcBef>
+                          <a:spcPts val="0"/>
+                        </a:spcBef>
+                        <a:spcAft>
+                          <a:spcPts val="0"/>
+                        </a:spcAft>
+                      </a:pPr>
+                      <a:r>
+                        <a:rPr lang="en-US" sz="1300">
+                          <a:effectLst/>
+                        </a:rPr>
+                        <a:t>23 x 5 = 115</a:t>
+                      </a:r>
+                      <a:endParaRPr lang="en-US" sz="1300">
+                        <a:effectLst/>
+                        <a:latin typeface="Times New Roman" panose="02020603050405020304" pitchFamily="18" charset="0"/>
+                        <a:ea typeface="Times New Roman" panose="02020603050405020304" pitchFamily="18" charset="0"/>
+                        <a:cs typeface="Times New Roman" panose="02020603050405020304" pitchFamily="18" charset="0"/>
+                      </a:endParaRPr>
+                    </a:p>
+                  </a:txBody>
+                  <a:tcPr marL="68580" marR="68580" marT="0" marB="0"/>
+                </a:tc>
+                <a:tc>
+                  <a:txBody>
+                    <a:bodyPr/>
+                    <a:lstStyle/>
+                    <a:p>
+                      <a:pPr marL="0" marR="0" indent="0" algn="just">
+                        <a:lnSpc>
+                          <a:spcPct val="150000"/>
+                        </a:lnSpc>
+                        <a:spcBef>
+                          <a:spcPts val="0"/>
+                        </a:spcBef>
+                        <a:spcAft>
+                          <a:spcPts val="0"/>
+                        </a:spcAft>
+                      </a:pPr>
+                      <a:r>
+                        <a:rPr lang="en-US" sz="1300">
+                          <a:effectLst/>
+                        </a:rPr>
+                        <a:t>11101101110</a:t>
+                      </a:r>
+                      <a:endParaRPr lang="en-US" sz="1300">
+                        <a:effectLst/>
+                        <a:latin typeface="Times New Roman" panose="02020603050405020304" pitchFamily="18" charset="0"/>
+                        <a:ea typeface="Times New Roman" panose="02020603050405020304" pitchFamily="18" charset="0"/>
+                        <a:cs typeface="Times New Roman" panose="02020603050405020304" pitchFamily="18" charset="0"/>
+                      </a:endParaRPr>
+                    </a:p>
+                  </a:txBody>
+                  <a:tcPr marL="68580" marR="68580" marT="0" marB="0"/>
+                </a:tc>
+                <a:extLst>
+                  <a:ext uri="{0D108BD9-81ED-4DB2-BD59-A6C34878D82A}">
+                    <a16:rowId xmlns:a16="http://schemas.microsoft.com/office/drawing/2014/main" val="1815831432"/>
+                  </a:ext>
+                </a:extLst>
+              </a:tr>
+              <a:tr h="327106">
+                <a:tc>
+                  <a:txBody>
+                    <a:bodyPr/>
+                    <a:lstStyle/>
+                    <a:p>
+                      <a:pPr marL="0" marR="0" indent="0" algn="just">
+                        <a:lnSpc>
+                          <a:spcPct val="150000"/>
+                        </a:lnSpc>
+                        <a:spcBef>
+                          <a:spcPts val="0"/>
+                        </a:spcBef>
+                        <a:spcAft>
+                          <a:spcPts val="0"/>
+                        </a:spcAft>
+                      </a:pPr>
+                      <a:r>
+                        <a:rPr lang="en-US" sz="1300">
+                          <a:effectLst/>
+                        </a:rPr>
+                        <a:t>0 (16)</a:t>
+                      </a:r>
+                      <a:endParaRPr lang="en-US" sz="1300">
+                        <a:effectLst/>
+                        <a:latin typeface="Times New Roman" panose="02020603050405020304" pitchFamily="18" charset="0"/>
+                        <a:ea typeface="Times New Roman" panose="02020603050405020304" pitchFamily="18" charset="0"/>
+                        <a:cs typeface="Times New Roman" panose="02020603050405020304" pitchFamily="18" charset="0"/>
+                      </a:endParaRPr>
+                    </a:p>
+                  </a:txBody>
+                  <a:tcPr marL="68580" marR="68580" marT="0" marB="0"/>
+                </a:tc>
+                <a:tc>
+                  <a:txBody>
+                    <a:bodyPr/>
+                    <a:lstStyle/>
+                    <a:p>
+                      <a:pPr marL="0" marR="0" indent="0" algn="just">
+                        <a:lnSpc>
+                          <a:spcPct val="150000"/>
+                        </a:lnSpc>
+                        <a:spcBef>
+                          <a:spcPts val="0"/>
+                        </a:spcBef>
+                        <a:spcAft>
+                          <a:spcPts val="0"/>
+                        </a:spcAft>
+                      </a:pPr>
+                      <a:r>
+                        <a:rPr lang="en-US" sz="1300">
+                          <a:effectLst/>
+                        </a:rPr>
+                        <a:t>16 x 6 = 96</a:t>
+                      </a:r>
+                      <a:endParaRPr lang="en-US" sz="1300">
+                        <a:effectLst/>
+                        <a:latin typeface="Times New Roman" panose="02020603050405020304" pitchFamily="18" charset="0"/>
+                        <a:ea typeface="Times New Roman" panose="02020603050405020304" pitchFamily="18" charset="0"/>
+                        <a:cs typeface="Times New Roman" panose="02020603050405020304" pitchFamily="18" charset="0"/>
+                      </a:endParaRPr>
+                    </a:p>
+                  </a:txBody>
+                  <a:tcPr marL="68580" marR="68580" marT="0" marB="0"/>
+                </a:tc>
+                <a:tc>
+                  <a:txBody>
+                    <a:bodyPr/>
+                    <a:lstStyle/>
+                    <a:p>
+                      <a:pPr marL="0" marR="0" indent="0" algn="just">
+                        <a:lnSpc>
+                          <a:spcPct val="150000"/>
+                        </a:lnSpc>
+                        <a:spcBef>
+                          <a:spcPts val="0"/>
+                        </a:spcBef>
+                        <a:spcAft>
+                          <a:spcPts val="0"/>
+                        </a:spcAft>
+                      </a:pPr>
+                      <a:r>
+                        <a:rPr lang="en-US" sz="1300">
+                          <a:effectLst/>
+                        </a:rPr>
+                        <a:t>10011101100</a:t>
+                      </a:r>
+                      <a:endParaRPr lang="en-US" sz="1300">
+                        <a:effectLst/>
+                        <a:latin typeface="Times New Roman" panose="02020603050405020304" pitchFamily="18" charset="0"/>
+                        <a:ea typeface="Times New Roman" panose="02020603050405020304" pitchFamily="18" charset="0"/>
+                        <a:cs typeface="Times New Roman" panose="02020603050405020304" pitchFamily="18" charset="0"/>
+                      </a:endParaRPr>
+                    </a:p>
+                  </a:txBody>
+                  <a:tcPr marL="68580" marR="68580" marT="0" marB="0"/>
+                </a:tc>
+                <a:extLst>
+                  <a:ext uri="{0D108BD9-81ED-4DB2-BD59-A6C34878D82A}">
+                    <a16:rowId xmlns:a16="http://schemas.microsoft.com/office/drawing/2014/main" val="252925258"/>
+                  </a:ext>
+                </a:extLst>
+              </a:tr>
+              <a:tr h="327106">
+                <a:tc>
+                  <a:txBody>
+                    <a:bodyPr/>
+                    <a:lstStyle/>
+                    <a:p>
+                      <a:pPr marL="0" marR="0" indent="0" algn="just">
+                        <a:lnSpc>
+                          <a:spcPct val="150000"/>
+                        </a:lnSpc>
+                        <a:spcBef>
+                          <a:spcPts val="0"/>
+                        </a:spcBef>
+                        <a:spcAft>
+                          <a:spcPts val="0"/>
+                        </a:spcAft>
+                      </a:pPr>
+                      <a:r>
+                        <a:rPr lang="en-US" sz="1300">
+                          <a:effectLst/>
+                        </a:rPr>
+                        <a:t>Checksum</a:t>
+                      </a:r>
+                      <a:endParaRPr lang="en-US" sz="1300">
+                        <a:effectLst/>
+                        <a:latin typeface="Times New Roman" panose="02020603050405020304" pitchFamily="18" charset="0"/>
+                        <a:ea typeface="Times New Roman" panose="02020603050405020304" pitchFamily="18" charset="0"/>
+                        <a:cs typeface="Times New Roman" panose="02020603050405020304" pitchFamily="18" charset="0"/>
+                      </a:endParaRPr>
+                    </a:p>
+                  </a:txBody>
+                  <a:tcPr marL="68580" marR="68580" marT="0" marB="0"/>
+                </a:tc>
+                <a:tc>
+                  <a:txBody>
+                    <a:bodyPr/>
+                    <a:lstStyle/>
+                    <a:p>
+                      <a:pPr marL="0" marR="0" indent="0" algn="just">
+                        <a:lnSpc>
+                          <a:spcPct val="150000"/>
+                        </a:lnSpc>
+                        <a:spcBef>
+                          <a:spcPts val="0"/>
+                        </a:spcBef>
+                        <a:spcAft>
+                          <a:spcPts val="0"/>
+                        </a:spcAft>
+                      </a:pPr>
+                      <a:r>
+                        <a:rPr lang="en-US" sz="1300">
+                          <a:effectLst/>
+                        </a:rPr>
+                        <a:t>535 mod 103 = 20</a:t>
+                      </a:r>
+                      <a:endParaRPr lang="en-US" sz="1300">
+                        <a:effectLst/>
+                        <a:latin typeface="Times New Roman" panose="02020603050405020304" pitchFamily="18" charset="0"/>
+                        <a:ea typeface="Times New Roman" panose="02020603050405020304" pitchFamily="18" charset="0"/>
+                        <a:cs typeface="Times New Roman" panose="02020603050405020304" pitchFamily="18" charset="0"/>
+                      </a:endParaRPr>
+                    </a:p>
+                  </a:txBody>
+                  <a:tcPr marL="68580" marR="68580" marT="0" marB="0"/>
+                </a:tc>
+                <a:tc>
+                  <a:txBody>
+                    <a:bodyPr/>
+                    <a:lstStyle/>
+                    <a:p>
+                      <a:pPr marL="0" marR="0" indent="0" algn="just">
+                        <a:lnSpc>
+                          <a:spcPct val="150000"/>
+                        </a:lnSpc>
+                        <a:spcBef>
+                          <a:spcPts val="0"/>
+                        </a:spcBef>
+                        <a:spcAft>
+                          <a:spcPts val="0"/>
+                        </a:spcAft>
+                      </a:pPr>
+                      <a:r>
+                        <a:rPr lang="en-US" sz="1300">
+                          <a:effectLst/>
+                        </a:rPr>
+                        <a:t>11001001110</a:t>
+                      </a:r>
+                      <a:endParaRPr lang="en-US" sz="1300">
+                        <a:effectLst/>
+                        <a:latin typeface="Times New Roman" panose="02020603050405020304" pitchFamily="18" charset="0"/>
+                        <a:ea typeface="Times New Roman" panose="02020603050405020304" pitchFamily="18" charset="0"/>
+                        <a:cs typeface="Times New Roman" panose="02020603050405020304" pitchFamily="18" charset="0"/>
+                      </a:endParaRPr>
+                    </a:p>
+                  </a:txBody>
+                  <a:tcPr marL="68580" marR="68580" marT="0" marB="0"/>
+                </a:tc>
+                <a:extLst>
+                  <a:ext uri="{0D108BD9-81ED-4DB2-BD59-A6C34878D82A}">
+                    <a16:rowId xmlns:a16="http://schemas.microsoft.com/office/drawing/2014/main" val="40730309"/>
+                  </a:ext>
+                </a:extLst>
+              </a:tr>
+              <a:tr h="327106">
+                <a:tc>
+                  <a:txBody>
+                    <a:bodyPr/>
+                    <a:lstStyle/>
+                    <a:p>
+                      <a:pPr marL="0" marR="0" indent="0" algn="just">
+                        <a:lnSpc>
+                          <a:spcPct val="150000"/>
+                        </a:lnSpc>
+                        <a:spcBef>
+                          <a:spcPts val="0"/>
+                        </a:spcBef>
+                        <a:spcAft>
+                          <a:spcPts val="0"/>
+                        </a:spcAft>
+                      </a:pPr>
+                      <a:r>
+                        <a:rPr lang="en-US" sz="1300">
+                          <a:effectLst/>
+                        </a:rPr>
+                        <a:t>STOP_CODE</a:t>
+                      </a:r>
+                      <a:endParaRPr lang="en-US" sz="1300">
+                        <a:effectLst/>
+                        <a:latin typeface="Times New Roman" panose="02020603050405020304" pitchFamily="18" charset="0"/>
+                        <a:ea typeface="Times New Roman" panose="02020603050405020304" pitchFamily="18" charset="0"/>
+                        <a:cs typeface="Times New Roman" panose="02020603050405020304" pitchFamily="18" charset="0"/>
+                      </a:endParaRPr>
+                    </a:p>
+                  </a:txBody>
+                  <a:tcPr marL="68580" marR="68580" marT="0" marB="0"/>
+                </a:tc>
+                <a:tc>
+                  <a:txBody>
+                    <a:bodyPr/>
+                    <a:lstStyle/>
+                    <a:p>
+                      <a:pPr marL="0" marR="0" indent="0" algn="just">
+                        <a:lnSpc>
+                          <a:spcPct val="150000"/>
+                        </a:lnSpc>
+                        <a:spcBef>
+                          <a:spcPts val="0"/>
+                        </a:spcBef>
+                        <a:spcAft>
+                          <a:spcPts val="0"/>
+                        </a:spcAft>
+                      </a:pPr>
+                      <a:r>
+                        <a:rPr lang="en-US" sz="1300">
+                          <a:effectLst/>
+                        </a:rPr>
+                        <a:t> </a:t>
+                      </a:r>
+                      <a:endParaRPr lang="en-US" sz="1300">
+                        <a:effectLst/>
+                        <a:latin typeface="Times New Roman" panose="02020603050405020304" pitchFamily="18" charset="0"/>
+                        <a:ea typeface="Times New Roman" panose="02020603050405020304" pitchFamily="18" charset="0"/>
+                        <a:cs typeface="Times New Roman" panose="02020603050405020304" pitchFamily="18" charset="0"/>
+                      </a:endParaRPr>
+                    </a:p>
+                  </a:txBody>
+                  <a:tcPr marL="68580" marR="68580" marT="0" marB="0"/>
+                </a:tc>
+                <a:tc>
+                  <a:txBody>
+                    <a:bodyPr/>
+                    <a:lstStyle/>
+                    <a:p>
+                      <a:pPr marL="0" marR="0" indent="0" algn="just">
+                        <a:lnSpc>
+                          <a:spcPct val="150000"/>
+                        </a:lnSpc>
+                        <a:spcBef>
+                          <a:spcPts val="0"/>
+                        </a:spcBef>
+                        <a:spcAft>
+                          <a:spcPts val="0"/>
+                        </a:spcAft>
+                      </a:pPr>
+                      <a:r>
+                        <a:rPr lang="en-US" sz="1300" dirty="0">
+                          <a:effectLst/>
+                        </a:rPr>
+                        <a:t>1100011101011</a:t>
+                      </a:r>
+                      <a:endParaRPr lang="en-US" sz="1300" dirty="0">
+                        <a:effectLst/>
+                        <a:latin typeface="Times New Roman" panose="02020603050405020304" pitchFamily="18" charset="0"/>
+                        <a:ea typeface="Times New Roman" panose="02020603050405020304" pitchFamily="18" charset="0"/>
+                        <a:cs typeface="Times New Roman" panose="02020603050405020304" pitchFamily="18" charset="0"/>
+                      </a:endParaRPr>
+                    </a:p>
+                  </a:txBody>
+                  <a:tcPr marL="68580" marR="68580" marT="0" marB="0"/>
+                </a:tc>
+                <a:extLst>
+                  <a:ext uri="{0D108BD9-81ED-4DB2-BD59-A6C34878D82A}">
+                    <a16:rowId xmlns:a16="http://schemas.microsoft.com/office/drawing/2014/main" val="3219575103"/>
+                  </a:ext>
+                </a:extLst>
+              </a:tr>
+            </a:tbl>
+          </a:graphicData>
+        </a:graphic>
+      </p:graphicFrame>
+    </p:spTree>
+    <p:extLst>
+      <p:ext uri="{BB962C8B-B14F-4D97-AF65-F5344CB8AC3E}">
+        <p14:creationId xmlns:p14="http://schemas.microsoft.com/office/powerpoint/2010/main" val="2451316546"/>
+      </p:ext>
+    </p:extLst>
+  </p:cSld>
+  <p:clrMapOvr>
+    <a:masterClrMapping/>
+  </p:clrMapOvr>
+</p:sld>
+</file>
+
+<file path=ppt/slides/slide5.xml><?xml version="1.0" encoding="utf-8"?>
+<p:sld xmlns:a="http://schemas.openxmlformats.org/drawingml/2006/main" xmlns:r="http://schemas.openxmlformats.org/officeDocument/2006/relationships" xmlns:p="http://schemas.openxmlformats.org/presentationml/2006/main">
+  <p:cSld>
+    <p:spTree>
+      <p:nvGrpSpPr>
+        <p:cNvPr id="1" name=""/>
+        <p:cNvGrpSpPr/>
+        <p:nvPr/>
+      </p:nvGrpSpPr>
+      <p:grpSpPr>
+        <a:xfrm>
+          <a:off x="0" y="0"/>
+          <a:ext cx="0" cy="0"/>
+          <a:chOff x="0" y="0"/>
+          <a:chExt cx="0" cy="0"/>
+        </a:xfrm>
+      </p:grpSpPr>
+      <p:sp>
+        <p:nvSpPr>
+          <p:cNvPr id="2" name="Title 1">
+            <a:extLst>
+              <a:ext uri="{FF2B5EF4-FFF2-40B4-BE49-F238E27FC236}">
+                <a16:creationId xmlns:a16="http://schemas.microsoft.com/office/drawing/2014/main" id="{693656C5-9EC8-4DAC-B17A-292D9187F6BA}"/>
+              </a:ext>
+            </a:extLst>
+          </p:cNvPr>
+          <p:cNvSpPr>
+            <a:spLocks noGrp="1"/>
+          </p:cNvSpPr>
+          <p:nvPr>
+            <p:ph type="title"/>
+          </p:nvPr>
+        </p:nvSpPr>
+        <p:spPr/>
+        <p:txBody>
+          <a:bodyPr/>
+          <a:lstStyle/>
+          <a:p>
+            <a:r>
+              <a:rPr lang="en-US" dirty="0" err="1"/>
+              <a:t>Cách</a:t>
+            </a:r>
+            <a:r>
+              <a:rPr lang="en-US" dirty="0"/>
+              <a:t> barcode </a:t>
+            </a:r>
+            <a:r>
+              <a:rPr lang="en-US" dirty="0" err="1"/>
+              <a:t>hoạt</a:t>
+            </a:r>
+            <a:r>
+              <a:rPr lang="en-US" dirty="0"/>
+              <a:t> </a:t>
+            </a:r>
+            <a:r>
+              <a:rPr lang="en-US" dirty="0" err="1"/>
+              <a:t>động</a:t>
+            </a:r>
+            <a:endParaRPr lang="en-US" dirty="0"/>
+          </a:p>
+        </p:txBody>
+      </p:sp>
+      <p:sp>
+        <p:nvSpPr>
+          <p:cNvPr id="4" name="Content Placeholder 2">
+            <a:extLst>
+              <a:ext uri="{FF2B5EF4-FFF2-40B4-BE49-F238E27FC236}">
+                <a16:creationId xmlns:a16="http://schemas.microsoft.com/office/drawing/2014/main" id="{8C72E8A3-E03B-4CB0-A41A-1E3F7A9877AE}"/>
+              </a:ext>
+            </a:extLst>
+          </p:cNvPr>
+          <p:cNvSpPr>
+            <a:spLocks noGrp="1"/>
+          </p:cNvSpPr>
+          <p:nvPr>
+            <p:ph idx="1"/>
+          </p:nvPr>
+        </p:nvSpPr>
+        <p:spPr>
+          <a:xfrm>
+            <a:off x="838200" y="1747314"/>
+            <a:ext cx="10515600" cy="1404136"/>
+          </a:xfrm>
+        </p:spPr>
+        <p:txBody>
+          <a:bodyPr/>
+          <a:lstStyle/>
+          <a:p>
+            <a:r>
+              <a:rPr lang="en-US" dirty="0" err="1"/>
+              <a:t>Ví</a:t>
+            </a:r>
+            <a:r>
+              <a:rPr lang="en-US" dirty="0"/>
+              <a:t> </a:t>
+            </a:r>
+            <a:r>
+              <a:rPr lang="en-US" dirty="0" err="1"/>
+              <a:t>dụ</a:t>
+            </a:r>
+            <a:r>
+              <a:rPr lang="en-US" dirty="0"/>
+              <a:t> ta </a:t>
+            </a:r>
+            <a:r>
+              <a:rPr lang="en-US" dirty="0" err="1"/>
+              <a:t>cần</a:t>
+            </a:r>
+            <a:r>
+              <a:rPr lang="en-US" dirty="0"/>
+              <a:t> barcode </a:t>
+            </a:r>
+            <a:r>
+              <a:rPr lang="en-US" dirty="0" err="1"/>
+              <a:t>dữ</a:t>
+            </a:r>
+            <a:r>
+              <a:rPr lang="en-US" dirty="0"/>
+              <a:t> </a:t>
+            </a:r>
+            <a:r>
+              <a:rPr lang="en-US" dirty="0" err="1"/>
+              <a:t>liệu</a:t>
+            </a:r>
+            <a:r>
+              <a:rPr lang="en-US" dirty="0"/>
+              <a:t> “</a:t>
+            </a:r>
+            <a:r>
+              <a:rPr lang="en-US" sz="1800" dirty="0">
+                <a:effectLst/>
+                <a:latin typeface="Times New Roman" panose="02020603050405020304" pitchFamily="18" charset="0"/>
+                <a:ea typeface="Times New Roman" panose="02020603050405020304" pitchFamily="18" charset="0"/>
+              </a:rPr>
+              <a:t>CSE370</a:t>
+            </a:r>
+            <a:r>
+              <a:rPr lang="en-US" dirty="0"/>
+              <a:t>”</a:t>
+            </a:r>
+          </a:p>
+        </p:txBody>
+      </p:sp>
+      <p:pic>
+        <p:nvPicPr>
+          <p:cNvPr id="6" name="Picture 5">
+            <a:extLst>
+              <a:ext uri="{FF2B5EF4-FFF2-40B4-BE49-F238E27FC236}">
+                <a16:creationId xmlns:a16="http://schemas.microsoft.com/office/drawing/2014/main" id="{88213658-7297-4271-AB3D-6D3BB0F4A7A5}"/>
+              </a:ext>
+            </a:extLst>
+          </p:cNvPr>
+          <p:cNvPicPr/>
+          <p:nvPr/>
+        </p:nvPicPr>
+        <p:blipFill>
+          <a:blip r:embed="rId2"/>
+          <a:stretch>
+            <a:fillRect/>
+          </a:stretch>
+        </p:blipFill>
+        <p:spPr>
+          <a:xfrm>
+            <a:off x="3557587" y="2587363"/>
+            <a:ext cx="5076825" cy="2238375"/>
+          </a:xfrm>
+          <a:prstGeom prst="rect">
+            <a:avLst/>
+          </a:prstGeom>
+        </p:spPr>
+      </p:pic>
+    </p:spTree>
+    <p:extLst>
+      <p:ext uri="{BB962C8B-B14F-4D97-AF65-F5344CB8AC3E}">
+        <p14:creationId xmlns:p14="http://schemas.microsoft.com/office/powerpoint/2010/main" val="3372134323"/>
+      </p:ext>
+    </p:extLst>
+  </p:cSld>
+  <p:clrMapOvr>
+    <a:masterClrMapping/>
+  </p:clrMapOvr>
+</p:sld>
+</file>
+
+<file path=ppt/slides/slide6.xml><?xml version="1.0" encoding="utf-8"?>
+<p:sld xmlns:a="http://schemas.openxmlformats.org/drawingml/2006/main" xmlns:r="http://schemas.openxmlformats.org/officeDocument/2006/relationships" xmlns:p="http://schemas.openxmlformats.org/presentationml/2006/main">
+  <p:cSld>
+    <p:spTree>
+      <p:nvGrpSpPr>
+        <p:cNvPr id="1" name=""/>
+        <p:cNvGrpSpPr/>
+        <p:nvPr/>
+      </p:nvGrpSpPr>
+      <p:grpSpPr>
+        <a:xfrm>
+          <a:off x="0" y="0"/>
+          <a:ext cx="0" cy="0"/>
+          <a:chOff x="0" y="0"/>
+          <a:chExt cx="0" cy="0"/>
+        </a:xfrm>
+      </p:grpSpPr>
+      <p:sp>
+        <p:nvSpPr>
+          <p:cNvPr id="2" name="Title 1">
+            <a:extLst>
+              <a:ext uri="{FF2B5EF4-FFF2-40B4-BE49-F238E27FC236}">
+                <a16:creationId xmlns:a16="http://schemas.microsoft.com/office/drawing/2014/main" id="{8D85656D-D400-4596-B84D-5B017F84A10E}"/>
+              </a:ext>
+            </a:extLst>
+          </p:cNvPr>
+          <p:cNvSpPr>
+            <a:spLocks noGrp="1"/>
+          </p:cNvSpPr>
+          <p:nvPr>
+            <p:ph type="title"/>
+          </p:nvPr>
+        </p:nvSpPr>
+        <p:spPr/>
+        <p:txBody>
+          <a:bodyPr/>
+          <a:lstStyle/>
+          <a:p>
+            <a:r>
+              <a:rPr lang="en-US" dirty="0" err="1"/>
+              <a:t>Mở</a:t>
+            </a:r>
+            <a:r>
+              <a:rPr lang="en-US" dirty="0"/>
+              <a:t> </a:t>
+            </a:r>
+            <a:r>
+              <a:rPr lang="en-US" dirty="0" err="1"/>
+              <a:t>rộng</a:t>
+            </a:r>
+            <a:r>
+              <a:rPr lang="en-US" dirty="0"/>
+              <a:t> barcode</a:t>
+            </a:r>
+          </a:p>
+        </p:txBody>
+      </p:sp>
+      <p:sp>
+        <p:nvSpPr>
+          <p:cNvPr id="3" name="Content Placeholder 2">
+            <a:extLst>
+              <a:ext uri="{FF2B5EF4-FFF2-40B4-BE49-F238E27FC236}">
+                <a16:creationId xmlns:a16="http://schemas.microsoft.com/office/drawing/2014/main" id="{580055F1-5959-4EF5-9119-69613928FE06}"/>
+              </a:ext>
+            </a:extLst>
+          </p:cNvPr>
+          <p:cNvSpPr>
+            <a:spLocks noGrp="1"/>
+          </p:cNvSpPr>
+          <p:nvPr>
+            <p:ph idx="1"/>
+          </p:nvPr>
+        </p:nvSpPr>
+        <p:spPr/>
+        <p:txBody>
+          <a:bodyPr/>
+          <a:lstStyle/>
+          <a:p>
+            <a:r>
+              <a:rPr lang="en-US" dirty="0" err="1"/>
+              <a:t>Dữ</a:t>
+            </a:r>
+            <a:r>
+              <a:rPr lang="en-US" dirty="0"/>
+              <a:t> </a:t>
+            </a:r>
+            <a:r>
+              <a:rPr lang="en-US" dirty="0" err="1"/>
+              <a:t>liệu</a:t>
+            </a:r>
+            <a:r>
+              <a:rPr lang="en-US" dirty="0"/>
+              <a:t> </a:t>
+            </a:r>
+            <a:r>
+              <a:rPr lang="en-US" dirty="0" err="1"/>
+              <a:t>cần</a:t>
+            </a:r>
+            <a:r>
+              <a:rPr lang="en-US" dirty="0"/>
+              <a:t> </a:t>
+            </a:r>
+            <a:r>
+              <a:rPr lang="en-US" dirty="0" err="1"/>
+              <a:t>lưu</a:t>
+            </a:r>
+            <a:r>
+              <a:rPr lang="en-US" dirty="0"/>
+              <a:t> </a:t>
+            </a:r>
+            <a:r>
+              <a:rPr lang="en-US" dirty="0" err="1"/>
+              <a:t>trữ</a:t>
+            </a:r>
+            <a:r>
+              <a:rPr lang="en-US" dirty="0"/>
+              <a:t> </a:t>
+            </a:r>
+            <a:r>
+              <a:rPr lang="en-US" dirty="0" err="1"/>
+              <a:t>lớn</a:t>
+            </a:r>
+            <a:r>
+              <a:rPr lang="en-US" dirty="0"/>
+              <a:t> </a:t>
+            </a:r>
+            <a:r>
+              <a:rPr lang="en-US" dirty="0" err="1"/>
+              <a:t>hơn</a:t>
+            </a:r>
+            <a:r>
+              <a:rPr lang="en-US" dirty="0"/>
+              <a:t>.</a:t>
+            </a:r>
+          </a:p>
+          <a:p>
+            <a:r>
+              <a:rPr lang="en-US" dirty="0" err="1"/>
+              <a:t>Cần</a:t>
+            </a:r>
+            <a:r>
+              <a:rPr lang="en-US" dirty="0"/>
+              <a:t> </a:t>
+            </a:r>
+            <a:r>
+              <a:rPr lang="en-US" dirty="0" err="1"/>
+              <a:t>có</a:t>
+            </a:r>
+            <a:r>
+              <a:rPr lang="en-US" dirty="0"/>
+              <a:t> </a:t>
+            </a:r>
+            <a:r>
+              <a:rPr lang="en-US" dirty="0" err="1"/>
+              <a:t>một</a:t>
+            </a:r>
+            <a:r>
+              <a:rPr lang="en-US" dirty="0"/>
+              <a:t> </a:t>
+            </a:r>
+            <a:r>
+              <a:rPr lang="en-US" dirty="0" err="1"/>
+              <a:t>khuôn</a:t>
+            </a:r>
+            <a:r>
+              <a:rPr lang="en-US" dirty="0"/>
+              <a:t> </a:t>
+            </a:r>
+            <a:r>
+              <a:rPr lang="en-US" dirty="0" err="1"/>
+              <a:t>mẫu</a:t>
+            </a:r>
+            <a:r>
+              <a:rPr lang="en-US" dirty="0"/>
+              <a:t> </a:t>
+            </a:r>
+            <a:r>
+              <a:rPr lang="en-US" dirty="0" err="1"/>
+              <a:t>sao</a:t>
+            </a:r>
+            <a:r>
+              <a:rPr lang="en-US" dirty="0"/>
+              <a:t> </a:t>
+            </a:r>
+            <a:r>
+              <a:rPr lang="en-US" dirty="0" err="1"/>
+              <a:t>máy</a:t>
+            </a:r>
+            <a:r>
+              <a:rPr lang="en-US" dirty="0"/>
+              <a:t> </a:t>
+            </a:r>
+            <a:r>
+              <a:rPr lang="en-US" dirty="0" err="1"/>
+              <a:t>vẫn</a:t>
+            </a:r>
+            <a:r>
+              <a:rPr lang="en-US" dirty="0"/>
+              <a:t> </a:t>
+            </a:r>
+            <a:r>
+              <a:rPr lang="en-US" dirty="0" err="1"/>
+              <a:t>có</a:t>
+            </a:r>
+            <a:r>
+              <a:rPr lang="en-US" dirty="0"/>
+              <a:t> </a:t>
+            </a:r>
+            <a:r>
+              <a:rPr lang="en-US" dirty="0" err="1"/>
+              <a:t>thể</a:t>
+            </a:r>
+            <a:r>
+              <a:rPr lang="en-US" dirty="0"/>
+              <a:t> </a:t>
+            </a:r>
+            <a:r>
+              <a:rPr lang="en-US" dirty="0" err="1"/>
+              <a:t>dễ</a:t>
+            </a:r>
+            <a:r>
+              <a:rPr lang="en-US" dirty="0"/>
+              <a:t> </a:t>
+            </a:r>
+            <a:r>
+              <a:rPr lang="en-US" dirty="0" err="1"/>
+              <a:t>dàng</a:t>
+            </a:r>
+            <a:r>
+              <a:rPr lang="en-US" dirty="0"/>
+              <a:t> </a:t>
+            </a:r>
+            <a:r>
+              <a:rPr lang="en-US" dirty="0" err="1"/>
+              <a:t>đọc</a:t>
+            </a:r>
+            <a:r>
+              <a:rPr lang="en-US" dirty="0"/>
+              <a:t> </a:t>
+            </a:r>
+            <a:r>
+              <a:rPr lang="en-US" dirty="0" err="1"/>
+              <a:t>được</a:t>
+            </a:r>
+            <a:r>
+              <a:rPr lang="en-US" dirty="0"/>
+              <a:t>.</a:t>
+            </a:r>
+          </a:p>
+        </p:txBody>
+      </p:sp>
+      <p:pic>
+        <p:nvPicPr>
+          <p:cNvPr id="4098" name="Picture 2">
+            <a:extLst>
+              <a:ext uri="{FF2B5EF4-FFF2-40B4-BE49-F238E27FC236}">
+                <a16:creationId xmlns:a16="http://schemas.microsoft.com/office/drawing/2014/main" id="{F68F02FC-C6DC-41F8-AF3F-F418591F1AFB}"/>
+              </a:ext>
+            </a:extLst>
+          </p:cNvPr>
+          <p:cNvPicPr>
+            <a:picLocks noChangeAspect="1" noChangeArrowheads="1"/>
+          </p:cNvPicPr>
+          <p:nvPr/>
+        </p:nvPicPr>
+        <p:blipFill>
+          <a:blip r:embed="rId2">
+            <a:extLst>
+              <a:ext uri="{28A0092B-C50C-407E-A947-70E740481C1C}">
+                <a14:useLocalDpi xmlns:a14="http://schemas.microsoft.com/office/drawing/2010/main" val="0"/>
+              </a:ext>
+            </a:extLst>
+          </a:blip>
+          <a:srcRect/>
+          <a:stretch>
+            <a:fillRect/>
+          </a:stretch>
+        </p:blipFill>
+        <p:spPr bwMode="auto">
+          <a:xfrm>
+            <a:off x="5048250" y="3045823"/>
+            <a:ext cx="2095500" cy="2095500"/>
+          </a:xfrm>
+          <a:prstGeom prst="rect">
+            <a:avLst/>
+          </a:prstGeom>
+          <a:noFill/>
+          <a:extLst>
+            <a:ext uri="{909E8E84-426E-40DD-AFC4-6F175D3DCCD1}">
+              <a14:hiddenFill xmlns:a14="http://schemas.microsoft.com/office/drawing/2010/main">
+                <a:solidFill>
+                  <a:srgbClr val="FFFFFF"/>
+                </a:solidFill>
+              </a14:hiddenFill>
+            </a:ext>
+          </a:extLst>
+        </p:spPr>
+      </p:pic>
+    </p:spTree>
+    <p:extLst>
+      <p:ext uri="{BB962C8B-B14F-4D97-AF65-F5344CB8AC3E}">
+        <p14:creationId xmlns:p14="http://schemas.microsoft.com/office/powerpoint/2010/main" val="1845389545"/>
+      </p:ext>
+    </p:extLst>
+  </p:cSld>
+  <p:clrMapOvr>
+    <a:masterClrMapping/>
+  </p:clrMapOvr>
+</p:sld>
+</file>
+
+<file path=ppt/slides/slide7.xml><?xml version="1.0" encoding="utf-8"?>
+<p:sld xmlns:a="http://schemas.openxmlformats.org/drawingml/2006/main" xmlns:r="http://schemas.openxmlformats.org/officeDocument/2006/relationships" xmlns:p="http://schemas.openxmlformats.org/presentationml/2006/main">
+  <p:cSld>
+    <p:spTree>
+      <p:nvGrpSpPr>
+        <p:cNvPr id="1" name=""/>
+        <p:cNvGrpSpPr/>
+        <p:nvPr/>
+      </p:nvGrpSpPr>
+      <p:grpSpPr>
+        <a:xfrm>
+          <a:off x="0" y="0"/>
+          <a:ext cx="0" cy="0"/>
+          <a:chOff x="0" y="0"/>
+          <a:chExt cx="0" cy="0"/>
+        </a:xfrm>
+      </p:grpSpPr>
+      <p:sp>
+        <p:nvSpPr>
+          <p:cNvPr id="2" name="Title 1">
+            <a:extLst>
+              <a:ext uri="{FF2B5EF4-FFF2-40B4-BE49-F238E27FC236}">
+                <a16:creationId xmlns:a16="http://schemas.microsoft.com/office/drawing/2014/main" id="{8D85656D-D400-4596-B84D-5B017F84A10E}"/>
+              </a:ext>
+            </a:extLst>
+          </p:cNvPr>
+          <p:cNvSpPr>
+            <a:spLocks noGrp="1"/>
+          </p:cNvSpPr>
+          <p:nvPr>
+            <p:ph type="title"/>
+          </p:nvPr>
+        </p:nvSpPr>
+        <p:spPr/>
+        <p:txBody>
+          <a:bodyPr/>
+          <a:lstStyle/>
+          <a:p>
+            <a:r>
+              <a:rPr lang="en-US" dirty="0"/>
+              <a:t>Barcode</a:t>
+            </a:r>
+          </a:p>
+        </p:txBody>
+      </p:sp>
+      <p:sp>
+        <p:nvSpPr>
+          <p:cNvPr id="3" name="Content Placeholder 2">
+            <a:extLst>
+              <a:ext uri="{FF2B5EF4-FFF2-40B4-BE49-F238E27FC236}">
+                <a16:creationId xmlns:a16="http://schemas.microsoft.com/office/drawing/2014/main" id="{580055F1-5959-4EF5-9119-69613928FE06}"/>
+              </a:ext>
+            </a:extLst>
+          </p:cNvPr>
+          <p:cNvSpPr>
+            <a:spLocks noGrp="1"/>
+          </p:cNvSpPr>
+          <p:nvPr>
+            <p:ph idx="1"/>
+          </p:nvPr>
+        </p:nvSpPr>
+        <p:spPr>
+          <a:xfrm>
+            <a:off x="838200" y="1690688"/>
+            <a:ext cx="10515600" cy="4351338"/>
+          </a:xfrm>
+        </p:spPr>
+        <p:txBody>
+          <a:bodyPr/>
+          <a:lstStyle/>
+          <a:p>
+            <a:r>
+              <a:rPr lang="en-US" dirty="0" err="1"/>
+              <a:t>Phát</a:t>
+            </a:r>
+            <a:r>
+              <a:rPr lang="en-US" dirty="0"/>
+              <a:t> </a:t>
+            </a:r>
+            <a:r>
+              <a:rPr lang="en-US" dirty="0" err="1"/>
+              <a:t>minh</a:t>
+            </a:r>
+            <a:r>
+              <a:rPr lang="en-US" dirty="0"/>
+              <a:t> </a:t>
+            </a:r>
+            <a:r>
+              <a:rPr lang="en-US" dirty="0" err="1"/>
+              <a:t>năm</a:t>
+            </a:r>
+            <a:r>
+              <a:rPr lang="en-US" dirty="0"/>
+              <a:t> 1994 </a:t>
+            </a:r>
+            <a:r>
+              <a:rPr lang="en-US" dirty="0" err="1"/>
+              <a:t>bởi</a:t>
+            </a:r>
+            <a:r>
+              <a:rPr lang="en-US" dirty="0"/>
+              <a:t> Masahiro Hara</a:t>
+            </a:r>
+          </a:p>
+        </p:txBody>
+      </p:sp>
+      <p:pic>
+        <p:nvPicPr>
+          <p:cNvPr id="6148" name="Picture 4">
+            <a:extLst>
+              <a:ext uri="{FF2B5EF4-FFF2-40B4-BE49-F238E27FC236}">
+                <a16:creationId xmlns:a16="http://schemas.microsoft.com/office/drawing/2014/main" id="{D4C86F6E-B6E0-4BF6-A5CF-3C6435F0D241}"/>
+              </a:ext>
+            </a:extLst>
+          </p:cNvPr>
+          <p:cNvPicPr>
+            <a:picLocks noChangeAspect="1" noChangeArrowheads="1"/>
+          </p:cNvPicPr>
+          <p:nvPr/>
+        </p:nvPicPr>
+        <p:blipFill>
+          <a:blip r:embed="rId2">
+            <a:extLst>
+              <a:ext uri="{28A0092B-C50C-407E-A947-70E740481C1C}">
+                <a14:useLocalDpi xmlns:a14="http://schemas.microsoft.com/office/drawing/2010/main" val="0"/>
+              </a:ext>
+            </a:extLst>
+          </a:blip>
+          <a:srcRect/>
+          <a:stretch>
+            <a:fillRect/>
+          </a:stretch>
+        </p:blipFill>
+        <p:spPr bwMode="auto">
+          <a:xfrm>
+            <a:off x="2286000" y="2216150"/>
+            <a:ext cx="7620000" cy="4276725"/>
+          </a:xfrm>
+          <a:prstGeom prst="rect">
+            <a:avLst/>
+          </a:prstGeom>
+          <a:noFill/>
+          <a:extLst>
+            <a:ext uri="{909E8E84-426E-40DD-AFC4-6F175D3DCCD1}">
+              <a14:hiddenFill xmlns:a14="http://schemas.microsoft.com/office/drawing/2010/main">
+                <a:solidFill>
+                  <a:srgbClr val="FFFFFF"/>
+                </a:solidFill>
+              </a14:hiddenFill>
+            </a:ext>
+          </a:extLst>
+        </p:spPr>
+      </p:pic>
+    </p:spTree>
+    <p:extLst>
+      <p:ext uri="{BB962C8B-B14F-4D97-AF65-F5344CB8AC3E}">
+        <p14:creationId xmlns:p14="http://schemas.microsoft.com/office/powerpoint/2010/main" val="3721273504"/>
+      </p:ext>
+    </p:extLst>
+  </p:cSld>
+  <p:clrMapOvr>
+    <a:masterClrMapping/>
+  </p:clrMapOvr>
+</p:sld>
+</file>
+
+<file path=ppt/slides/slide8.xml><?xml version="1.0" encoding="utf-8"?>
+<p:sld xmlns:a="http://schemas.openxmlformats.org/drawingml/2006/main" xmlns:r="http://schemas.openxmlformats.org/officeDocument/2006/relationships" xmlns:p="http://schemas.openxmlformats.org/presentationml/2006/main">
+  <p:cSld>
+    <p:spTree>
+      <p:nvGrpSpPr>
+        <p:cNvPr id="1" name=""/>
+        <p:cNvGrpSpPr/>
+        <p:nvPr/>
+      </p:nvGrpSpPr>
+      <p:grpSpPr>
+        <a:xfrm>
+          <a:off x="0" y="0"/>
+          <a:ext cx="0" cy="0"/>
+          <a:chOff x="0" y="0"/>
+          <a:chExt cx="0" cy="0"/>
+        </a:xfrm>
+      </p:grpSpPr>
+      <p:pic>
+        <p:nvPicPr>
+          <p:cNvPr id="7170" name="Picture 2">
+            <a:extLst>
+              <a:ext uri="{FF2B5EF4-FFF2-40B4-BE49-F238E27FC236}">
+                <a16:creationId xmlns:a16="http://schemas.microsoft.com/office/drawing/2014/main" id="{E89D8D70-A1C1-44DA-B00C-DDAFA510BF12}"/>
+              </a:ext>
+            </a:extLst>
+          </p:cNvPr>
+          <p:cNvPicPr>
+            <a:picLocks noChangeAspect="1" noChangeArrowheads="1"/>
+          </p:cNvPicPr>
+          <p:nvPr/>
+        </p:nvPicPr>
+        <p:blipFill>
+          <a:blip r:embed="rId2">
+            <a:extLst>
+              <a:ext uri="{28A0092B-C50C-407E-A947-70E740481C1C}">
+                <a14:useLocalDpi xmlns:a14="http://schemas.microsoft.com/office/drawing/2010/main" val="0"/>
+              </a:ext>
+            </a:extLst>
+          </a:blip>
+          <a:srcRect/>
+          <a:stretch>
+            <a:fillRect/>
+          </a:stretch>
+        </p:blipFill>
+        <p:spPr bwMode="auto">
+          <a:xfrm>
+            <a:off x="730250" y="0"/>
+            <a:ext cx="10731500" cy="6858000"/>
+          </a:xfrm>
+          <a:prstGeom prst="rect">
+            <a:avLst/>
+          </a:prstGeom>
+          <a:noFill/>
+          <a:extLst>
+            <a:ext uri="{909E8E84-426E-40DD-AFC4-6F175D3DCCD1}">
+              <a14:hiddenFill xmlns:a14="http://schemas.microsoft.com/office/drawing/2010/main">
+                <a:solidFill>
+                  <a:srgbClr val="FFFFFF"/>
+                </a:solidFill>
+              </a14:hiddenFill>
+            </a:ext>
+          </a:extLst>
+        </p:spPr>
+      </p:pic>
+    </p:spTree>
+    <p:extLst>
+      <p:ext uri="{BB962C8B-B14F-4D97-AF65-F5344CB8AC3E}">
+        <p14:creationId xmlns:p14="http://schemas.microsoft.com/office/powerpoint/2010/main" val="2280101826"/>
+      </p:ext>
+    </p:extLst>
+  </p:cSld>
+  <p:clrMapOvr>
+    <a:masterClrMapping/>
+  </p:clrMapOvr>
+</p:sld>
+</file>
+
+<file path=ppt/slides/slide9.xml><?xml version="1.0" encoding="utf-8"?>
+<p:sld xmlns:a="http://schemas.openxmlformats.org/drawingml/2006/main" xmlns:r="http://schemas.openxmlformats.org/officeDocument/2006/relationships" xmlns:p="http://schemas.openxmlformats.org/presentationml/2006/main">
+  <p:cSld>
+    <p:spTree>
+      <p:nvGrpSpPr>
+        <p:cNvPr id="1" name=""/>
+        <p:cNvGrpSpPr/>
+        <p:nvPr/>
+      </p:nvGrpSpPr>
+      <p:grpSpPr>
+        <a:xfrm>
+          <a:off x="0" y="0"/>
+          <a:ext cx="0" cy="0"/>
+          <a:chOff x="0" y="0"/>
+          <a:chExt cx="0" cy="0"/>
+        </a:xfrm>
+      </p:grpSpPr>
+      <p:pic>
+        <p:nvPicPr>
+          <p:cNvPr id="8196" name="Picture 4">
+            <a:extLst>
+              <a:ext uri="{FF2B5EF4-FFF2-40B4-BE49-F238E27FC236}">
+                <a16:creationId xmlns:a16="http://schemas.microsoft.com/office/drawing/2014/main" id="{53A65B0B-19F8-474A-9DB7-DC34150AE8BE}"/>
+              </a:ext>
+            </a:extLst>
+          </p:cNvPr>
+          <p:cNvPicPr>
+            <a:picLocks noChangeAspect="1" noChangeArrowheads="1"/>
+          </p:cNvPicPr>
+          <p:nvPr/>
+        </p:nvPicPr>
+        <p:blipFill>
+          <a:blip r:embed="rId2">
+            <a:extLst>
+              <a:ext uri="{28A0092B-C50C-407E-A947-70E740481C1C}">
+                <a14:useLocalDpi xmlns:a14="http://schemas.microsoft.com/office/drawing/2010/main" val="0"/>
+              </a:ext>
+            </a:extLst>
+          </a:blip>
+          <a:srcRect/>
+          <a:stretch>
+            <a:fillRect/>
+          </a:stretch>
+        </p:blipFill>
+        <p:spPr bwMode="auto">
+          <a:xfrm>
+            <a:off x="1101725" y="0"/>
+            <a:ext cx="9986963" cy="6858000"/>
+          </a:xfrm>
+          <a:prstGeom prst="rect">
+            <a:avLst/>
+          </a:prstGeom>
+          <a:noFill/>
+          <a:extLst>
+            <a:ext uri="{909E8E84-426E-40DD-AFC4-6F175D3DCCD1}">
+              <a14:hiddenFill xmlns:a14="http://schemas.microsoft.com/office/drawing/2010/main">
+                <a:solidFill>
+                  <a:srgbClr val="FFFFFF"/>
+                </a:solidFill>
+              </a14:hiddenFill>
+            </a:ext>
+          </a:extLst>
+        </p:spPr>
+      </p:pic>
+    </p:spTree>
+    <p:extLst>
+      <p:ext uri="{BB962C8B-B14F-4D97-AF65-F5344CB8AC3E}">
+        <p14:creationId xmlns:p14="http://schemas.microsoft.com/office/powerpoint/2010/main" val="1190742926"/>
+      </p:ext>
+    </p:extLst>
+  </p:cSld>
+  <p:clrMapOvr>
+    <a:masterClrMapping/>
+  </p:clrMapOvr>
+</p:sld>
+</file>
+
 <file path=ppt/theme/theme1.xml><?xml version="1.0" encoding="utf-8"?>
 <a:theme xmlns:a="http://schemas.openxmlformats.org/drawingml/2006/main" name="Office Theme">
   <a:themeElements>

--- a/QR code.pptx
+++ b/QR code.pptx
@@ -8,26 +8,33 @@
     <p:sldId id="256" r:id="rId2"/>
     <p:sldId id="257" r:id="rId3"/>
     <p:sldId id="258" r:id="rId4"/>
-    <p:sldId id="259" r:id="rId5"/>
-    <p:sldId id="260" r:id="rId6"/>
-    <p:sldId id="261" r:id="rId7"/>
-    <p:sldId id="262" r:id="rId8"/>
-    <p:sldId id="263" r:id="rId9"/>
-    <p:sldId id="264" r:id="rId10"/>
-    <p:sldId id="265" r:id="rId11"/>
-    <p:sldId id="266" r:id="rId12"/>
-    <p:sldId id="267" r:id="rId13"/>
-    <p:sldId id="268" r:id="rId14"/>
-    <p:sldId id="269" r:id="rId15"/>
-    <p:sldId id="270" r:id="rId16"/>
-    <p:sldId id="271" r:id="rId17"/>
-    <p:sldId id="272" r:id="rId18"/>
-    <p:sldId id="273" r:id="rId19"/>
-    <p:sldId id="274" r:id="rId20"/>
-    <p:sldId id="275" r:id="rId21"/>
-    <p:sldId id="276" r:id="rId22"/>
-    <p:sldId id="277" r:id="rId23"/>
-    <p:sldId id="278" r:id="rId24"/>
+    <p:sldId id="285" r:id="rId5"/>
+    <p:sldId id="279" r:id="rId6"/>
+    <p:sldId id="280" r:id="rId7"/>
+    <p:sldId id="259" r:id="rId8"/>
+    <p:sldId id="260" r:id="rId9"/>
+    <p:sldId id="261" r:id="rId10"/>
+    <p:sldId id="262" r:id="rId11"/>
+    <p:sldId id="283" r:id="rId12"/>
+    <p:sldId id="281" r:id="rId13"/>
+    <p:sldId id="282" r:id="rId14"/>
+    <p:sldId id="263" r:id="rId15"/>
+    <p:sldId id="264" r:id="rId16"/>
+    <p:sldId id="265" r:id="rId17"/>
+    <p:sldId id="284" r:id="rId18"/>
+    <p:sldId id="266" r:id="rId19"/>
+    <p:sldId id="267" r:id="rId20"/>
+    <p:sldId id="268" r:id="rId21"/>
+    <p:sldId id="269" r:id="rId22"/>
+    <p:sldId id="270" r:id="rId23"/>
+    <p:sldId id="271" r:id="rId24"/>
+    <p:sldId id="272" r:id="rId25"/>
+    <p:sldId id="273" r:id="rId26"/>
+    <p:sldId id="274" r:id="rId27"/>
+    <p:sldId id="275" r:id="rId28"/>
+    <p:sldId id="276" r:id="rId29"/>
+    <p:sldId id="277" r:id="rId30"/>
+    <p:sldId id="278" r:id="rId31"/>
   </p:sldIdLst>
   <p:sldSz cx="12192000" cy="6858000"/>
   <p:notesSz cx="6858000" cy="9144000"/>
@@ -263,7 +270,7 @@
           <a:p>
             <a:fld id="{1D890BE2-D3DB-4AD8-8FE1-3CB52FB5ABD9}" type="datetimeFigureOut">
               <a:rPr lang="en-US" smtClean="0"/>
-              <a:t>11/20/2020</a:t>
+              <a:t>11/28/2020</a:t>
             </a:fld>
             <a:endParaRPr lang="en-US"/>
           </a:p>
@@ -431,7 +438,7 @@
           <a:p>
             <a:fld id="{1D890BE2-D3DB-4AD8-8FE1-3CB52FB5ABD9}" type="datetimeFigureOut">
               <a:rPr lang="en-US" smtClean="0"/>
-              <a:t>11/20/2020</a:t>
+              <a:t>11/28/2020</a:t>
             </a:fld>
             <a:endParaRPr lang="en-US"/>
           </a:p>
@@ -609,7 +616,7 @@
           <a:p>
             <a:fld id="{1D890BE2-D3DB-4AD8-8FE1-3CB52FB5ABD9}" type="datetimeFigureOut">
               <a:rPr lang="en-US" smtClean="0"/>
-              <a:t>11/20/2020</a:t>
+              <a:t>11/28/2020</a:t>
             </a:fld>
             <a:endParaRPr lang="en-US"/>
           </a:p>
@@ -777,7 +784,7 @@
           <a:p>
             <a:fld id="{1D890BE2-D3DB-4AD8-8FE1-3CB52FB5ABD9}" type="datetimeFigureOut">
               <a:rPr lang="en-US" smtClean="0"/>
-              <a:t>11/20/2020</a:t>
+              <a:t>11/28/2020</a:t>
             </a:fld>
             <a:endParaRPr lang="en-US"/>
           </a:p>
@@ -1022,7 +1029,7 @@
           <a:p>
             <a:fld id="{1D890BE2-D3DB-4AD8-8FE1-3CB52FB5ABD9}" type="datetimeFigureOut">
               <a:rPr lang="en-US" smtClean="0"/>
-              <a:t>11/20/2020</a:t>
+              <a:t>11/28/2020</a:t>
             </a:fld>
             <a:endParaRPr lang="en-US"/>
           </a:p>
@@ -1251,7 +1258,7 @@
           <a:p>
             <a:fld id="{1D890BE2-D3DB-4AD8-8FE1-3CB52FB5ABD9}" type="datetimeFigureOut">
               <a:rPr lang="en-US" smtClean="0"/>
-              <a:t>11/20/2020</a:t>
+              <a:t>11/28/2020</a:t>
             </a:fld>
             <a:endParaRPr lang="en-US"/>
           </a:p>
@@ -1615,7 +1622,7 @@
           <a:p>
             <a:fld id="{1D890BE2-D3DB-4AD8-8FE1-3CB52FB5ABD9}" type="datetimeFigureOut">
               <a:rPr lang="en-US" smtClean="0"/>
-              <a:t>11/20/2020</a:t>
+              <a:t>11/28/2020</a:t>
             </a:fld>
             <a:endParaRPr lang="en-US"/>
           </a:p>
@@ -1732,7 +1739,7 @@
           <a:p>
             <a:fld id="{1D890BE2-D3DB-4AD8-8FE1-3CB52FB5ABD9}" type="datetimeFigureOut">
               <a:rPr lang="en-US" smtClean="0"/>
-              <a:t>11/20/2020</a:t>
+              <a:t>11/28/2020</a:t>
             </a:fld>
             <a:endParaRPr lang="en-US"/>
           </a:p>
@@ -1827,7 +1834,7 @@
           <a:p>
             <a:fld id="{1D890BE2-D3DB-4AD8-8FE1-3CB52FB5ABD9}" type="datetimeFigureOut">
               <a:rPr lang="en-US" smtClean="0"/>
-              <a:t>11/20/2020</a:t>
+              <a:t>11/28/2020</a:t>
             </a:fld>
             <a:endParaRPr lang="en-US"/>
           </a:p>
@@ -2102,7 +2109,7 @@
           <a:p>
             <a:fld id="{1D890BE2-D3DB-4AD8-8FE1-3CB52FB5ABD9}" type="datetimeFigureOut">
               <a:rPr lang="en-US" smtClean="0"/>
-              <a:t>11/20/2020</a:t>
+              <a:t>11/28/2020</a:t>
             </a:fld>
             <a:endParaRPr lang="en-US"/>
           </a:p>
@@ -2354,7 +2361,7 @@
           <a:p>
             <a:fld id="{1D890BE2-D3DB-4AD8-8FE1-3CB52FB5ABD9}" type="datetimeFigureOut">
               <a:rPr lang="en-US" smtClean="0"/>
-              <a:t>11/20/2020</a:t>
+              <a:t>11/28/2020</a:t>
             </a:fld>
             <a:endParaRPr lang="en-US"/>
           </a:p>
@@ -2565,7 +2572,7 @@
           <a:p>
             <a:fld id="{1D890BE2-D3DB-4AD8-8FE1-3CB52FB5ABD9}" type="datetimeFigureOut">
               <a:rPr lang="en-US" smtClean="0"/>
-              <a:t>11/20/2020</a:t>
+              <a:t>11/28/2020</a:t>
             </a:fld>
             <a:endParaRPr lang="en-US"/>
           </a:p>
@@ -3023,15 +3030,103 @@
           <a:p>
             <a:pPr algn="r"/>
             <a:r>
-              <a:rPr lang="en-US"/>
-              <a:t>Instructor: PhD, Huỳnh Ngọc Tú</a:t>
+              <a:rPr lang="en-US" dirty="0" err="1"/>
+              <a:t>Giảng</a:t>
+            </a:r>
+            <a:r>
+              <a:rPr lang="en-US" dirty="0"/>
+              <a:t> </a:t>
+            </a:r>
+            <a:r>
+              <a:rPr lang="en-US" dirty="0" err="1"/>
+              <a:t>viên</a:t>
+            </a:r>
+            <a:r>
+              <a:rPr lang="en-US" dirty="0"/>
+              <a:t> </a:t>
+            </a:r>
+            <a:r>
+              <a:rPr lang="en-US" dirty="0" err="1"/>
+              <a:t>hướng</a:t>
+            </a:r>
+            <a:r>
+              <a:rPr lang="en-US" dirty="0"/>
+              <a:t> </a:t>
+            </a:r>
+            <a:r>
+              <a:rPr lang="en-US" dirty="0" err="1"/>
+              <a:t>dẫn</a:t>
+            </a:r>
+            <a:r>
+              <a:rPr lang="en-US" dirty="0"/>
+              <a:t>: TS </a:t>
+            </a:r>
+            <a:r>
+              <a:rPr lang="en-US" dirty="0" err="1"/>
+              <a:t>Huỳnh</a:t>
+            </a:r>
+            <a:r>
+              <a:rPr lang="en-US" dirty="0"/>
+              <a:t> </a:t>
+            </a:r>
+            <a:r>
+              <a:rPr lang="en-US" dirty="0" err="1"/>
+              <a:t>Ngọc</a:t>
+            </a:r>
+            <a:r>
+              <a:rPr lang="en-US" dirty="0"/>
+              <a:t> Tú</a:t>
             </a:r>
           </a:p>
           <a:p>
             <a:pPr algn="r"/>
             <a:r>
-              <a:rPr lang="en-US"/>
-              <a:t>Nguyễn Duy Hàn Lâm – ID: 196005004</a:t>
+              <a:rPr lang="en-US" dirty="0" err="1"/>
+              <a:t>Học</a:t>
+            </a:r>
+            <a:r>
+              <a:rPr lang="en-US" dirty="0"/>
+              <a:t> </a:t>
+            </a:r>
+            <a:r>
+              <a:rPr lang="en-US" dirty="0" err="1"/>
+              <a:t>viên</a:t>
+            </a:r>
+            <a:r>
+              <a:rPr lang="en-US" dirty="0"/>
+              <a:t>: </a:t>
+            </a:r>
+            <a:r>
+              <a:rPr lang="en-US" dirty="0" err="1"/>
+              <a:t>Nguyễn</a:t>
+            </a:r>
+            <a:r>
+              <a:rPr lang="en-US" dirty="0"/>
+              <a:t> </a:t>
+            </a:r>
+            <a:r>
+              <a:rPr lang="en-US" dirty="0" err="1"/>
+              <a:t>Duy</a:t>
+            </a:r>
+            <a:r>
+              <a:rPr lang="en-US" dirty="0"/>
+              <a:t> </a:t>
+            </a:r>
+            <a:r>
+              <a:rPr lang="en-US" dirty="0" err="1"/>
+              <a:t>Hàn</a:t>
+            </a:r>
+            <a:r>
+              <a:rPr lang="en-US" dirty="0"/>
+              <a:t> </a:t>
+            </a:r>
+            <a:r>
+              <a:rPr lang="en-US" dirty="0" err="1"/>
+              <a:t>Lâm</a:t>
+            </a:r>
+            <a:r>
+              <a:rPr lang="en-US" dirty="0"/>
+              <a:t> – ID: 196005004</a:t>
             </a:r>
           </a:p>
         </p:txBody>
@@ -3050,6 +3145,750 @@
 </file>
 
 <file path=ppt/slides/slide10.xml><?xml version="1.0" encoding="utf-8"?>
+<p:sld xmlns:a="http://schemas.openxmlformats.org/drawingml/2006/main" xmlns:r="http://schemas.openxmlformats.org/officeDocument/2006/relationships" xmlns:p="http://schemas.openxmlformats.org/presentationml/2006/main">
+  <p:cSld>
+    <p:spTree>
+      <p:nvGrpSpPr>
+        <p:cNvPr id="1" name=""/>
+        <p:cNvGrpSpPr/>
+        <p:nvPr/>
+      </p:nvGrpSpPr>
+      <p:grpSpPr>
+        <a:xfrm>
+          <a:off x="0" y="0"/>
+          <a:ext cx="0" cy="0"/>
+          <a:chOff x="0" y="0"/>
+          <a:chExt cx="0" cy="0"/>
+        </a:xfrm>
+      </p:grpSpPr>
+      <p:sp>
+        <p:nvSpPr>
+          <p:cNvPr id="2" name="Title 1">
+            <a:extLst>
+              <a:ext uri="{FF2B5EF4-FFF2-40B4-BE49-F238E27FC236}">
+                <a16:creationId xmlns:a16="http://schemas.microsoft.com/office/drawing/2014/main" id="{8D85656D-D400-4596-B84D-5B017F84A10E}"/>
+              </a:ext>
+            </a:extLst>
+          </p:cNvPr>
+          <p:cNvSpPr>
+            <a:spLocks noGrp="1"/>
+          </p:cNvSpPr>
+          <p:nvPr>
+            <p:ph type="title"/>
+          </p:nvPr>
+        </p:nvSpPr>
+        <p:spPr/>
+        <p:txBody>
+          <a:bodyPr/>
+          <a:lstStyle/>
+          <a:p>
+            <a:r>
+              <a:rPr lang="en-US" dirty="0"/>
+              <a:t>QR Code</a:t>
+            </a:r>
+          </a:p>
+        </p:txBody>
+      </p:sp>
+      <p:sp>
+        <p:nvSpPr>
+          <p:cNvPr id="3" name="Content Placeholder 2">
+            <a:extLst>
+              <a:ext uri="{FF2B5EF4-FFF2-40B4-BE49-F238E27FC236}">
+                <a16:creationId xmlns:a16="http://schemas.microsoft.com/office/drawing/2014/main" id="{580055F1-5959-4EF5-9119-69613928FE06}"/>
+              </a:ext>
+            </a:extLst>
+          </p:cNvPr>
+          <p:cNvSpPr>
+            <a:spLocks noGrp="1"/>
+          </p:cNvSpPr>
+          <p:nvPr>
+            <p:ph idx="1"/>
+          </p:nvPr>
+        </p:nvSpPr>
+        <p:spPr>
+          <a:xfrm>
+            <a:off x="838200" y="1690688"/>
+            <a:ext cx="10515600" cy="4351338"/>
+          </a:xfrm>
+        </p:spPr>
+        <p:txBody>
+          <a:bodyPr/>
+          <a:lstStyle/>
+          <a:p>
+            <a:r>
+              <a:rPr lang="en-US" dirty="0" err="1"/>
+              <a:t>Phát</a:t>
+            </a:r>
+            <a:r>
+              <a:rPr lang="en-US" dirty="0"/>
+              <a:t> </a:t>
+            </a:r>
+            <a:r>
+              <a:rPr lang="en-US" dirty="0" err="1"/>
+              <a:t>minh</a:t>
+            </a:r>
+            <a:r>
+              <a:rPr lang="en-US" dirty="0"/>
+              <a:t> </a:t>
+            </a:r>
+            <a:r>
+              <a:rPr lang="en-US" dirty="0" err="1"/>
+              <a:t>năm</a:t>
+            </a:r>
+            <a:r>
+              <a:rPr lang="en-US" dirty="0"/>
+              <a:t> 1994 </a:t>
+            </a:r>
+            <a:r>
+              <a:rPr lang="en-US" dirty="0" err="1"/>
+              <a:t>bởi</a:t>
+            </a:r>
+            <a:r>
+              <a:rPr lang="en-US" dirty="0"/>
+              <a:t> Masahiro Hara</a:t>
+            </a:r>
+          </a:p>
+        </p:txBody>
+      </p:sp>
+      <p:pic>
+        <p:nvPicPr>
+          <p:cNvPr id="6148" name="Picture 4">
+            <a:extLst>
+              <a:ext uri="{FF2B5EF4-FFF2-40B4-BE49-F238E27FC236}">
+                <a16:creationId xmlns:a16="http://schemas.microsoft.com/office/drawing/2014/main" id="{D4C86F6E-B6E0-4BF6-A5CF-3C6435F0D241}"/>
+              </a:ext>
+            </a:extLst>
+          </p:cNvPr>
+          <p:cNvPicPr>
+            <a:picLocks noChangeAspect="1" noChangeArrowheads="1"/>
+          </p:cNvPicPr>
+          <p:nvPr/>
+        </p:nvPicPr>
+        <p:blipFill>
+          <a:blip r:embed="rId2">
+            <a:extLst>
+              <a:ext uri="{28A0092B-C50C-407E-A947-70E740481C1C}">
+                <a14:useLocalDpi xmlns:a14="http://schemas.microsoft.com/office/drawing/2010/main" val="0"/>
+              </a:ext>
+            </a:extLst>
+          </a:blip>
+          <a:srcRect/>
+          <a:stretch>
+            <a:fillRect/>
+          </a:stretch>
+        </p:blipFill>
+        <p:spPr bwMode="auto">
+          <a:xfrm>
+            <a:off x="2286000" y="2216150"/>
+            <a:ext cx="7620000" cy="4276725"/>
+          </a:xfrm>
+          <a:prstGeom prst="rect">
+            <a:avLst/>
+          </a:prstGeom>
+          <a:noFill/>
+          <a:extLst>
+            <a:ext uri="{909E8E84-426E-40DD-AFC4-6F175D3DCCD1}">
+              <a14:hiddenFill xmlns:a14="http://schemas.microsoft.com/office/drawing/2010/main">
+                <a:solidFill>
+                  <a:srgbClr val="FFFFFF"/>
+                </a:solidFill>
+              </a14:hiddenFill>
+            </a:ext>
+          </a:extLst>
+        </p:spPr>
+      </p:pic>
+    </p:spTree>
+    <p:extLst>
+      <p:ext uri="{BB962C8B-B14F-4D97-AF65-F5344CB8AC3E}">
+        <p14:creationId xmlns:p14="http://schemas.microsoft.com/office/powerpoint/2010/main" val="3721273504"/>
+      </p:ext>
+    </p:extLst>
+  </p:cSld>
+  <p:clrMapOvr>
+    <a:masterClrMapping/>
+  </p:clrMapOvr>
+</p:sld>
+</file>
+
+<file path=ppt/slides/slide11.xml><?xml version="1.0" encoding="utf-8"?>
+<p:sld xmlns:a="http://schemas.openxmlformats.org/drawingml/2006/main" xmlns:r="http://schemas.openxmlformats.org/officeDocument/2006/relationships" xmlns:p="http://schemas.openxmlformats.org/presentationml/2006/main">
+  <p:cSld>
+    <p:spTree>
+      <p:nvGrpSpPr>
+        <p:cNvPr id="1" name=""/>
+        <p:cNvGrpSpPr/>
+        <p:nvPr/>
+      </p:nvGrpSpPr>
+      <p:grpSpPr>
+        <a:xfrm>
+          <a:off x="0" y="0"/>
+          <a:ext cx="0" cy="0"/>
+          <a:chOff x="0" y="0"/>
+          <a:chExt cx="0" cy="0"/>
+        </a:xfrm>
+      </p:grpSpPr>
+      <p:sp>
+        <p:nvSpPr>
+          <p:cNvPr id="2" name="Title 1">
+            <a:extLst>
+              <a:ext uri="{FF2B5EF4-FFF2-40B4-BE49-F238E27FC236}">
+                <a16:creationId xmlns:a16="http://schemas.microsoft.com/office/drawing/2014/main" id="{8EE4B65C-6CD4-420C-A6DA-C2DCEBE292BD}"/>
+              </a:ext>
+            </a:extLst>
+          </p:cNvPr>
+          <p:cNvSpPr>
+            <a:spLocks noGrp="1"/>
+          </p:cNvSpPr>
+          <p:nvPr>
+            <p:ph type="title"/>
+          </p:nvPr>
+        </p:nvSpPr>
+        <p:spPr/>
+        <p:txBody>
+          <a:bodyPr/>
+          <a:lstStyle/>
+          <a:p>
+            <a:r>
+              <a:rPr lang="en-US" dirty="0" err="1"/>
+              <a:t>Các</a:t>
+            </a:r>
+            <a:r>
+              <a:rPr lang="en-US" dirty="0"/>
+              <a:t> </a:t>
+            </a:r>
+            <a:r>
+              <a:rPr lang="en-US" dirty="0" err="1"/>
+              <a:t>loại</a:t>
+            </a:r>
+            <a:r>
+              <a:rPr lang="en-US" dirty="0"/>
+              <a:t> </a:t>
+            </a:r>
+            <a:r>
+              <a:rPr lang="en-US" dirty="0" err="1"/>
+              <a:t>dữ</a:t>
+            </a:r>
+            <a:r>
+              <a:rPr lang="en-US" dirty="0"/>
+              <a:t> </a:t>
+            </a:r>
+            <a:r>
+              <a:rPr lang="en-US" dirty="0" err="1"/>
+              <a:t>liệu</a:t>
+            </a:r>
+            <a:r>
+              <a:rPr lang="en-US" dirty="0"/>
+              <a:t> </a:t>
+            </a:r>
+            <a:r>
+              <a:rPr lang="en-US" dirty="0" err="1"/>
+              <a:t>lưu</a:t>
+            </a:r>
+            <a:r>
+              <a:rPr lang="en-US" dirty="0"/>
+              <a:t> </a:t>
+            </a:r>
+            <a:r>
+              <a:rPr lang="en-US" dirty="0" err="1"/>
+              <a:t>trữ</a:t>
+            </a:r>
+            <a:r>
+              <a:rPr lang="en-US" dirty="0"/>
+              <a:t> </a:t>
+            </a:r>
+            <a:r>
+              <a:rPr lang="en-US" dirty="0" err="1"/>
+              <a:t>của</a:t>
+            </a:r>
+            <a:r>
+              <a:rPr lang="en-US" dirty="0"/>
+              <a:t> QR Code</a:t>
+            </a:r>
+          </a:p>
+        </p:txBody>
+      </p:sp>
+      <p:pic>
+        <p:nvPicPr>
+          <p:cNvPr id="5" name="Picture 4">
+            <a:extLst>
+              <a:ext uri="{FF2B5EF4-FFF2-40B4-BE49-F238E27FC236}">
+                <a16:creationId xmlns:a16="http://schemas.microsoft.com/office/drawing/2014/main" id="{C4A8CDAB-BFAC-4F76-8460-648B55992CAD}"/>
+              </a:ext>
+            </a:extLst>
+          </p:cNvPr>
+          <p:cNvPicPr>
+            <a:picLocks noChangeAspect="1"/>
+          </p:cNvPicPr>
+          <p:nvPr/>
+        </p:nvPicPr>
+        <p:blipFill>
+          <a:blip r:embed="rId2"/>
+          <a:stretch>
+            <a:fillRect/>
+          </a:stretch>
+        </p:blipFill>
+        <p:spPr>
+          <a:xfrm>
+            <a:off x="2195512" y="2257425"/>
+            <a:ext cx="7800975" cy="2343150"/>
+          </a:xfrm>
+          <a:prstGeom prst="rect">
+            <a:avLst/>
+          </a:prstGeom>
+        </p:spPr>
+      </p:pic>
+    </p:spTree>
+    <p:extLst>
+      <p:ext uri="{BB962C8B-B14F-4D97-AF65-F5344CB8AC3E}">
+        <p14:creationId xmlns:p14="http://schemas.microsoft.com/office/powerpoint/2010/main" val="730068881"/>
+      </p:ext>
+    </p:extLst>
+  </p:cSld>
+  <p:clrMapOvr>
+    <a:masterClrMapping/>
+  </p:clrMapOvr>
+</p:sld>
+</file>
+
+<file path=ppt/slides/slide12.xml><?xml version="1.0" encoding="utf-8"?>
+<p:sld xmlns:a="http://schemas.openxmlformats.org/drawingml/2006/main" xmlns:r="http://schemas.openxmlformats.org/officeDocument/2006/relationships" xmlns:p="http://schemas.openxmlformats.org/presentationml/2006/main">
+  <p:cSld>
+    <p:spTree>
+      <p:nvGrpSpPr>
+        <p:cNvPr id="1" name=""/>
+        <p:cNvGrpSpPr/>
+        <p:nvPr/>
+      </p:nvGrpSpPr>
+      <p:grpSpPr>
+        <a:xfrm>
+          <a:off x="0" y="0"/>
+          <a:ext cx="0" cy="0"/>
+          <a:chOff x="0" y="0"/>
+          <a:chExt cx="0" cy="0"/>
+        </a:xfrm>
+      </p:grpSpPr>
+      <p:sp>
+        <p:nvSpPr>
+          <p:cNvPr id="2" name="Title 1">
+            <a:extLst>
+              <a:ext uri="{FF2B5EF4-FFF2-40B4-BE49-F238E27FC236}">
+                <a16:creationId xmlns:a16="http://schemas.microsoft.com/office/drawing/2014/main" id="{393C8B38-2F28-4FA4-84E4-BD944B479ADC}"/>
+              </a:ext>
+            </a:extLst>
+          </p:cNvPr>
+          <p:cNvSpPr>
+            <a:spLocks noGrp="1"/>
+          </p:cNvSpPr>
+          <p:nvPr>
+            <p:ph type="title"/>
+          </p:nvPr>
+        </p:nvSpPr>
+        <p:spPr/>
+        <p:txBody>
+          <a:bodyPr/>
+          <a:lstStyle/>
+          <a:p>
+            <a:r>
+              <a:rPr lang="en-US" dirty="0" err="1"/>
+              <a:t>Các</a:t>
+            </a:r>
+            <a:r>
+              <a:rPr lang="en-US" dirty="0"/>
+              <a:t> </a:t>
+            </a:r>
+            <a:r>
+              <a:rPr lang="en-US" dirty="0" err="1"/>
+              <a:t>phiên</a:t>
+            </a:r>
+            <a:r>
+              <a:rPr lang="en-US" dirty="0"/>
+              <a:t> </a:t>
+            </a:r>
+            <a:r>
+              <a:rPr lang="en-US" dirty="0" err="1"/>
+              <a:t>bản</a:t>
+            </a:r>
+            <a:r>
+              <a:rPr lang="en-US" dirty="0"/>
+              <a:t> </a:t>
+            </a:r>
+            <a:r>
+              <a:rPr lang="en-US" dirty="0" err="1"/>
+              <a:t>của</a:t>
+            </a:r>
+            <a:r>
+              <a:rPr lang="en-US" dirty="0"/>
+              <a:t> QR Code</a:t>
+            </a:r>
+          </a:p>
+        </p:txBody>
+      </p:sp>
+      <p:pic>
+        <p:nvPicPr>
+          <p:cNvPr id="5" name="Picture 4">
+            <a:extLst>
+              <a:ext uri="{FF2B5EF4-FFF2-40B4-BE49-F238E27FC236}">
+                <a16:creationId xmlns:a16="http://schemas.microsoft.com/office/drawing/2014/main" id="{8DFCD46A-0F65-48BF-9295-781D955E5D70}"/>
+              </a:ext>
+            </a:extLst>
+          </p:cNvPr>
+          <p:cNvPicPr>
+            <a:picLocks noChangeAspect="1"/>
+          </p:cNvPicPr>
+          <p:nvPr/>
+        </p:nvPicPr>
+        <p:blipFill>
+          <a:blip r:embed="rId2"/>
+          <a:stretch>
+            <a:fillRect/>
+          </a:stretch>
+        </p:blipFill>
+        <p:spPr>
+          <a:xfrm>
+            <a:off x="2185554" y="1690688"/>
+            <a:ext cx="7820891" cy="2314406"/>
+          </a:xfrm>
+          <a:prstGeom prst="rect">
+            <a:avLst/>
+          </a:prstGeom>
+        </p:spPr>
+      </p:pic>
+      <p:pic>
+        <p:nvPicPr>
+          <p:cNvPr id="7" name="Picture 6">
+            <a:extLst>
+              <a:ext uri="{FF2B5EF4-FFF2-40B4-BE49-F238E27FC236}">
+                <a16:creationId xmlns:a16="http://schemas.microsoft.com/office/drawing/2014/main" id="{33046523-0C6A-4DFF-A80D-47BC87B98D5A}"/>
+              </a:ext>
+            </a:extLst>
+          </p:cNvPr>
+          <p:cNvPicPr>
+            <a:picLocks noChangeAspect="1"/>
+          </p:cNvPicPr>
+          <p:nvPr/>
+        </p:nvPicPr>
+        <p:blipFill>
+          <a:blip r:embed="rId3"/>
+          <a:stretch>
+            <a:fillRect/>
+          </a:stretch>
+        </p:blipFill>
+        <p:spPr>
+          <a:xfrm>
+            <a:off x="3882518" y="4141391"/>
+            <a:ext cx="4426961" cy="2378531"/>
+          </a:xfrm>
+          <a:prstGeom prst="rect">
+            <a:avLst/>
+          </a:prstGeom>
+        </p:spPr>
+      </p:pic>
+    </p:spTree>
+    <p:extLst>
+      <p:ext uri="{BB962C8B-B14F-4D97-AF65-F5344CB8AC3E}">
+        <p14:creationId xmlns:p14="http://schemas.microsoft.com/office/powerpoint/2010/main" val="1497966689"/>
+      </p:ext>
+    </p:extLst>
+  </p:cSld>
+  <p:clrMapOvr>
+    <a:masterClrMapping/>
+  </p:clrMapOvr>
+</p:sld>
+</file>
+
+<file path=ppt/slides/slide13.xml><?xml version="1.0" encoding="utf-8"?>
+<p:sld xmlns:a="http://schemas.openxmlformats.org/drawingml/2006/main" xmlns:r="http://schemas.openxmlformats.org/officeDocument/2006/relationships" xmlns:p="http://schemas.openxmlformats.org/presentationml/2006/main">
+  <p:cSld>
+    <p:spTree>
+      <p:nvGrpSpPr>
+        <p:cNvPr id="1" name=""/>
+        <p:cNvGrpSpPr/>
+        <p:nvPr/>
+      </p:nvGrpSpPr>
+      <p:grpSpPr>
+        <a:xfrm>
+          <a:off x="0" y="0"/>
+          <a:ext cx="0" cy="0"/>
+          <a:chOff x="0" y="0"/>
+          <a:chExt cx="0" cy="0"/>
+        </a:xfrm>
+      </p:grpSpPr>
+      <p:sp>
+        <p:nvSpPr>
+          <p:cNvPr id="2" name="Title 1">
+            <a:extLst>
+              <a:ext uri="{FF2B5EF4-FFF2-40B4-BE49-F238E27FC236}">
+                <a16:creationId xmlns:a16="http://schemas.microsoft.com/office/drawing/2014/main" id="{8D85656D-D400-4596-B84D-5B017F84A10E}"/>
+              </a:ext>
+            </a:extLst>
+          </p:cNvPr>
+          <p:cNvSpPr>
+            <a:spLocks noGrp="1"/>
+          </p:cNvSpPr>
+          <p:nvPr>
+            <p:ph type="title"/>
+          </p:nvPr>
+        </p:nvSpPr>
+        <p:spPr>
+          <a:xfrm>
+            <a:off x="838200" y="323562"/>
+            <a:ext cx="10515600" cy="1325563"/>
+          </a:xfrm>
+        </p:spPr>
+        <p:txBody>
+          <a:bodyPr/>
+          <a:lstStyle/>
+          <a:p>
+            <a:r>
+              <a:rPr lang="en-US" dirty="0" err="1"/>
+              <a:t>Cấu</a:t>
+            </a:r>
+            <a:r>
+              <a:rPr lang="en-US" dirty="0"/>
+              <a:t> </a:t>
+            </a:r>
+            <a:r>
+              <a:rPr lang="en-US" dirty="0" err="1"/>
+              <a:t>trúc</a:t>
+            </a:r>
+            <a:r>
+              <a:rPr lang="en-US" dirty="0"/>
+              <a:t> </a:t>
+            </a:r>
+            <a:r>
+              <a:rPr lang="en-US" dirty="0" err="1"/>
+              <a:t>chung</a:t>
+            </a:r>
+            <a:r>
+              <a:rPr lang="en-US" dirty="0"/>
+              <a:t> </a:t>
+            </a:r>
+            <a:r>
+              <a:rPr lang="en-US" dirty="0" err="1"/>
+              <a:t>của</a:t>
+            </a:r>
+            <a:r>
+              <a:rPr lang="en-US" dirty="0"/>
+              <a:t> QR Code</a:t>
+            </a:r>
+          </a:p>
+        </p:txBody>
+      </p:sp>
+      <p:pic>
+        <p:nvPicPr>
+          <p:cNvPr id="6148" name="Picture 4">
+            <a:extLst>
+              <a:ext uri="{FF2B5EF4-FFF2-40B4-BE49-F238E27FC236}">
+                <a16:creationId xmlns:a16="http://schemas.microsoft.com/office/drawing/2014/main" id="{D4C86F6E-B6E0-4BF6-A5CF-3C6435F0D241}"/>
+              </a:ext>
+            </a:extLst>
+          </p:cNvPr>
+          <p:cNvPicPr>
+            <a:picLocks noChangeAspect="1" noChangeArrowheads="1"/>
+          </p:cNvPicPr>
+          <p:nvPr/>
+        </p:nvPicPr>
+        <p:blipFill>
+          <a:blip r:embed="rId2">
+            <a:extLst>
+              <a:ext uri="{28A0092B-C50C-407E-A947-70E740481C1C}">
+                <a14:useLocalDpi xmlns:a14="http://schemas.microsoft.com/office/drawing/2010/main" val="0"/>
+              </a:ext>
+            </a:extLst>
+          </a:blip>
+          <a:srcRect/>
+          <a:stretch>
+            <a:fillRect/>
+          </a:stretch>
+        </p:blipFill>
+        <p:spPr bwMode="auto">
+          <a:xfrm>
+            <a:off x="2286000" y="1649125"/>
+            <a:ext cx="7620000" cy="4276725"/>
+          </a:xfrm>
+          <a:prstGeom prst="rect">
+            <a:avLst/>
+          </a:prstGeom>
+          <a:noFill/>
+          <a:extLst>
+            <a:ext uri="{909E8E84-426E-40DD-AFC4-6F175D3DCCD1}">
+              <a14:hiddenFill xmlns:a14="http://schemas.microsoft.com/office/drawing/2010/main">
+                <a:solidFill>
+                  <a:srgbClr val="FFFFFF"/>
+                </a:solidFill>
+              </a14:hiddenFill>
+            </a:ext>
+          </a:extLst>
+        </p:spPr>
+      </p:pic>
+    </p:spTree>
+    <p:extLst>
+      <p:ext uri="{BB962C8B-B14F-4D97-AF65-F5344CB8AC3E}">
+        <p14:creationId xmlns:p14="http://schemas.microsoft.com/office/powerpoint/2010/main" val="324504148"/>
+      </p:ext>
+    </p:extLst>
+  </p:cSld>
+  <p:clrMapOvr>
+    <a:masterClrMapping/>
+  </p:clrMapOvr>
+</p:sld>
+</file>
+
+<file path=ppt/slides/slide14.xml><?xml version="1.0" encoding="utf-8"?>
+<p:sld xmlns:a="http://schemas.openxmlformats.org/drawingml/2006/main" xmlns:r="http://schemas.openxmlformats.org/officeDocument/2006/relationships" xmlns:p="http://schemas.openxmlformats.org/presentationml/2006/main">
+  <p:cSld>
+    <p:spTree>
+      <p:nvGrpSpPr>
+        <p:cNvPr id="1" name=""/>
+        <p:cNvGrpSpPr/>
+        <p:nvPr/>
+      </p:nvGrpSpPr>
+      <p:grpSpPr>
+        <a:xfrm>
+          <a:off x="0" y="0"/>
+          <a:ext cx="0" cy="0"/>
+          <a:chOff x="0" y="0"/>
+          <a:chExt cx="0" cy="0"/>
+        </a:xfrm>
+      </p:grpSpPr>
+      <p:pic>
+        <p:nvPicPr>
+          <p:cNvPr id="7170" name="Picture 2">
+            <a:extLst>
+              <a:ext uri="{FF2B5EF4-FFF2-40B4-BE49-F238E27FC236}">
+                <a16:creationId xmlns:a16="http://schemas.microsoft.com/office/drawing/2014/main" id="{E89D8D70-A1C1-44DA-B00C-DDAFA510BF12}"/>
+              </a:ext>
+            </a:extLst>
+          </p:cNvPr>
+          <p:cNvPicPr>
+            <a:picLocks noChangeAspect="1" noChangeArrowheads="1"/>
+          </p:cNvPicPr>
+          <p:nvPr/>
+        </p:nvPicPr>
+        <p:blipFill>
+          <a:blip r:embed="rId2">
+            <a:extLst>
+              <a:ext uri="{28A0092B-C50C-407E-A947-70E740481C1C}">
+                <a14:useLocalDpi xmlns:a14="http://schemas.microsoft.com/office/drawing/2010/main" val="0"/>
+              </a:ext>
+            </a:extLst>
+          </a:blip>
+          <a:srcRect/>
+          <a:stretch>
+            <a:fillRect/>
+          </a:stretch>
+        </p:blipFill>
+        <p:spPr bwMode="auto">
+          <a:xfrm>
+            <a:off x="730250" y="0"/>
+            <a:ext cx="10731500" cy="6858000"/>
+          </a:xfrm>
+          <a:prstGeom prst="rect">
+            <a:avLst/>
+          </a:prstGeom>
+          <a:noFill/>
+          <a:extLst>
+            <a:ext uri="{909E8E84-426E-40DD-AFC4-6F175D3DCCD1}">
+              <a14:hiddenFill xmlns:a14="http://schemas.microsoft.com/office/drawing/2010/main">
+                <a:solidFill>
+                  <a:srgbClr val="FFFFFF"/>
+                </a:solidFill>
+              </a14:hiddenFill>
+            </a:ext>
+          </a:extLst>
+        </p:spPr>
+      </p:pic>
+    </p:spTree>
+    <p:extLst>
+      <p:ext uri="{BB962C8B-B14F-4D97-AF65-F5344CB8AC3E}">
+        <p14:creationId xmlns:p14="http://schemas.microsoft.com/office/powerpoint/2010/main" val="2280101826"/>
+      </p:ext>
+    </p:extLst>
+  </p:cSld>
+  <p:clrMapOvr>
+    <a:masterClrMapping/>
+  </p:clrMapOvr>
+</p:sld>
+</file>
+
+<file path=ppt/slides/slide15.xml><?xml version="1.0" encoding="utf-8"?>
+<p:sld xmlns:a="http://schemas.openxmlformats.org/drawingml/2006/main" xmlns:r="http://schemas.openxmlformats.org/officeDocument/2006/relationships" xmlns:p="http://schemas.openxmlformats.org/presentationml/2006/main">
+  <p:cSld>
+    <p:spTree>
+      <p:nvGrpSpPr>
+        <p:cNvPr id="1" name=""/>
+        <p:cNvGrpSpPr/>
+        <p:nvPr/>
+      </p:nvGrpSpPr>
+      <p:grpSpPr>
+        <a:xfrm>
+          <a:off x="0" y="0"/>
+          <a:ext cx="0" cy="0"/>
+          <a:chOff x="0" y="0"/>
+          <a:chExt cx="0" cy="0"/>
+        </a:xfrm>
+      </p:grpSpPr>
+      <p:pic>
+        <p:nvPicPr>
+          <p:cNvPr id="8196" name="Picture 4">
+            <a:extLst>
+              <a:ext uri="{FF2B5EF4-FFF2-40B4-BE49-F238E27FC236}">
+                <a16:creationId xmlns:a16="http://schemas.microsoft.com/office/drawing/2014/main" id="{53A65B0B-19F8-474A-9DB7-DC34150AE8BE}"/>
+              </a:ext>
+            </a:extLst>
+          </p:cNvPr>
+          <p:cNvPicPr>
+            <a:picLocks noChangeAspect="1" noChangeArrowheads="1"/>
+          </p:cNvPicPr>
+          <p:nvPr/>
+        </p:nvPicPr>
+        <p:blipFill>
+          <a:blip r:embed="rId2">
+            <a:extLst>
+              <a:ext uri="{28A0092B-C50C-407E-A947-70E740481C1C}">
+                <a14:useLocalDpi xmlns:a14="http://schemas.microsoft.com/office/drawing/2010/main" val="0"/>
+              </a:ext>
+            </a:extLst>
+          </a:blip>
+          <a:srcRect/>
+          <a:stretch>
+            <a:fillRect/>
+          </a:stretch>
+        </p:blipFill>
+        <p:spPr bwMode="auto">
+          <a:xfrm>
+            <a:off x="1101725" y="0"/>
+            <a:ext cx="9986963" cy="6858000"/>
+          </a:xfrm>
+          <a:prstGeom prst="rect">
+            <a:avLst/>
+          </a:prstGeom>
+          <a:noFill/>
+          <a:extLst>
+            <a:ext uri="{909E8E84-426E-40DD-AFC4-6F175D3DCCD1}">
+              <a14:hiddenFill xmlns:a14="http://schemas.microsoft.com/office/drawing/2010/main">
+                <a:solidFill>
+                  <a:srgbClr val="FFFFFF"/>
+                </a:solidFill>
+              </a14:hiddenFill>
+            </a:ext>
+          </a:extLst>
+        </p:spPr>
+      </p:pic>
+    </p:spTree>
+    <p:extLst>
+      <p:ext uri="{BB962C8B-B14F-4D97-AF65-F5344CB8AC3E}">
+        <p14:creationId xmlns:p14="http://schemas.microsoft.com/office/powerpoint/2010/main" val="1190742926"/>
+      </p:ext>
+    </p:extLst>
+  </p:cSld>
+  <p:clrMapOvr>
+    <a:masterClrMapping/>
+  </p:clrMapOvr>
+</p:sld>
+</file>
+
+<file path=ppt/slides/slide16.xml><?xml version="1.0" encoding="utf-8"?>
 <p:sld xmlns:a="http://schemas.openxmlformats.org/drawingml/2006/main" xmlns:r="http://schemas.openxmlformats.org/officeDocument/2006/relationships" xmlns:p="http://schemas.openxmlformats.org/presentationml/2006/main">
   <p:cSld>
     <p:spTree>
@@ -3126,7 +3965,702 @@
 </p:sld>
 </file>
 
-<file path=ppt/slides/slide11.xml><?xml version="1.0" encoding="utf-8"?>
+<file path=ppt/slides/slide17.xml><?xml version="1.0" encoding="utf-8"?>
+<p:sld xmlns:a="http://schemas.openxmlformats.org/drawingml/2006/main" xmlns:r="http://schemas.openxmlformats.org/officeDocument/2006/relationships" xmlns:p="http://schemas.openxmlformats.org/presentationml/2006/main">
+  <p:cSld>
+    <p:spTree>
+      <p:nvGrpSpPr>
+        <p:cNvPr id="1" name=""/>
+        <p:cNvGrpSpPr/>
+        <p:nvPr/>
+      </p:nvGrpSpPr>
+      <p:grpSpPr>
+        <a:xfrm>
+          <a:off x="0" y="0"/>
+          <a:ext cx="0" cy="0"/>
+          <a:chOff x="0" y="0"/>
+          <a:chExt cx="0" cy="0"/>
+        </a:xfrm>
+      </p:grpSpPr>
+      <p:sp>
+        <p:nvSpPr>
+          <p:cNvPr id="2" name="Title 1">
+            <a:extLst>
+              <a:ext uri="{FF2B5EF4-FFF2-40B4-BE49-F238E27FC236}">
+                <a16:creationId xmlns:a16="http://schemas.microsoft.com/office/drawing/2014/main" id="{6B2EE5A4-AAF0-45FA-BB78-BFE4359D4557}"/>
+              </a:ext>
+            </a:extLst>
+          </p:cNvPr>
+          <p:cNvSpPr>
+            <a:spLocks noGrp="1"/>
+          </p:cNvSpPr>
+          <p:nvPr>
+            <p:ph type="title"/>
+          </p:nvPr>
+        </p:nvSpPr>
+        <p:spPr/>
+        <p:txBody>
+          <a:bodyPr/>
+          <a:lstStyle/>
+          <a:p>
+            <a:r>
+              <a:rPr lang="en-US" dirty="0"/>
+              <a:t>Error correction</a:t>
+            </a:r>
+          </a:p>
+        </p:txBody>
+      </p:sp>
+      <mc:AlternateContent xmlns:mc="http://schemas.openxmlformats.org/markup-compatibility/2006">
+        <mc:Choice xmlns:a14="http://schemas.microsoft.com/office/drawing/2010/main" Requires="a14">
+          <p:sp>
+            <p:nvSpPr>
+              <p:cNvPr id="3" name="Content Placeholder 2">
+                <a:extLst>
+                  <a:ext uri="{FF2B5EF4-FFF2-40B4-BE49-F238E27FC236}">
+                    <a16:creationId xmlns:a16="http://schemas.microsoft.com/office/drawing/2014/main" id="{5BFFEC81-0D31-4672-8E3A-62325E101E41}"/>
+                  </a:ext>
+                </a:extLst>
+              </p:cNvPr>
+              <p:cNvSpPr>
+                <a:spLocks noGrp="1"/>
+              </p:cNvSpPr>
+              <p:nvPr>
+                <p:ph idx="1"/>
+              </p:nvPr>
+            </p:nvSpPr>
+            <p:spPr/>
+            <p:txBody>
+              <a:bodyPr/>
+              <a:lstStyle/>
+              <a:p>
+                <a:r>
+                  <a:rPr lang="en-US" dirty="0"/>
+                  <a:t>Sử </a:t>
+                </a:r>
+                <a:r>
+                  <a:rPr lang="en-US" dirty="0" err="1"/>
+                  <a:t>dụng</a:t>
+                </a:r>
+                <a:r>
+                  <a:rPr lang="en-US" dirty="0"/>
+                  <a:t> </a:t>
+                </a:r>
+                <a:r>
+                  <a:rPr lang="en-US" dirty="0" err="1"/>
+                  <a:t>kỹ</a:t>
+                </a:r>
+                <a:r>
+                  <a:rPr lang="en-US" dirty="0"/>
+                  <a:t> </a:t>
+                </a:r>
+                <a:r>
+                  <a:rPr lang="en-US" dirty="0" err="1"/>
+                  <a:t>thuật</a:t>
+                </a:r>
+                <a:r>
+                  <a:rPr lang="en-US" dirty="0"/>
+                  <a:t> Reed-Solomon </a:t>
+                </a:r>
+                <a:r>
+                  <a:rPr lang="en-US" dirty="0" err="1"/>
+                  <a:t>trên</a:t>
+                </a:r>
+                <a:r>
+                  <a:rPr lang="en-US" dirty="0"/>
+                  <a:t> </a:t>
+                </a:r>
+                <a:r>
+                  <a:rPr lang="en-US" dirty="0" err="1"/>
+                  <a:t>trường</a:t>
+                </a:r>
+                <a:r>
+                  <a:rPr lang="en-US" dirty="0"/>
+                  <a:t> </a:t>
+                </a:r>
+                <a:r>
+                  <a:rPr lang="en-US" dirty="0" err="1"/>
+                  <a:t>hữu</a:t>
+                </a:r>
+                <a:r>
+                  <a:rPr lang="en-US" dirty="0"/>
+                  <a:t> </a:t>
+                </a:r>
+                <a:r>
+                  <a:rPr lang="en-US" dirty="0" err="1"/>
+                  <a:t>hạn</a:t>
+                </a:r>
+                <a:r>
+                  <a:rPr lang="en-US" dirty="0"/>
+                  <a:t> F</a:t>
+                </a:r>
+                <a:r>
+                  <a:rPr lang="en-US" baseline="-25000" dirty="0"/>
+                  <a:t>256</a:t>
+                </a:r>
+                <a:r>
+                  <a:rPr lang="en-US" dirty="0"/>
+                  <a:t>.</a:t>
+                </a:r>
+              </a:p>
+              <a:p>
+                <a:r>
+                  <a:rPr lang="en-US" dirty="0" err="1"/>
+                  <a:t>Các</a:t>
+                </a:r>
+                <a:r>
+                  <a:rPr lang="en-US" dirty="0"/>
+                  <a:t> </a:t>
+                </a:r>
+                <a:r>
+                  <a:rPr lang="en-US" dirty="0" err="1"/>
+                  <a:t>dữ</a:t>
+                </a:r>
+                <a:r>
+                  <a:rPr lang="en-US" dirty="0"/>
+                  <a:t> </a:t>
+                </a:r>
+                <a:r>
+                  <a:rPr lang="en-US" dirty="0" err="1"/>
+                  <a:t>liệu</a:t>
+                </a:r>
+                <a:r>
+                  <a:rPr lang="en-US" dirty="0"/>
+                  <a:t> bit </a:t>
+                </a:r>
+                <a14:m>
+                  <m:oMath xmlns:m="http://schemas.openxmlformats.org/officeDocument/2006/math">
+                    <m:nary>
+                      <m:naryPr>
+                        <m:chr m:val="∑"/>
+                        <m:ctrlPr>
+                          <a:rPr lang="en-US" i="1" smtClean="0">
+                            <a:latin typeface="Cambria Math" panose="02040503050406030204" pitchFamily="18" charset="0"/>
+                          </a:rPr>
+                        </m:ctrlPr>
+                      </m:naryPr>
+                      <m:sub>
+                        <m:r>
+                          <m:rPr>
+                            <m:brk m:alnAt="23"/>
+                          </m:rPr>
+                          <a:rPr lang="en-US" b="0" i="1" smtClean="0">
+                            <a:latin typeface="Cambria Math" panose="02040503050406030204" pitchFamily="18" charset="0"/>
+                          </a:rPr>
+                          <m:t>𝑖</m:t>
+                        </m:r>
+                        <m:r>
+                          <a:rPr lang="en-US" b="0" i="1" smtClean="0">
+                            <a:latin typeface="Cambria Math" panose="02040503050406030204" pitchFamily="18" charset="0"/>
+                          </a:rPr>
+                          <m:t>=0</m:t>
+                        </m:r>
+                      </m:sub>
+                      <m:sup>
+                        <m:r>
+                          <a:rPr lang="en-US" b="0" i="1" smtClean="0">
+                            <a:latin typeface="Cambria Math" panose="02040503050406030204" pitchFamily="18" charset="0"/>
+                          </a:rPr>
+                          <m:t>7</m:t>
+                        </m:r>
+                      </m:sup>
+                      <m:e>
+                        <m:sSub>
+                          <m:sSubPr>
+                            <m:ctrlPr>
+                              <a:rPr lang="en-US" i="1" smtClean="0">
+                                <a:latin typeface="Cambria Math" panose="02040503050406030204" pitchFamily="18" charset="0"/>
+                              </a:rPr>
+                            </m:ctrlPr>
+                          </m:sSubPr>
+                          <m:e>
+                            <m:r>
+                              <a:rPr lang="en-US" b="0" i="1" smtClean="0">
+                                <a:latin typeface="Cambria Math" panose="02040503050406030204" pitchFamily="18" charset="0"/>
+                              </a:rPr>
+                              <m:t>𝑏</m:t>
+                            </m:r>
+                          </m:e>
+                          <m:sub>
+                            <m:r>
+                              <a:rPr lang="en-US" b="0" i="1" smtClean="0">
+                                <a:latin typeface="Cambria Math" panose="02040503050406030204" pitchFamily="18" charset="0"/>
+                              </a:rPr>
+                              <m:t>𝑖</m:t>
+                            </m:r>
+                          </m:sub>
+                        </m:sSub>
+                        <m:sSup>
+                          <m:sSupPr>
+                            <m:ctrlPr>
+                              <a:rPr lang="en-US" i="1" smtClean="0">
+                                <a:latin typeface="Cambria Math" panose="02040503050406030204" pitchFamily="18" charset="0"/>
+                              </a:rPr>
+                            </m:ctrlPr>
+                          </m:sSupPr>
+                          <m:e>
+                            <m:r>
+                              <a:rPr lang="en-US" b="0" i="1" smtClean="0">
+                                <a:latin typeface="Cambria Math" panose="02040503050406030204" pitchFamily="18" charset="0"/>
+                              </a:rPr>
+                              <m:t>2</m:t>
+                            </m:r>
+                          </m:e>
+                          <m:sup>
+                            <m:r>
+                              <a:rPr lang="en-US" b="0" i="1" smtClean="0">
+                                <a:latin typeface="Cambria Math" panose="02040503050406030204" pitchFamily="18" charset="0"/>
+                              </a:rPr>
+                              <m:t>𝑖</m:t>
+                            </m:r>
+                          </m:sup>
+                        </m:sSup>
+                      </m:e>
+                    </m:nary>
+                  </m:oMath>
+                </a14:m>
+                <a:r>
+                  <a:rPr lang="en-US" dirty="0"/>
+                  <a:t> </a:t>
+                </a:r>
+                <a:r>
+                  <a:rPr lang="en-US" dirty="0" err="1"/>
+                  <a:t>là</a:t>
+                </a:r>
+                <a:r>
+                  <a:rPr lang="en-US" dirty="0"/>
+                  <a:t> </a:t>
+                </a:r>
+                <a:r>
+                  <a:rPr lang="en-US" dirty="0" err="1"/>
+                  <a:t>các</a:t>
+                </a:r>
+                <a:r>
+                  <a:rPr lang="en-US" dirty="0"/>
+                  <a:t> </a:t>
+                </a:r>
+                <a:r>
+                  <a:rPr lang="en-US" dirty="0" err="1"/>
+                  <a:t>giá</a:t>
+                </a:r>
+                <a:r>
+                  <a:rPr lang="en-US" dirty="0"/>
+                  <a:t> </a:t>
+                </a:r>
+                <a:r>
+                  <a:rPr lang="en-US" dirty="0" err="1"/>
+                  <a:t>trị</a:t>
+                </a:r>
+                <a:r>
+                  <a:rPr lang="en-US" dirty="0"/>
+                  <a:t> </a:t>
+                </a:r>
+                <a:r>
+                  <a:rPr lang="en-US" dirty="0" err="1"/>
+                  <a:t>mã</a:t>
+                </a:r>
+                <a:r>
+                  <a:rPr lang="en-US" dirty="0"/>
+                  <a:t> </a:t>
+                </a:r>
+                <a:r>
+                  <a:rPr lang="en-US" dirty="0" err="1"/>
+                  <a:t>hóa</a:t>
+                </a:r>
+                <a:r>
+                  <a:rPr lang="en-US" dirty="0"/>
+                  <a:t> </a:t>
+                </a:r>
+                <a:r>
+                  <a:rPr lang="en-US" dirty="0" err="1"/>
+                  <a:t>cho</a:t>
+                </a:r>
+                <a:r>
+                  <a:rPr lang="en-US" dirty="0"/>
+                  <a:t> </a:t>
+                </a:r>
+                <a:r>
+                  <a:rPr lang="en-US" dirty="0" err="1"/>
+                  <a:t>giá</a:t>
+                </a:r>
+                <a:r>
+                  <a:rPr lang="en-US" dirty="0"/>
+                  <a:t> </a:t>
+                </a:r>
+                <a:r>
+                  <a:rPr lang="en-US" dirty="0" err="1"/>
+                  <a:t>trị</a:t>
+                </a:r>
+                <a:r>
+                  <a:rPr lang="en-US" dirty="0"/>
+                  <a:t> </a:t>
+                </a:r>
+                <a14:m>
+                  <m:oMath xmlns:m="http://schemas.openxmlformats.org/officeDocument/2006/math">
+                    <m:nary>
+                      <m:naryPr>
+                        <m:chr m:val="∑"/>
+                        <m:ctrlPr>
+                          <a:rPr lang="en-US" i="1">
+                            <a:latin typeface="Cambria Math" panose="02040503050406030204" pitchFamily="18" charset="0"/>
+                          </a:rPr>
+                        </m:ctrlPr>
+                      </m:naryPr>
+                      <m:sub>
+                        <m:r>
+                          <m:rPr>
+                            <m:brk m:alnAt="23"/>
+                          </m:rPr>
+                          <a:rPr lang="en-US" i="1">
+                            <a:latin typeface="Cambria Math" panose="02040503050406030204" pitchFamily="18" charset="0"/>
+                          </a:rPr>
+                          <m:t>𝑖</m:t>
+                        </m:r>
+                        <m:r>
+                          <a:rPr lang="en-US" i="1">
+                            <a:latin typeface="Cambria Math" panose="02040503050406030204" pitchFamily="18" charset="0"/>
+                          </a:rPr>
+                          <m:t>=0</m:t>
+                        </m:r>
+                      </m:sub>
+                      <m:sup>
+                        <m:r>
+                          <a:rPr lang="en-US" i="1">
+                            <a:latin typeface="Cambria Math" panose="02040503050406030204" pitchFamily="18" charset="0"/>
+                          </a:rPr>
+                          <m:t>7</m:t>
+                        </m:r>
+                      </m:sup>
+                      <m:e>
+                        <m:sSub>
+                          <m:sSubPr>
+                            <m:ctrlPr>
+                              <a:rPr lang="en-US" i="1">
+                                <a:latin typeface="Cambria Math" panose="02040503050406030204" pitchFamily="18" charset="0"/>
+                              </a:rPr>
+                            </m:ctrlPr>
+                          </m:sSubPr>
+                          <m:e>
+                            <m:r>
+                              <a:rPr lang="en-US" i="1">
+                                <a:latin typeface="Cambria Math" panose="02040503050406030204" pitchFamily="18" charset="0"/>
+                              </a:rPr>
+                              <m:t>𝑏</m:t>
+                            </m:r>
+                          </m:e>
+                          <m:sub>
+                            <m:r>
+                              <a:rPr lang="en-US" i="1">
+                                <a:latin typeface="Cambria Math" panose="02040503050406030204" pitchFamily="18" charset="0"/>
+                              </a:rPr>
+                              <m:t>𝑖</m:t>
+                            </m:r>
+                          </m:sub>
+                        </m:sSub>
+                        <m:sSup>
+                          <m:sSupPr>
+                            <m:ctrlPr>
+                              <a:rPr lang="en-US" i="1">
+                                <a:latin typeface="Cambria Math" panose="02040503050406030204" pitchFamily="18" charset="0"/>
+                              </a:rPr>
+                            </m:ctrlPr>
+                          </m:sSupPr>
+                          <m:e>
+                            <m:r>
+                              <a:rPr lang="en-US" i="1" smtClean="0">
+                                <a:latin typeface="Cambria Math" panose="02040503050406030204" pitchFamily="18" charset="0"/>
+                                <a:ea typeface="Cambria Math" panose="02040503050406030204" pitchFamily="18" charset="0"/>
+                              </a:rPr>
+                              <m:t>𝛼</m:t>
+                            </m:r>
+                          </m:e>
+                          <m:sup>
+                            <m:r>
+                              <a:rPr lang="en-US" i="1">
+                                <a:latin typeface="Cambria Math" panose="02040503050406030204" pitchFamily="18" charset="0"/>
+                              </a:rPr>
+                              <m:t>𝑖</m:t>
+                            </m:r>
+                          </m:sup>
+                        </m:sSup>
+                      </m:e>
+                    </m:nary>
+                  </m:oMath>
+                </a14:m>
+                <a:r>
+                  <a:rPr lang="en-US" dirty="0"/>
+                  <a:t> </a:t>
+                </a:r>
+                <a:r>
+                  <a:rPr lang="en-US" dirty="0" err="1"/>
+                  <a:t>với</a:t>
+                </a:r>
+                <a:r>
+                  <a:rPr lang="en-US" dirty="0"/>
+                  <a:t> </a:t>
+                </a:r>
+                <a14:m>
+                  <m:oMath xmlns:m="http://schemas.openxmlformats.org/officeDocument/2006/math">
+                    <m:r>
+                      <a:rPr lang="en-US" i="1" smtClean="0">
+                        <a:latin typeface="Cambria Math" panose="02040503050406030204" pitchFamily="18" charset="0"/>
+                        <a:ea typeface="Cambria Math" panose="02040503050406030204" pitchFamily="18" charset="0"/>
+                      </a:rPr>
+                      <m:t>𝛼</m:t>
+                    </m:r>
+                    <m:r>
+                      <a:rPr lang="en-US" i="1" smtClean="0">
+                        <a:latin typeface="Cambria Math" panose="02040503050406030204" pitchFamily="18" charset="0"/>
+                        <a:ea typeface="Cambria Math" panose="02040503050406030204" pitchFamily="18" charset="0"/>
+                      </a:rPr>
+                      <m:t>∈</m:t>
+                    </m:r>
+                    <m:sSub>
+                      <m:sSubPr>
+                        <m:ctrlPr>
+                          <a:rPr lang="en-US" i="1" smtClean="0">
+                            <a:latin typeface="Cambria Math" panose="02040503050406030204" pitchFamily="18" charset="0"/>
+                            <a:ea typeface="Cambria Math" panose="02040503050406030204" pitchFamily="18" charset="0"/>
+                          </a:rPr>
+                        </m:ctrlPr>
+                      </m:sSubPr>
+                      <m:e>
+                        <m:r>
+                          <a:rPr lang="en-US" b="0" i="1" smtClean="0">
+                            <a:latin typeface="Cambria Math" panose="02040503050406030204" pitchFamily="18" charset="0"/>
+                            <a:ea typeface="Cambria Math" panose="02040503050406030204" pitchFamily="18" charset="0"/>
+                          </a:rPr>
+                          <m:t>𝐹</m:t>
+                        </m:r>
+                      </m:e>
+                      <m:sub>
+                        <m:r>
+                          <a:rPr lang="en-US" b="0" i="1" smtClean="0">
+                            <a:latin typeface="Cambria Math" panose="02040503050406030204" pitchFamily="18" charset="0"/>
+                            <a:ea typeface="Cambria Math" panose="02040503050406030204" pitchFamily="18" charset="0"/>
+                          </a:rPr>
+                          <m:t>256</m:t>
+                        </m:r>
+                      </m:sub>
+                    </m:sSub>
+                  </m:oMath>
+                </a14:m>
+                <a:r>
+                  <a:rPr lang="en-US" dirty="0"/>
+                  <a:t> </a:t>
+                </a:r>
+                <a:r>
+                  <a:rPr lang="en-US" dirty="0" err="1"/>
+                  <a:t>thỏa</a:t>
+                </a:r>
+                <a:r>
+                  <a:rPr lang="en-US" dirty="0"/>
+                  <a:t> </a:t>
+                </a:r>
+                <a:r>
+                  <a:rPr lang="en-US" dirty="0" err="1"/>
+                  <a:t>mãn</a:t>
+                </a:r>
+                <a:r>
+                  <a:rPr lang="en-US" dirty="0"/>
+                  <a:t> </a:t>
+                </a:r>
+                <a14:m>
+                  <m:oMath xmlns:m="http://schemas.openxmlformats.org/officeDocument/2006/math">
+                    <m:sSup>
+                      <m:sSupPr>
+                        <m:ctrlPr>
+                          <a:rPr lang="en-US" i="1" smtClean="0">
+                            <a:latin typeface="Cambria Math" panose="02040503050406030204" pitchFamily="18" charset="0"/>
+                          </a:rPr>
+                        </m:ctrlPr>
+                      </m:sSupPr>
+                      <m:e>
+                        <m:r>
+                          <a:rPr lang="en-US" i="1" smtClean="0">
+                            <a:latin typeface="Cambria Math" panose="02040503050406030204" pitchFamily="18" charset="0"/>
+                            <a:ea typeface="Cambria Math" panose="02040503050406030204" pitchFamily="18" charset="0"/>
+                          </a:rPr>
+                          <m:t>𝛼</m:t>
+                        </m:r>
+                      </m:e>
+                      <m:sup>
+                        <m:r>
+                          <a:rPr lang="en-US" b="0" i="1" smtClean="0">
+                            <a:latin typeface="Cambria Math" panose="02040503050406030204" pitchFamily="18" charset="0"/>
+                          </a:rPr>
+                          <m:t>8</m:t>
+                        </m:r>
+                      </m:sup>
+                    </m:sSup>
+                    <m:r>
+                      <a:rPr lang="en-US" b="0" i="1" smtClean="0">
+                        <a:latin typeface="Cambria Math" panose="02040503050406030204" pitchFamily="18" charset="0"/>
+                      </a:rPr>
+                      <m:t>+</m:t>
+                    </m:r>
+                    <m:sSup>
+                      <m:sSupPr>
+                        <m:ctrlPr>
+                          <a:rPr lang="en-US" i="1">
+                            <a:latin typeface="Cambria Math" panose="02040503050406030204" pitchFamily="18" charset="0"/>
+                          </a:rPr>
+                        </m:ctrlPr>
+                      </m:sSupPr>
+                      <m:e>
+                        <m:r>
+                          <a:rPr lang="en-US" i="1">
+                            <a:latin typeface="Cambria Math" panose="02040503050406030204" pitchFamily="18" charset="0"/>
+                            <a:ea typeface="Cambria Math" panose="02040503050406030204" pitchFamily="18" charset="0"/>
+                          </a:rPr>
+                          <m:t>𝛼</m:t>
+                        </m:r>
+                      </m:e>
+                      <m:sup>
+                        <m:r>
+                          <a:rPr lang="en-US" b="0" i="1" smtClean="0">
+                            <a:latin typeface="Cambria Math" panose="02040503050406030204" pitchFamily="18" charset="0"/>
+                            <a:ea typeface="Cambria Math" panose="02040503050406030204" pitchFamily="18" charset="0"/>
+                          </a:rPr>
+                          <m:t>4</m:t>
+                        </m:r>
+                      </m:sup>
+                    </m:sSup>
+                    <m:r>
+                      <a:rPr lang="en-US" b="0" i="1" smtClean="0">
+                        <a:latin typeface="Cambria Math" panose="02040503050406030204" pitchFamily="18" charset="0"/>
+                      </a:rPr>
+                      <m:t>+</m:t>
+                    </m:r>
+                    <m:sSup>
+                      <m:sSupPr>
+                        <m:ctrlPr>
+                          <a:rPr lang="en-US" i="1">
+                            <a:latin typeface="Cambria Math" panose="02040503050406030204" pitchFamily="18" charset="0"/>
+                          </a:rPr>
+                        </m:ctrlPr>
+                      </m:sSupPr>
+                      <m:e>
+                        <m:r>
+                          <a:rPr lang="en-US" i="1">
+                            <a:latin typeface="Cambria Math" panose="02040503050406030204" pitchFamily="18" charset="0"/>
+                            <a:ea typeface="Cambria Math" panose="02040503050406030204" pitchFamily="18" charset="0"/>
+                          </a:rPr>
+                          <m:t>𝛼</m:t>
+                        </m:r>
+                      </m:e>
+                      <m:sup>
+                        <m:r>
+                          <a:rPr lang="en-US" b="0" i="1" smtClean="0">
+                            <a:latin typeface="Cambria Math" panose="02040503050406030204" pitchFamily="18" charset="0"/>
+                            <a:ea typeface="Cambria Math" panose="02040503050406030204" pitchFamily="18" charset="0"/>
+                          </a:rPr>
+                          <m:t>3</m:t>
+                        </m:r>
+                      </m:sup>
+                    </m:sSup>
+                    <m:r>
+                      <a:rPr lang="en-US" b="0" i="1" smtClean="0">
+                        <a:latin typeface="Cambria Math" panose="02040503050406030204" pitchFamily="18" charset="0"/>
+                      </a:rPr>
+                      <m:t>+</m:t>
+                    </m:r>
+                    <m:sSup>
+                      <m:sSupPr>
+                        <m:ctrlPr>
+                          <a:rPr lang="en-US" i="1">
+                            <a:latin typeface="Cambria Math" panose="02040503050406030204" pitchFamily="18" charset="0"/>
+                          </a:rPr>
+                        </m:ctrlPr>
+                      </m:sSupPr>
+                      <m:e>
+                        <m:r>
+                          <a:rPr lang="en-US" i="1">
+                            <a:latin typeface="Cambria Math" panose="02040503050406030204" pitchFamily="18" charset="0"/>
+                            <a:ea typeface="Cambria Math" panose="02040503050406030204" pitchFamily="18" charset="0"/>
+                          </a:rPr>
+                          <m:t>𝛼</m:t>
+                        </m:r>
+                      </m:e>
+                      <m:sup>
+                        <m:r>
+                          <a:rPr lang="en-US" b="0" i="1" smtClean="0">
+                            <a:latin typeface="Cambria Math" panose="02040503050406030204" pitchFamily="18" charset="0"/>
+                            <a:ea typeface="Cambria Math" panose="02040503050406030204" pitchFamily="18" charset="0"/>
+                          </a:rPr>
+                          <m:t>2</m:t>
+                        </m:r>
+                      </m:sup>
+                    </m:sSup>
+                    <m:r>
+                      <a:rPr lang="en-US" b="0" i="1" smtClean="0">
+                        <a:latin typeface="Cambria Math" panose="02040503050406030204" pitchFamily="18" charset="0"/>
+                      </a:rPr>
+                      <m:t>+1=0</m:t>
+                    </m:r>
+                  </m:oMath>
+                </a14:m>
+                <a:r>
+                  <a:rPr lang="en-US" dirty="0"/>
+                  <a:t>.</a:t>
+                </a:r>
+              </a:p>
+            </p:txBody>
+          </p:sp>
+        </mc:Choice>
+        <mc:Fallback>
+          <p:sp>
+            <p:nvSpPr>
+              <p:cNvPr id="3" name="Content Placeholder 2">
+                <a:extLst>
+                  <a:ext uri="{FF2B5EF4-FFF2-40B4-BE49-F238E27FC236}">
+                    <a16:creationId xmlns:a16="http://schemas.microsoft.com/office/drawing/2014/main" id="{5BFFEC81-0D31-4672-8E3A-62325E101E41}"/>
+                  </a:ext>
+                </a:extLst>
+              </p:cNvPr>
+              <p:cNvSpPr>
+                <a:spLocks noGrp="1" noRot="1" noChangeAspect="1" noMove="1" noResize="1" noEditPoints="1" noAdjustHandles="1" noChangeArrowheads="1" noChangeShapeType="1" noTextEdit="1"/>
+              </p:cNvSpPr>
+              <p:nvPr>
+                <p:ph idx="1"/>
+              </p:nvPr>
+            </p:nvSpPr>
+            <p:spPr>
+              <a:blipFill>
+                <a:blip r:embed="rId2"/>
+                <a:stretch>
+                  <a:fillRect l="-1043" t="-2241"/>
+                </a:stretch>
+              </a:blipFill>
+            </p:spPr>
+            <p:txBody>
+              <a:bodyPr/>
+              <a:lstStyle/>
+              <a:p>
+                <a:r>
+                  <a:rPr lang="en-US">
+                    <a:noFill/>
+                  </a:rPr>
+                  <a:t> </a:t>
+                </a:r>
+              </a:p>
+            </p:txBody>
+          </p:sp>
+        </mc:Fallback>
+      </mc:AlternateContent>
+    </p:spTree>
+    <p:extLst>
+      <p:ext uri="{BB962C8B-B14F-4D97-AF65-F5344CB8AC3E}">
+        <p14:creationId xmlns:p14="http://schemas.microsoft.com/office/powerpoint/2010/main" val="327069604"/>
+      </p:ext>
+    </p:extLst>
+  </p:cSld>
+  <p:clrMapOvr>
+    <a:masterClrMapping/>
+  </p:clrMapOvr>
+</p:sld>
+</file>
+
+<file path=ppt/slides/slide18.xml><?xml version="1.0" encoding="utf-8"?>
 <p:sld xmlns:a="http://schemas.openxmlformats.org/drawingml/2006/main" xmlns:r="http://schemas.openxmlformats.org/officeDocument/2006/relationships" xmlns:p="http://schemas.openxmlformats.org/presentationml/2006/main">
   <p:cSld>
     <p:spTree>
@@ -3218,7 +4752,7 @@
 </p:sld>
 </file>
 
-<file path=ppt/slides/slide12.xml><?xml version="1.0" encoding="utf-8"?>
+<file path=ppt/slides/slide19.xml><?xml version="1.0" encoding="utf-8"?>
 <p:sld xmlns:a="http://schemas.openxmlformats.org/drawingml/2006/main" xmlns:r="http://schemas.openxmlformats.org/officeDocument/2006/relationships" xmlns:p="http://schemas.openxmlformats.org/presentationml/2006/main">
   <p:cSld>
     <p:spTree>
@@ -3269,747 +4803,6 @@
     <p:extLst>
       <p:ext uri="{BB962C8B-B14F-4D97-AF65-F5344CB8AC3E}">
         <p14:creationId xmlns:p14="http://schemas.microsoft.com/office/powerpoint/2010/main" val="1928534406"/>
-      </p:ext>
-    </p:extLst>
-  </p:cSld>
-  <p:clrMapOvr>
-    <a:masterClrMapping/>
-  </p:clrMapOvr>
-</p:sld>
-</file>
-
-<file path=ppt/slides/slide13.xml><?xml version="1.0" encoding="utf-8"?>
-<p:sld xmlns:a="http://schemas.openxmlformats.org/drawingml/2006/main" xmlns:r="http://schemas.openxmlformats.org/officeDocument/2006/relationships" xmlns:p="http://schemas.openxmlformats.org/presentationml/2006/main">
-  <p:cSld>
-    <p:spTree>
-      <p:nvGrpSpPr>
-        <p:cNvPr id="1" name=""/>
-        <p:cNvGrpSpPr/>
-        <p:nvPr/>
-      </p:nvGrpSpPr>
-      <p:grpSpPr>
-        <a:xfrm>
-          <a:off x="0" y="0"/>
-          <a:ext cx="0" cy="0"/>
-          <a:chOff x="0" y="0"/>
-          <a:chExt cx="0" cy="0"/>
-        </a:xfrm>
-      </p:grpSpPr>
-      <p:pic>
-        <p:nvPicPr>
-          <p:cNvPr id="5" name="Picture 4">
-            <a:extLst>
-              <a:ext uri="{FF2B5EF4-FFF2-40B4-BE49-F238E27FC236}">
-                <a16:creationId xmlns:a16="http://schemas.microsoft.com/office/drawing/2014/main" id="{E2B33F6A-7308-45B3-B371-4BB253B9C63B}"/>
-              </a:ext>
-            </a:extLst>
-          </p:cNvPr>
-          <p:cNvPicPr>
-            <a:picLocks noChangeAspect="1"/>
-          </p:cNvPicPr>
-          <p:nvPr/>
-        </p:nvPicPr>
-        <p:blipFill>
-          <a:blip r:embed="rId2"/>
-          <a:stretch>
-            <a:fillRect/>
-          </a:stretch>
-        </p:blipFill>
-        <p:spPr>
-          <a:xfrm>
-            <a:off x="3519487" y="957262"/>
-            <a:ext cx="5153025" cy="4943475"/>
-          </a:xfrm>
-          <a:prstGeom prst="rect">
-            <a:avLst/>
-          </a:prstGeom>
-        </p:spPr>
-      </p:pic>
-    </p:spTree>
-    <p:extLst>
-      <p:ext uri="{BB962C8B-B14F-4D97-AF65-F5344CB8AC3E}">
-        <p14:creationId xmlns:p14="http://schemas.microsoft.com/office/powerpoint/2010/main" val="2090135376"/>
-      </p:ext>
-    </p:extLst>
-  </p:cSld>
-  <p:clrMapOvr>
-    <a:masterClrMapping/>
-  </p:clrMapOvr>
-</p:sld>
-</file>
-
-<file path=ppt/slides/slide14.xml><?xml version="1.0" encoding="utf-8"?>
-<p:sld xmlns:a="http://schemas.openxmlformats.org/drawingml/2006/main" xmlns:r="http://schemas.openxmlformats.org/officeDocument/2006/relationships" xmlns:p="http://schemas.openxmlformats.org/presentationml/2006/main">
-  <p:cSld>
-    <p:spTree>
-      <p:nvGrpSpPr>
-        <p:cNvPr id="1" name=""/>
-        <p:cNvGrpSpPr/>
-        <p:nvPr/>
-      </p:nvGrpSpPr>
-      <p:grpSpPr>
-        <a:xfrm>
-          <a:off x="0" y="0"/>
-          <a:ext cx="0" cy="0"/>
-          <a:chOff x="0" y="0"/>
-          <a:chExt cx="0" cy="0"/>
-        </a:xfrm>
-      </p:grpSpPr>
-      <p:pic>
-        <p:nvPicPr>
-          <p:cNvPr id="5" name="Picture 4">
-            <a:extLst>
-              <a:ext uri="{FF2B5EF4-FFF2-40B4-BE49-F238E27FC236}">
-                <a16:creationId xmlns:a16="http://schemas.microsoft.com/office/drawing/2014/main" id="{140B5AEC-1BF8-4AE5-8CD7-6E604DD7C310}"/>
-              </a:ext>
-            </a:extLst>
-          </p:cNvPr>
-          <p:cNvPicPr>
-            <a:picLocks noChangeAspect="1"/>
-          </p:cNvPicPr>
-          <p:nvPr/>
-        </p:nvPicPr>
-        <p:blipFill>
-          <a:blip r:embed="rId2"/>
-          <a:stretch>
-            <a:fillRect/>
-          </a:stretch>
-        </p:blipFill>
-        <p:spPr>
-          <a:xfrm>
-            <a:off x="3519487" y="938212"/>
-            <a:ext cx="5153025" cy="4981575"/>
-          </a:xfrm>
-          <a:prstGeom prst="rect">
-            <a:avLst/>
-          </a:prstGeom>
-        </p:spPr>
-      </p:pic>
-    </p:spTree>
-    <p:extLst>
-      <p:ext uri="{BB962C8B-B14F-4D97-AF65-F5344CB8AC3E}">
-        <p14:creationId xmlns:p14="http://schemas.microsoft.com/office/powerpoint/2010/main" val="258633436"/>
-      </p:ext>
-    </p:extLst>
-  </p:cSld>
-  <p:clrMapOvr>
-    <a:masterClrMapping/>
-  </p:clrMapOvr>
-</p:sld>
-</file>
-
-<file path=ppt/slides/slide15.xml><?xml version="1.0" encoding="utf-8"?>
-<p:sld xmlns:a="http://schemas.openxmlformats.org/drawingml/2006/main" xmlns:r="http://schemas.openxmlformats.org/officeDocument/2006/relationships" xmlns:p="http://schemas.openxmlformats.org/presentationml/2006/main">
-  <p:cSld>
-    <p:spTree>
-      <p:nvGrpSpPr>
-        <p:cNvPr id="1" name=""/>
-        <p:cNvGrpSpPr/>
-        <p:nvPr/>
-      </p:nvGrpSpPr>
-      <p:grpSpPr>
-        <a:xfrm>
-          <a:off x="0" y="0"/>
-          <a:ext cx="0" cy="0"/>
-          <a:chOff x="0" y="0"/>
-          <a:chExt cx="0" cy="0"/>
-        </a:xfrm>
-      </p:grpSpPr>
-      <p:pic>
-        <p:nvPicPr>
-          <p:cNvPr id="7" name="Picture 6">
-            <a:extLst>
-              <a:ext uri="{FF2B5EF4-FFF2-40B4-BE49-F238E27FC236}">
-                <a16:creationId xmlns:a16="http://schemas.microsoft.com/office/drawing/2014/main" id="{474B2FBF-D1E9-4709-B05F-D55E8611F3DA}"/>
-              </a:ext>
-            </a:extLst>
-          </p:cNvPr>
-          <p:cNvPicPr>
-            <a:picLocks noChangeAspect="1"/>
-          </p:cNvPicPr>
-          <p:nvPr/>
-        </p:nvPicPr>
-        <p:blipFill>
-          <a:blip r:embed="rId2"/>
-          <a:stretch>
-            <a:fillRect/>
-          </a:stretch>
-        </p:blipFill>
-        <p:spPr>
-          <a:xfrm>
-            <a:off x="3538537" y="962025"/>
-            <a:ext cx="5114925" cy="4933950"/>
-          </a:xfrm>
-          <a:prstGeom prst="rect">
-            <a:avLst/>
-          </a:prstGeom>
-        </p:spPr>
-      </p:pic>
-    </p:spTree>
-    <p:extLst>
-      <p:ext uri="{BB962C8B-B14F-4D97-AF65-F5344CB8AC3E}">
-        <p14:creationId xmlns:p14="http://schemas.microsoft.com/office/powerpoint/2010/main" val="1793701159"/>
-      </p:ext>
-    </p:extLst>
-  </p:cSld>
-  <p:clrMapOvr>
-    <a:masterClrMapping/>
-  </p:clrMapOvr>
-</p:sld>
-</file>
-
-<file path=ppt/slides/slide16.xml><?xml version="1.0" encoding="utf-8"?>
-<p:sld xmlns:a="http://schemas.openxmlformats.org/drawingml/2006/main" xmlns:r="http://schemas.openxmlformats.org/officeDocument/2006/relationships" xmlns:p="http://schemas.openxmlformats.org/presentationml/2006/main">
-  <p:cSld>
-    <p:spTree>
-      <p:nvGrpSpPr>
-        <p:cNvPr id="1" name=""/>
-        <p:cNvGrpSpPr/>
-        <p:nvPr/>
-      </p:nvGrpSpPr>
-      <p:grpSpPr>
-        <a:xfrm>
-          <a:off x="0" y="0"/>
-          <a:ext cx="0" cy="0"/>
-          <a:chOff x="0" y="0"/>
-          <a:chExt cx="0" cy="0"/>
-        </a:xfrm>
-      </p:grpSpPr>
-      <p:pic>
-        <p:nvPicPr>
-          <p:cNvPr id="5" name="Picture 4">
-            <a:extLst>
-              <a:ext uri="{FF2B5EF4-FFF2-40B4-BE49-F238E27FC236}">
-                <a16:creationId xmlns:a16="http://schemas.microsoft.com/office/drawing/2014/main" id="{0E7BB032-7DE4-4338-86C2-DCF2DD8D3A5B}"/>
-              </a:ext>
-            </a:extLst>
-          </p:cNvPr>
-          <p:cNvPicPr>
-            <a:picLocks noChangeAspect="1"/>
-          </p:cNvPicPr>
-          <p:nvPr/>
-        </p:nvPicPr>
-        <p:blipFill>
-          <a:blip r:embed="rId2"/>
-          <a:stretch>
-            <a:fillRect/>
-          </a:stretch>
-        </p:blipFill>
-        <p:spPr>
-          <a:xfrm>
-            <a:off x="3552825" y="962025"/>
-            <a:ext cx="5086350" cy="4933950"/>
-          </a:xfrm>
-          <a:prstGeom prst="rect">
-            <a:avLst/>
-          </a:prstGeom>
-        </p:spPr>
-      </p:pic>
-    </p:spTree>
-    <p:extLst>
-      <p:ext uri="{BB962C8B-B14F-4D97-AF65-F5344CB8AC3E}">
-        <p14:creationId xmlns:p14="http://schemas.microsoft.com/office/powerpoint/2010/main" val="1955915267"/>
-      </p:ext>
-    </p:extLst>
-  </p:cSld>
-  <p:clrMapOvr>
-    <a:masterClrMapping/>
-  </p:clrMapOvr>
-</p:sld>
-</file>
-
-<file path=ppt/slides/slide17.xml><?xml version="1.0" encoding="utf-8"?>
-<p:sld xmlns:a="http://schemas.openxmlformats.org/drawingml/2006/main" xmlns:r="http://schemas.openxmlformats.org/officeDocument/2006/relationships" xmlns:p="http://schemas.openxmlformats.org/presentationml/2006/main">
-  <p:cSld>
-    <p:spTree>
-      <p:nvGrpSpPr>
-        <p:cNvPr id="1" name=""/>
-        <p:cNvGrpSpPr/>
-        <p:nvPr/>
-      </p:nvGrpSpPr>
-      <p:grpSpPr>
-        <a:xfrm>
-          <a:off x="0" y="0"/>
-          <a:ext cx="0" cy="0"/>
-          <a:chOff x="0" y="0"/>
-          <a:chExt cx="0" cy="0"/>
-        </a:xfrm>
-      </p:grpSpPr>
-      <p:sp>
-        <p:nvSpPr>
-          <p:cNvPr id="2" name="Title 1">
-            <a:extLst>
-              <a:ext uri="{FF2B5EF4-FFF2-40B4-BE49-F238E27FC236}">
-                <a16:creationId xmlns:a16="http://schemas.microsoft.com/office/drawing/2014/main" id="{A80CBA26-B507-4350-9A66-5C4B61AE00E8}"/>
-              </a:ext>
-            </a:extLst>
-          </p:cNvPr>
-          <p:cNvSpPr>
-            <a:spLocks noGrp="1"/>
-          </p:cNvSpPr>
-          <p:nvPr>
-            <p:ph type="title"/>
-          </p:nvPr>
-        </p:nvSpPr>
-        <p:spPr>
-          <a:xfrm>
-            <a:off x="66413" y="0"/>
-            <a:ext cx="10515600" cy="1325563"/>
-          </a:xfrm>
-        </p:spPr>
-        <p:txBody>
-          <a:bodyPr/>
-          <a:lstStyle/>
-          <a:p>
-            <a:r>
-              <a:rPr lang="en-US" dirty="0" err="1"/>
-              <a:t>Ứng</a:t>
-            </a:r>
-            <a:r>
-              <a:rPr lang="en-US" dirty="0"/>
-              <a:t> </a:t>
-            </a:r>
-            <a:r>
-              <a:rPr lang="en-US" dirty="0" err="1"/>
-              <a:t>dụng</a:t>
-            </a:r>
-            <a:r>
-              <a:rPr lang="en-US" dirty="0"/>
-              <a:t> </a:t>
-            </a:r>
-            <a:r>
-              <a:rPr lang="en-US" dirty="0" err="1"/>
-              <a:t>của</a:t>
-            </a:r>
-            <a:r>
-              <a:rPr lang="en-US" dirty="0"/>
-              <a:t> QR code</a:t>
-            </a:r>
-          </a:p>
-        </p:txBody>
-      </p:sp>
-      <p:sp>
-        <p:nvSpPr>
-          <p:cNvPr id="3" name="Content Placeholder 2">
-            <a:extLst>
-              <a:ext uri="{FF2B5EF4-FFF2-40B4-BE49-F238E27FC236}">
-                <a16:creationId xmlns:a16="http://schemas.microsoft.com/office/drawing/2014/main" id="{B75312BC-317A-4007-9CE9-292EE90F850D}"/>
-              </a:ext>
-            </a:extLst>
-          </p:cNvPr>
-          <p:cNvSpPr>
-            <a:spLocks noGrp="1"/>
-          </p:cNvSpPr>
-          <p:nvPr>
-            <p:ph idx="1"/>
-          </p:nvPr>
-        </p:nvSpPr>
-        <p:spPr/>
-        <p:txBody>
-          <a:bodyPr/>
-          <a:lstStyle/>
-          <a:p>
-            <a:r>
-              <a:rPr lang="en-US" dirty="0" err="1"/>
-              <a:t>Quản</a:t>
-            </a:r>
-            <a:r>
-              <a:rPr lang="en-US" dirty="0"/>
-              <a:t> </a:t>
-            </a:r>
-            <a:r>
-              <a:rPr lang="en-US" dirty="0" err="1"/>
-              <a:t>lý</a:t>
-            </a:r>
-            <a:r>
-              <a:rPr lang="en-US" dirty="0"/>
-              <a:t> </a:t>
-            </a:r>
-            <a:r>
-              <a:rPr lang="en-US" dirty="0" err="1"/>
-              <a:t>các</a:t>
-            </a:r>
-            <a:r>
-              <a:rPr lang="en-US" dirty="0"/>
-              <a:t> </a:t>
-            </a:r>
-            <a:r>
-              <a:rPr lang="en-US" dirty="0" err="1"/>
-              <a:t>dây</a:t>
-            </a:r>
-            <a:r>
-              <a:rPr lang="en-US" dirty="0"/>
-              <a:t> </a:t>
-            </a:r>
-            <a:r>
-              <a:rPr lang="en-US" dirty="0" err="1"/>
-              <a:t>chuyền</a:t>
-            </a:r>
-            <a:r>
-              <a:rPr lang="en-US" dirty="0"/>
-              <a:t> </a:t>
-            </a:r>
-            <a:r>
-              <a:rPr lang="en-US" dirty="0" err="1"/>
-              <a:t>sản</a:t>
-            </a:r>
-            <a:r>
-              <a:rPr lang="en-US" dirty="0"/>
-              <a:t> </a:t>
-            </a:r>
-            <a:r>
-              <a:rPr lang="en-US" dirty="0" err="1"/>
-              <a:t>xuất</a:t>
-            </a:r>
-            <a:endParaRPr lang="en-US" dirty="0"/>
-          </a:p>
-        </p:txBody>
-      </p:sp>
-      <p:pic>
-        <p:nvPicPr>
-          <p:cNvPr id="5" name="Picture 4">
-            <a:extLst>
-              <a:ext uri="{FF2B5EF4-FFF2-40B4-BE49-F238E27FC236}">
-                <a16:creationId xmlns:a16="http://schemas.microsoft.com/office/drawing/2014/main" id="{67E6DE6C-9B9F-467C-BFB5-D90EAE7E694C}"/>
-              </a:ext>
-            </a:extLst>
-          </p:cNvPr>
-          <p:cNvPicPr>
-            <a:picLocks noChangeAspect="1"/>
-          </p:cNvPicPr>
-          <p:nvPr/>
-        </p:nvPicPr>
-        <p:blipFill>
-          <a:blip r:embed="rId2"/>
-          <a:stretch>
-            <a:fillRect/>
-          </a:stretch>
-        </p:blipFill>
-        <p:spPr>
-          <a:xfrm>
-            <a:off x="790575" y="1104900"/>
-            <a:ext cx="10563225" cy="5753100"/>
-          </a:xfrm>
-          <a:prstGeom prst="rect">
-            <a:avLst/>
-          </a:prstGeom>
-        </p:spPr>
-      </p:pic>
-    </p:spTree>
-    <p:extLst>
-      <p:ext uri="{BB962C8B-B14F-4D97-AF65-F5344CB8AC3E}">
-        <p14:creationId xmlns:p14="http://schemas.microsoft.com/office/powerpoint/2010/main" val="215625256"/>
-      </p:ext>
-    </p:extLst>
-  </p:cSld>
-  <p:clrMapOvr>
-    <a:masterClrMapping/>
-  </p:clrMapOvr>
-</p:sld>
-</file>
-
-<file path=ppt/slides/slide18.xml><?xml version="1.0" encoding="utf-8"?>
-<p:sld xmlns:a="http://schemas.openxmlformats.org/drawingml/2006/main" xmlns:r="http://schemas.openxmlformats.org/officeDocument/2006/relationships" xmlns:p="http://schemas.openxmlformats.org/presentationml/2006/main">
-  <p:cSld>
-    <p:spTree>
-      <p:nvGrpSpPr>
-        <p:cNvPr id="1" name=""/>
-        <p:cNvGrpSpPr/>
-        <p:nvPr/>
-      </p:nvGrpSpPr>
-      <p:grpSpPr>
-        <a:xfrm>
-          <a:off x="0" y="0"/>
-          <a:ext cx="0" cy="0"/>
-          <a:chOff x="0" y="0"/>
-          <a:chExt cx="0" cy="0"/>
-        </a:xfrm>
-      </p:grpSpPr>
-      <p:sp>
-        <p:nvSpPr>
-          <p:cNvPr id="2" name="Title 1">
-            <a:extLst>
-              <a:ext uri="{FF2B5EF4-FFF2-40B4-BE49-F238E27FC236}">
-                <a16:creationId xmlns:a16="http://schemas.microsoft.com/office/drawing/2014/main" id="{A80CBA26-B507-4350-9A66-5C4B61AE00E8}"/>
-              </a:ext>
-            </a:extLst>
-          </p:cNvPr>
-          <p:cNvSpPr>
-            <a:spLocks noGrp="1"/>
-          </p:cNvSpPr>
-          <p:nvPr>
-            <p:ph type="title"/>
-          </p:nvPr>
-        </p:nvSpPr>
-        <p:spPr/>
-        <p:txBody>
-          <a:bodyPr/>
-          <a:lstStyle/>
-          <a:p>
-            <a:r>
-              <a:rPr lang="en-US" dirty="0" err="1"/>
-              <a:t>Ứng</a:t>
-            </a:r>
-            <a:r>
-              <a:rPr lang="en-US" dirty="0"/>
-              <a:t> </a:t>
-            </a:r>
-            <a:r>
-              <a:rPr lang="en-US" dirty="0" err="1"/>
-              <a:t>dụng</a:t>
-            </a:r>
-            <a:r>
-              <a:rPr lang="en-US" dirty="0"/>
-              <a:t> </a:t>
-            </a:r>
-            <a:r>
-              <a:rPr lang="en-US" dirty="0" err="1"/>
-              <a:t>của</a:t>
-            </a:r>
-            <a:r>
-              <a:rPr lang="en-US" dirty="0"/>
-              <a:t> QR code</a:t>
-            </a:r>
-          </a:p>
-        </p:txBody>
-      </p:sp>
-      <p:sp>
-        <p:nvSpPr>
-          <p:cNvPr id="3" name="Content Placeholder 2">
-            <a:extLst>
-              <a:ext uri="{FF2B5EF4-FFF2-40B4-BE49-F238E27FC236}">
-                <a16:creationId xmlns:a16="http://schemas.microsoft.com/office/drawing/2014/main" id="{B75312BC-317A-4007-9CE9-292EE90F850D}"/>
-              </a:ext>
-            </a:extLst>
-          </p:cNvPr>
-          <p:cNvSpPr>
-            <a:spLocks noGrp="1"/>
-          </p:cNvSpPr>
-          <p:nvPr>
-            <p:ph idx="1"/>
-          </p:nvPr>
-        </p:nvSpPr>
-        <p:spPr/>
-        <p:txBody>
-          <a:bodyPr/>
-          <a:lstStyle/>
-          <a:p>
-            <a:r>
-              <a:rPr lang="en-US" dirty="0" err="1"/>
-              <a:t>Truy</a:t>
-            </a:r>
-            <a:r>
-              <a:rPr lang="en-US" dirty="0"/>
-              <a:t> </a:t>
-            </a:r>
-            <a:r>
-              <a:rPr lang="en-US" dirty="0" err="1"/>
-              <a:t>cập</a:t>
-            </a:r>
-            <a:r>
-              <a:rPr lang="en-US" dirty="0"/>
-              <a:t> </a:t>
-            </a:r>
-            <a:r>
-              <a:rPr lang="en-US" dirty="0" err="1"/>
-              <a:t>nhanh</a:t>
-            </a:r>
-            <a:endParaRPr lang="en-US" dirty="0"/>
-          </a:p>
-        </p:txBody>
-      </p:sp>
-      <p:pic>
-        <p:nvPicPr>
-          <p:cNvPr id="5" name="Picture 4">
-            <a:extLst>
-              <a:ext uri="{FF2B5EF4-FFF2-40B4-BE49-F238E27FC236}">
-                <a16:creationId xmlns:a16="http://schemas.microsoft.com/office/drawing/2014/main" id="{6408F07C-33A0-46D5-B5B3-51B94805EDF6}"/>
-              </a:ext>
-            </a:extLst>
-          </p:cNvPr>
-          <p:cNvPicPr>
-            <a:picLocks noChangeAspect="1"/>
-          </p:cNvPicPr>
-          <p:nvPr/>
-        </p:nvPicPr>
-        <p:blipFill>
-          <a:blip r:embed="rId2"/>
-          <a:stretch>
-            <a:fillRect/>
-          </a:stretch>
-        </p:blipFill>
-        <p:spPr>
-          <a:xfrm>
-            <a:off x="2951635" y="2363787"/>
-            <a:ext cx="6288729" cy="4208752"/>
-          </a:xfrm>
-          <a:prstGeom prst="rect">
-            <a:avLst/>
-          </a:prstGeom>
-        </p:spPr>
-      </p:pic>
-    </p:spTree>
-    <p:extLst>
-      <p:ext uri="{BB962C8B-B14F-4D97-AF65-F5344CB8AC3E}">
-        <p14:creationId xmlns:p14="http://schemas.microsoft.com/office/powerpoint/2010/main" val="2832904686"/>
-      </p:ext>
-    </p:extLst>
-  </p:cSld>
-  <p:clrMapOvr>
-    <a:masterClrMapping/>
-  </p:clrMapOvr>
-</p:sld>
-</file>
-
-<file path=ppt/slides/slide19.xml><?xml version="1.0" encoding="utf-8"?>
-<p:sld xmlns:a="http://schemas.openxmlformats.org/drawingml/2006/main" xmlns:r="http://schemas.openxmlformats.org/officeDocument/2006/relationships" xmlns:p="http://schemas.openxmlformats.org/presentationml/2006/main">
-  <p:cSld>
-    <p:spTree>
-      <p:nvGrpSpPr>
-        <p:cNvPr id="1" name=""/>
-        <p:cNvGrpSpPr/>
-        <p:nvPr/>
-      </p:nvGrpSpPr>
-      <p:grpSpPr>
-        <a:xfrm>
-          <a:off x="0" y="0"/>
-          <a:ext cx="0" cy="0"/>
-          <a:chOff x="0" y="0"/>
-          <a:chExt cx="0" cy="0"/>
-        </a:xfrm>
-      </p:grpSpPr>
-      <p:sp>
-        <p:nvSpPr>
-          <p:cNvPr id="2" name="Title 1">
-            <a:extLst>
-              <a:ext uri="{FF2B5EF4-FFF2-40B4-BE49-F238E27FC236}">
-                <a16:creationId xmlns:a16="http://schemas.microsoft.com/office/drawing/2014/main" id="{E441F615-5009-4B74-B717-9980712E940C}"/>
-              </a:ext>
-            </a:extLst>
-          </p:cNvPr>
-          <p:cNvSpPr>
-            <a:spLocks noGrp="1"/>
-          </p:cNvSpPr>
-          <p:nvPr>
-            <p:ph type="title"/>
-          </p:nvPr>
-        </p:nvSpPr>
-        <p:spPr/>
-        <p:txBody>
-          <a:bodyPr/>
-          <a:lstStyle/>
-          <a:p>
-            <a:r>
-              <a:rPr lang="en-US" dirty="0" err="1"/>
-              <a:t>Ứng</a:t>
-            </a:r>
-            <a:r>
-              <a:rPr lang="en-US" dirty="0"/>
-              <a:t> </a:t>
-            </a:r>
-            <a:r>
-              <a:rPr lang="en-US" dirty="0" err="1"/>
-              <a:t>dụng</a:t>
-            </a:r>
-            <a:r>
-              <a:rPr lang="en-US" dirty="0"/>
-              <a:t> QR code</a:t>
-            </a:r>
-          </a:p>
-        </p:txBody>
-      </p:sp>
-      <p:sp>
-        <p:nvSpPr>
-          <p:cNvPr id="3" name="Content Placeholder 2">
-            <a:extLst>
-              <a:ext uri="{FF2B5EF4-FFF2-40B4-BE49-F238E27FC236}">
-                <a16:creationId xmlns:a16="http://schemas.microsoft.com/office/drawing/2014/main" id="{14988169-D215-466F-ABF4-170845B92633}"/>
-              </a:ext>
-            </a:extLst>
-          </p:cNvPr>
-          <p:cNvSpPr>
-            <a:spLocks noGrp="1"/>
-          </p:cNvSpPr>
-          <p:nvPr>
-            <p:ph idx="1"/>
-          </p:nvPr>
-        </p:nvSpPr>
-        <p:spPr/>
-        <p:txBody>
-          <a:bodyPr/>
-          <a:lstStyle/>
-          <a:p>
-            <a:r>
-              <a:rPr lang="en-US" dirty="0"/>
-              <a:t>Authenticator</a:t>
-            </a:r>
-          </a:p>
-        </p:txBody>
-      </p:sp>
-      <p:pic>
-        <p:nvPicPr>
-          <p:cNvPr id="5" name="Picture 4">
-            <a:extLst>
-              <a:ext uri="{FF2B5EF4-FFF2-40B4-BE49-F238E27FC236}">
-                <a16:creationId xmlns:a16="http://schemas.microsoft.com/office/drawing/2014/main" id="{F041FA0A-C20D-4AE6-82AB-310D9C0C2031}"/>
-              </a:ext>
-            </a:extLst>
-          </p:cNvPr>
-          <p:cNvPicPr>
-            <a:picLocks noChangeAspect="1"/>
-          </p:cNvPicPr>
-          <p:nvPr/>
-        </p:nvPicPr>
-        <p:blipFill>
-          <a:blip r:embed="rId2"/>
-          <a:stretch>
-            <a:fillRect/>
-          </a:stretch>
-        </p:blipFill>
-        <p:spPr>
-          <a:xfrm>
-            <a:off x="838200" y="2449584"/>
-            <a:ext cx="6263677" cy="3617053"/>
-          </a:xfrm>
-          <a:prstGeom prst="rect">
-            <a:avLst/>
-          </a:prstGeom>
-        </p:spPr>
-      </p:pic>
-      <p:pic>
-        <p:nvPicPr>
-          <p:cNvPr id="7" name="Picture 6">
-            <a:extLst>
-              <a:ext uri="{FF2B5EF4-FFF2-40B4-BE49-F238E27FC236}">
-                <a16:creationId xmlns:a16="http://schemas.microsoft.com/office/drawing/2014/main" id="{67BB644D-3D0D-473B-9E95-8794BAE342E4}"/>
-              </a:ext>
-            </a:extLst>
-          </p:cNvPr>
-          <p:cNvPicPr>
-            <a:picLocks noChangeAspect="1"/>
-          </p:cNvPicPr>
-          <p:nvPr/>
-        </p:nvPicPr>
-        <p:blipFill>
-          <a:blip r:embed="rId3"/>
-          <a:stretch>
-            <a:fillRect/>
-          </a:stretch>
-        </p:blipFill>
-        <p:spPr>
-          <a:xfrm>
-            <a:off x="7505700" y="2237587"/>
-            <a:ext cx="3848100" cy="3829050"/>
-          </a:xfrm>
-          <a:prstGeom prst="rect">
-            <a:avLst/>
-          </a:prstGeom>
-        </p:spPr>
-      </p:pic>
-    </p:spTree>
-    <p:extLst>
-      <p:ext uri="{BB962C8B-B14F-4D97-AF65-F5344CB8AC3E}">
-        <p14:creationId xmlns:p14="http://schemas.microsoft.com/office/powerpoint/2010/main" val="2570431292"/>
       </p:ext>
     </p:extLst>
   </p:cSld>
@@ -4348,6 +5141,747 @@
           <a:chExt cx="0" cy="0"/>
         </a:xfrm>
       </p:grpSpPr>
+      <p:pic>
+        <p:nvPicPr>
+          <p:cNvPr id="5" name="Picture 4">
+            <a:extLst>
+              <a:ext uri="{FF2B5EF4-FFF2-40B4-BE49-F238E27FC236}">
+                <a16:creationId xmlns:a16="http://schemas.microsoft.com/office/drawing/2014/main" id="{E2B33F6A-7308-45B3-B371-4BB253B9C63B}"/>
+              </a:ext>
+            </a:extLst>
+          </p:cNvPr>
+          <p:cNvPicPr>
+            <a:picLocks noChangeAspect="1"/>
+          </p:cNvPicPr>
+          <p:nvPr/>
+        </p:nvPicPr>
+        <p:blipFill>
+          <a:blip r:embed="rId2"/>
+          <a:stretch>
+            <a:fillRect/>
+          </a:stretch>
+        </p:blipFill>
+        <p:spPr>
+          <a:xfrm>
+            <a:off x="3519487" y="957262"/>
+            <a:ext cx="5153025" cy="4943475"/>
+          </a:xfrm>
+          <a:prstGeom prst="rect">
+            <a:avLst/>
+          </a:prstGeom>
+        </p:spPr>
+      </p:pic>
+    </p:spTree>
+    <p:extLst>
+      <p:ext uri="{BB962C8B-B14F-4D97-AF65-F5344CB8AC3E}">
+        <p14:creationId xmlns:p14="http://schemas.microsoft.com/office/powerpoint/2010/main" val="2090135376"/>
+      </p:ext>
+    </p:extLst>
+  </p:cSld>
+  <p:clrMapOvr>
+    <a:masterClrMapping/>
+  </p:clrMapOvr>
+</p:sld>
+</file>
+
+<file path=ppt/slides/slide21.xml><?xml version="1.0" encoding="utf-8"?>
+<p:sld xmlns:a="http://schemas.openxmlformats.org/drawingml/2006/main" xmlns:r="http://schemas.openxmlformats.org/officeDocument/2006/relationships" xmlns:p="http://schemas.openxmlformats.org/presentationml/2006/main">
+  <p:cSld>
+    <p:spTree>
+      <p:nvGrpSpPr>
+        <p:cNvPr id="1" name=""/>
+        <p:cNvGrpSpPr/>
+        <p:nvPr/>
+      </p:nvGrpSpPr>
+      <p:grpSpPr>
+        <a:xfrm>
+          <a:off x="0" y="0"/>
+          <a:ext cx="0" cy="0"/>
+          <a:chOff x="0" y="0"/>
+          <a:chExt cx="0" cy="0"/>
+        </a:xfrm>
+      </p:grpSpPr>
+      <p:pic>
+        <p:nvPicPr>
+          <p:cNvPr id="5" name="Picture 4">
+            <a:extLst>
+              <a:ext uri="{FF2B5EF4-FFF2-40B4-BE49-F238E27FC236}">
+                <a16:creationId xmlns:a16="http://schemas.microsoft.com/office/drawing/2014/main" id="{140B5AEC-1BF8-4AE5-8CD7-6E604DD7C310}"/>
+              </a:ext>
+            </a:extLst>
+          </p:cNvPr>
+          <p:cNvPicPr>
+            <a:picLocks noChangeAspect="1"/>
+          </p:cNvPicPr>
+          <p:nvPr/>
+        </p:nvPicPr>
+        <p:blipFill>
+          <a:blip r:embed="rId2"/>
+          <a:stretch>
+            <a:fillRect/>
+          </a:stretch>
+        </p:blipFill>
+        <p:spPr>
+          <a:xfrm>
+            <a:off x="3519487" y="938212"/>
+            <a:ext cx="5153025" cy="4981575"/>
+          </a:xfrm>
+          <a:prstGeom prst="rect">
+            <a:avLst/>
+          </a:prstGeom>
+        </p:spPr>
+      </p:pic>
+    </p:spTree>
+    <p:extLst>
+      <p:ext uri="{BB962C8B-B14F-4D97-AF65-F5344CB8AC3E}">
+        <p14:creationId xmlns:p14="http://schemas.microsoft.com/office/powerpoint/2010/main" val="258633436"/>
+      </p:ext>
+    </p:extLst>
+  </p:cSld>
+  <p:clrMapOvr>
+    <a:masterClrMapping/>
+  </p:clrMapOvr>
+</p:sld>
+</file>
+
+<file path=ppt/slides/slide22.xml><?xml version="1.0" encoding="utf-8"?>
+<p:sld xmlns:a="http://schemas.openxmlformats.org/drawingml/2006/main" xmlns:r="http://schemas.openxmlformats.org/officeDocument/2006/relationships" xmlns:p="http://schemas.openxmlformats.org/presentationml/2006/main">
+  <p:cSld>
+    <p:spTree>
+      <p:nvGrpSpPr>
+        <p:cNvPr id="1" name=""/>
+        <p:cNvGrpSpPr/>
+        <p:nvPr/>
+      </p:nvGrpSpPr>
+      <p:grpSpPr>
+        <a:xfrm>
+          <a:off x="0" y="0"/>
+          <a:ext cx="0" cy="0"/>
+          <a:chOff x="0" y="0"/>
+          <a:chExt cx="0" cy="0"/>
+        </a:xfrm>
+      </p:grpSpPr>
+      <p:pic>
+        <p:nvPicPr>
+          <p:cNvPr id="7" name="Picture 6">
+            <a:extLst>
+              <a:ext uri="{FF2B5EF4-FFF2-40B4-BE49-F238E27FC236}">
+                <a16:creationId xmlns:a16="http://schemas.microsoft.com/office/drawing/2014/main" id="{474B2FBF-D1E9-4709-B05F-D55E8611F3DA}"/>
+              </a:ext>
+            </a:extLst>
+          </p:cNvPr>
+          <p:cNvPicPr>
+            <a:picLocks noChangeAspect="1"/>
+          </p:cNvPicPr>
+          <p:nvPr/>
+        </p:nvPicPr>
+        <p:blipFill>
+          <a:blip r:embed="rId2"/>
+          <a:stretch>
+            <a:fillRect/>
+          </a:stretch>
+        </p:blipFill>
+        <p:spPr>
+          <a:xfrm>
+            <a:off x="3538537" y="962025"/>
+            <a:ext cx="5114925" cy="4933950"/>
+          </a:xfrm>
+          <a:prstGeom prst="rect">
+            <a:avLst/>
+          </a:prstGeom>
+        </p:spPr>
+      </p:pic>
+    </p:spTree>
+    <p:extLst>
+      <p:ext uri="{BB962C8B-B14F-4D97-AF65-F5344CB8AC3E}">
+        <p14:creationId xmlns:p14="http://schemas.microsoft.com/office/powerpoint/2010/main" val="1793701159"/>
+      </p:ext>
+    </p:extLst>
+  </p:cSld>
+  <p:clrMapOvr>
+    <a:masterClrMapping/>
+  </p:clrMapOvr>
+</p:sld>
+</file>
+
+<file path=ppt/slides/slide23.xml><?xml version="1.0" encoding="utf-8"?>
+<p:sld xmlns:a="http://schemas.openxmlformats.org/drawingml/2006/main" xmlns:r="http://schemas.openxmlformats.org/officeDocument/2006/relationships" xmlns:p="http://schemas.openxmlformats.org/presentationml/2006/main">
+  <p:cSld>
+    <p:spTree>
+      <p:nvGrpSpPr>
+        <p:cNvPr id="1" name=""/>
+        <p:cNvGrpSpPr/>
+        <p:nvPr/>
+      </p:nvGrpSpPr>
+      <p:grpSpPr>
+        <a:xfrm>
+          <a:off x="0" y="0"/>
+          <a:ext cx="0" cy="0"/>
+          <a:chOff x="0" y="0"/>
+          <a:chExt cx="0" cy="0"/>
+        </a:xfrm>
+      </p:grpSpPr>
+      <p:pic>
+        <p:nvPicPr>
+          <p:cNvPr id="5" name="Picture 4">
+            <a:extLst>
+              <a:ext uri="{FF2B5EF4-FFF2-40B4-BE49-F238E27FC236}">
+                <a16:creationId xmlns:a16="http://schemas.microsoft.com/office/drawing/2014/main" id="{0E7BB032-7DE4-4338-86C2-DCF2DD8D3A5B}"/>
+              </a:ext>
+            </a:extLst>
+          </p:cNvPr>
+          <p:cNvPicPr>
+            <a:picLocks noChangeAspect="1"/>
+          </p:cNvPicPr>
+          <p:nvPr/>
+        </p:nvPicPr>
+        <p:blipFill>
+          <a:blip r:embed="rId2"/>
+          <a:stretch>
+            <a:fillRect/>
+          </a:stretch>
+        </p:blipFill>
+        <p:spPr>
+          <a:xfrm>
+            <a:off x="3552825" y="962025"/>
+            <a:ext cx="5086350" cy="4933950"/>
+          </a:xfrm>
+          <a:prstGeom prst="rect">
+            <a:avLst/>
+          </a:prstGeom>
+        </p:spPr>
+      </p:pic>
+    </p:spTree>
+    <p:extLst>
+      <p:ext uri="{BB962C8B-B14F-4D97-AF65-F5344CB8AC3E}">
+        <p14:creationId xmlns:p14="http://schemas.microsoft.com/office/powerpoint/2010/main" val="1955915267"/>
+      </p:ext>
+    </p:extLst>
+  </p:cSld>
+  <p:clrMapOvr>
+    <a:masterClrMapping/>
+  </p:clrMapOvr>
+</p:sld>
+</file>
+
+<file path=ppt/slides/slide24.xml><?xml version="1.0" encoding="utf-8"?>
+<p:sld xmlns:a="http://schemas.openxmlformats.org/drawingml/2006/main" xmlns:r="http://schemas.openxmlformats.org/officeDocument/2006/relationships" xmlns:p="http://schemas.openxmlformats.org/presentationml/2006/main">
+  <p:cSld>
+    <p:spTree>
+      <p:nvGrpSpPr>
+        <p:cNvPr id="1" name=""/>
+        <p:cNvGrpSpPr/>
+        <p:nvPr/>
+      </p:nvGrpSpPr>
+      <p:grpSpPr>
+        <a:xfrm>
+          <a:off x="0" y="0"/>
+          <a:ext cx="0" cy="0"/>
+          <a:chOff x="0" y="0"/>
+          <a:chExt cx="0" cy="0"/>
+        </a:xfrm>
+      </p:grpSpPr>
+      <p:sp>
+        <p:nvSpPr>
+          <p:cNvPr id="2" name="Title 1">
+            <a:extLst>
+              <a:ext uri="{FF2B5EF4-FFF2-40B4-BE49-F238E27FC236}">
+                <a16:creationId xmlns:a16="http://schemas.microsoft.com/office/drawing/2014/main" id="{A80CBA26-B507-4350-9A66-5C4B61AE00E8}"/>
+              </a:ext>
+            </a:extLst>
+          </p:cNvPr>
+          <p:cNvSpPr>
+            <a:spLocks noGrp="1"/>
+          </p:cNvSpPr>
+          <p:nvPr>
+            <p:ph type="title"/>
+          </p:nvPr>
+        </p:nvSpPr>
+        <p:spPr>
+          <a:xfrm>
+            <a:off x="66413" y="0"/>
+            <a:ext cx="10515600" cy="1325563"/>
+          </a:xfrm>
+        </p:spPr>
+        <p:txBody>
+          <a:bodyPr/>
+          <a:lstStyle/>
+          <a:p>
+            <a:r>
+              <a:rPr lang="en-US" dirty="0" err="1"/>
+              <a:t>Ứng</a:t>
+            </a:r>
+            <a:r>
+              <a:rPr lang="en-US" dirty="0"/>
+              <a:t> </a:t>
+            </a:r>
+            <a:r>
+              <a:rPr lang="en-US" dirty="0" err="1"/>
+              <a:t>dụng</a:t>
+            </a:r>
+            <a:r>
+              <a:rPr lang="en-US" dirty="0"/>
+              <a:t> </a:t>
+            </a:r>
+            <a:r>
+              <a:rPr lang="en-US" dirty="0" err="1"/>
+              <a:t>của</a:t>
+            </a:r>
+            <a:r>
+              <a:rPr lang="en-US" dirty="0"/>
+              <a:t> QR code</a:t>
+            </a:r>
+          </a:p>
+        </p:txBody>
+      </p:sp>
+      <p:sp>
+        <p:nvSpPr>
+          <p:cNvPr id="3" name="Content Placeholder 2">
+            <a:extLst>
+              <a:ext uri="{FF2B5EF4-FFF2-40B4-BE49-F238E27FC236}">
+                <a16:creationId xmlns:a16="http://schemas.microsoft.com/office/drawing/2014/main" id="{B75312BC-317A-4007-9CE9-292EE90F850D}"/>
+              </a:ext>
+            </a:extLst>
+          </p:cNvPr>
+          <p:cNvSpPr>
+            <a:spLocks noGrp="1"/>
+          </p:cNvSpPr>
+          <p:nvPr>
+            <p:ph idx="1"/>
+          </p:nvPr>
+        </p:nvSpPr>
+        <p:spPr/>
+        <p:txBody>
+          <a:bodyPr/>
+          <a:lstStyle/>
+          <a:p>
+            <a:r>
+              <a:rPr lang="en-US" dirty="0" err="1"/>
+              <a:t>Quản</a:t>
+            </a:r>
+            <a:r>
+              <a:rPr lang="en-US" dirty="0"/>
+              <a:t> </a:t>
+            </a:r>
+            <a:r>
+              <a:rPr lang="en-US" dirty="0" err="1"/>
+              <a:t>lý</a:t>
+            </a:r>
+            <a:r>
+              <a:rPr lang="en-US" dirty="0"/>
+              <a:t> </a:t>
+            </a:r>
+            <a:r>
+              <a:rPr lang="en-US" dirty="0" err="1"/>
+              <a:t>các</a:t>
+            </a:r>
+            <a:r>
+              <a:rPr lang="en-US" dirty="0"/>
+              <a:t> </a:t>
+            </a:r>
+            <a:r>
+              <a:rPr lang="en-US" dirty="0" err="1"/>
+              <a:t>dây</a:t>
+            </a:r>
+            <a:r>
+              <a:rPr lang="en-US" dirty="0"/>
+              <a:t> </a:t>
+            </a:r>
+            <a:r>
+              <a:rPr lang="en-US" dirty="0" err="1"/>
+              <a:t>chuyền</a:t>
+            </a:r>
+            <a:r>
+              <a:rPr lang="en-US" dirty="0"/>
+              <a:t> </a:t>
+            </a:r>
+            <a:r>
+              <a:rPr lang="en-US" dirty="0" err="1"/>
+              <a:t>sản</a:t>
+            </a:r>
+            <a:r>
+              <a:rPr lang="en-US" dirty="0"/>
+              <a:t> </a:t>
+            </a:r>
+            <a:r>
+              <a:rPr lang="en-US" dirty="0" err="1"/>
+              <a:t>xuất</a:t>
+            </a:r>
+            <a:endParaRPr lang="en-US" dirty="0"/>
+          </a:p>
+        </p:txBody>
+      </p:sp>
+      <p:pic>
+        <p:nvPicPr>
+          <p:cNvPr id="5" name="Picture 4">
+            <a:extLst>
+              <a:ext uri="{FF2B5EF4-FFF2-40B4-BE49-F238E27FC236}">
+                <a16:creationId xmlns:a16="http://schemas.microsoft.com/office/drawing/2014/main" id="{67E6DE6C-9B9F-467C-BFB5-D90EAE7E694C}"/>
+              </a:ext>
+            </a:extLst>
+          </p:cNvPr>
+          <p:cNvPicPr>
+            <a:picLocks noChangeAspect="1"/>
+          </p:cNvPicPr>
+          <p:nvPr/>
+        </p:nvPicPr>
+        <p:blipFill>
+          <a:blip r:embed="rId2"/>
+          <a:stretch>
+            <a:fillRect/>
+          </a:stretch>
+        </p:blipFill>
+        <p:spPr>
+          <a:xfrm>
+            <a:off x="790575" y="1104900"/>
+            <a:ext cx="10563225" cy="5753100"/>
+          </a:xfrm>
+          <a:prstGeom prst="rect">
+            <a:avLst/>
+          </a:prstGeom>
+        </p:spPr>
+      </p:pic>
+    </p:spTree>
+    <p:extLst>
+      <p:ext uri="{BB962C8B-B14F-4D97-AF65-F5344CB8AC3E}">
+        <p14:creationId xmlns:p14="http://schemas.microsoft.com/office/powerpoint/2010/main" val="215625256"/>
+      </p:ext>
+    </p:extLst>
+  </p:cSld>
+  <p:clrMapOvr>
+    <a:masterClrMapping/>
+  </p:clrMapOvr>
+</p:sld>
+</file>
+
+<file path=ppt/slides/slide25.xml><?xml version="1.0" encoding="utf-8"?>
+<p:sld xmlns:a="http://schemas.openxmlformats.org/drawingml/2006/main" xmlns:r="http://schemas.openxmlformats.org/officeDocument/2006/relationships" xmlns:p="http://schemas.openxmlformats.org/presentationml/2006/main">
+  <p:cSld>
+    <p:spTree>
+      <p:nvGrpSpPr>
+        <p:cNvPr id="1" name=""/>
+        <p:cNvGrpSpPr/>
+        <p:nvPr/>
+      </p:nvGrpSpPr>
+      <p:grpSpPr>
+        <a:xfrm>
+          <a:off x="0" y="0"/>
+          <a:ext cx="0" cy="0"/>
+          <a:chOff x="0" y="0"/>
+          <a:chExt cx="0" cy="0"/>
+        </a:xfrm>
+      </p:grpSpPr>
+      <p:sp>
+        <p:nvSpPr>
+          <p:cNvPr id="2" name="Title 1">
+            <a:extLst>
+              <a:ext uri="{FF2B5EF4-FFF2-40B4-BE49-F238E27FC236}">
+                <a16:creationId xmlns:a16="http://schemas.microsoft.com/office/drawing/2014/main" id="{A80CBA26-B507-4350-9A66-5C4B61AE00E8}"/>
+              </a:ext>
+            </a:extLst>
+          </p:cNvPr>
+          <p:cNvSpPr>
+            <a:spLocks noGrp="1"/>
+          </p:cNvSpPr>
+          <p:nvPr>
+            <p:ph type="title"/>
+          </p:nvPr>
+        </p:nvSpPr>
+        <p:spPr/>
+        <p:txBody>
+          <a:bodyPr/>
+          <a:lstStyle/>
+          <a:p>
+            <a:r>
+              <a:rPr lang="en-US" dirty="0" err="1"/>
+              <a:t>Ứng</a:t>
+            </a:r>
+            <a:r>
+              <a:rPr lang="en-US" dirty="0"/>
+              <a:t> </a:t>
+            </a:r>
+            <a:r>
+              <a:rPr lang="en-US" dirty="0" err="1"/>
+              <a:t>dụng</a:t>
+            </a:r>
+            <a:r>
+              <a:rPr lang="en-US" dirty="0"/>
+              <a:t> </a:t>
+            </a:r>
+            <a:r>
+              <a:rPr lang="en-US" dirty="0" err="1"/>
+              <a:t>của</a:t>
+            </a:r>
+            <a:r>
+              <a:rPr lang="en-US" dirty="0"/>
+              <a:t> QR code</a:t>
+            </a:r>
+          </a:p>
+        </p:txBody>
+      </p:sp>
+      <p:sp>
+        <p:nvSpPr>
+          <p:cNvPr id="3" name="Content Placeholder 2">
+            <a:extLst>
+              <a:ext uri="{FF2B5EF4-FFF2-40B4-BE49-F238E27FC236}">
+                <a16:creationId xmlns:a16="http://schemas.microsoft.com/office/drawing/2014/main" id="{B75312BC-317A-4007-9CE9-292EE90F850D}"/>
+              </a:ext>
+            </a:extLst>
+          </p:cNvPr>
+          <p:cNvSpPr>
+            <a:spLocks noGrp="1"/>
+          </p:cNvSpPr>
+          <p:nvPr>
+            <p:ph idx="1"/>
+          </p:nvPr>
+        </p:nvSpPr>
+        <p:spPr/>
+        <p:txBody>
+          <a:bodyPr/>
+          <a:lstStyle/>
+          <a:p>
+            <a:r>
+              <a:rPr lang="en-US" dirty="0" err="1"/>
+              <a:t>Truy</a:t>
+            </a:r>
+            <a:r>
+              <a:rPr lang="en-US" dirty="0"/>
+              <a:t> </a:t>
+            </a:r>
+            <a:r>
+              <a:rPr lang="en-US" dirty="0" err="1"/>
+              <a:t>cập</a:t>
+            </a:r>
+            <a:r>
+              <a:rPr lang="en-US" dirty="0"/>
+              <a:t> </a:t>
+            </a:r>
+            <a:r>
+              <a:rPr lang="en-US" dirty="0" err="1"/>
+              <a:t>nhanh</a:t>
+            </a:r>
+            <a:endParaRPr lang="en-US" dirty="0"/>
+          </a:p>
+        </p:txBody>
+      </p:sp>
+      <p:pic>
+        <p:nvPicPr>
+          <p:cNvPr id="5" name="Picture 4">
+            <a:extLst>
+              <a:ext uri="{FF2B5EF4-FFF2-40B4-BE49-F238E27FC236}">
+                <a16:creationId xmlns:a16="http://schemas.microsoft.com/office/drawing/2014/main" id="{6408F07C-33A0-46D5-B5B3-51B94805EDF6}"/>
+              </a:ext>
+            </a:extLst>
+          </p:cNvPr>
+          <p:cNvPicPr>
+            <a:picLocks noChangeAspect="1"/>
+          </p:cNvPicPr>
+          <p:nvPr/>
+        </p:nvPicPr>
+        <p:blipFill>
+          <a:blip r:embed="rId2"/>
+          <a:stretch>
+            <a:fillRect/>
+          </a:stretch>
+        </p:blipFill>
+        <p:spPr>
+          <a:xfrm>
+            <a:off x="2951635" y="2363787"/>
+            <a:ext cx="6288729" cy="4208752"/>
+          </a:xfrm>
+          <a:prstGeom prst="rect">
+            <a:avLst/>
+          </a:prstGeom>
+        </p:spPr>
+      </p:pic>
+    </p:spTree>
+    <p:extLst>
+      <p:ext uri="{BB962C8B-B14F-4D97-AF65-F5344CB8AC3E}">
+        <p14:creationId xmlns:p14="http://schemas.microsoft.com/office/powerpoint/2010/main" val="2832904686"/>
+      </p:ext>
+    </p:extLst>
+  </p:cSld>
+  <p:clrMapOvr>
+    <a:masterClrMapping/>
+  </p:clrMapOvr>
+</p:sld>
+</file>
+
+<file path=ppt/slides/slide26.xml><?xml version="1.0" encoding="utf-8"?>
+<p:sld xmlns:a="http://schemas.openxmlformats.org/drawingml/2006/main" xmlns:r="http://schemas.openxmlformats.org/officeDocument/2006/relationships" xmlns:p="http://schemas.openxmlformats.org/presentationml/2006/main">
+  <p:cSld>
+    <p:spTree>
+      <p:nvGrpSpPr>
+        <p:cNvPr id="1" name=""/>
+        <p:cNvGrpSpPr/>
+        <p:nvPr/>
+      </p:nvGrpSpPr>
+      <p:grpSpPr>
+        <a:xfrm>
+          <a:off x="0" y="0"/>
+          <a:ext cx="0" cy="0"/>
+          <a:chOff x="0" y="0"/>
+          <a:chExt cx="0" cy="0"/>
+        </a:xfrm>
+      </p:grpSpPr>
+      <p:sp>
+        <p:nvSpPr>
+          <p:cNvPr id="2" name="Title 1">
+            <a:extLst>
+              <a:ext uri="{FF2B5EF4-FFF2-40B4-BE49-F238E27FC236}">
+                <a16:creationId xmlns:a16="http://schemas.microsoft.com/office/drawing/2014/main" id="{E441F615-5009-4B74-B717-9980712E940C}"/>
+              </a:ext>
+            </a:extLst>
+          </p:cNvPr>
+          <p:cNvSpPr>
+            <a:spLocks noGrp="1"/>
+          </p:cNvSpPr>
+          <p:nvPr>
+            <p:ph type="title"/>
+          </p:nvPr>
+        </p:nvSpPr>
+        <p:spPr/>
+        <p:txBody>
+          <a:bodyPr/>
+          <a:lstStyle/>
+          <a:p>
+            <a:r>
+              <a:rPr lang="en-US" dirty="0" err="1"/>
+              <a:t>Ứng</a:t>
+            </a:r>
+            <a:r>
+              <a:rPr lang="en-US" dirty="0"/>
+              <a:t> </a:t>
+            </a:r>
+            <a:r>
+              <a:rPr lang="en-US" dirty="0" err="1"/>
+              <a:t>dụng</a:t>
+            </a:r>
+            <a:r>
+              <a:rPr lang="en-US" dirty="0"/>
+              <a:t> QR code</a:t>
+            </a:r>
+          </a:p>
+        </p:txBody>
+      </p:sp>
+      <p:sp>
+        <p:nvSpPr>
+          <p:cNvPr id="3" name="Content Placeholder 2">
+            <a:extLst>
+              <a:ext uri="{FF2B5EF4-FFF2-40B4-BE49-F238E27FC236}">
+                <a16:creationId xmlns:a16="http://schemas.microsoft.com/office/drawing/2014/main" id="{14988169-D215-466F-ABF4-170845B92633}"/>
+              </a:ext>
+            </a:extLst>
+          </p:cNvPr>
+          <p:cNvSpPr>
+            <a:spLocks noGrp="1"/>
+          </p:cNvSpPr>
+          <p:nvPr>
+            <p:ph idx="1"/>
+          </p:nvPr>
+        </p:nvSpPr>
+        <p:spPr/>
+        <p:txBody>
+          <a:bodyPr/>
+          <a:lstStyle/>
+          <a:p>
+            <a:r>
+              <a:rPr lang="en-US" dirty="0"/>
+              <a:t>Authenticator</a:t>
+            </a:r>
+          </a:p>
+        </p:txBody>
+      </p:sp>
+      <p:pic>
+        <p:nvPicPr>
+          <p:cNvPr id="5" name="Picture 4">
+            <a:extLst>
+              <a:ext uri="{FF2B5EF4-FFF2-40B4-BE49-F238E27FC236}">
+                <a16:creationId xmlns:a16="http://schemas.microsoft.com/office/drawing/2014/main" id="{F041FA0A-C20D-4AE6-82AB-310D9C0C2031}"/>
+              </a:ext>
+            </a:extLst>
+          </p:cNvPr>
+          <p:cNvPicPr>
+            <a:picLocks noChangeAspect="1"/>
+          </p:cNvPicPr>
+          <p:nvPr/>
+        </p:nvPicPr>
+        <p:blipFill>
+          <a:blip r:embed="rId2"/>
+          <a:stretch>
+            <a:fillRect/>
+          </a:stretch>
+        </p:blipFill>
+        <p:spPr>
+          <a:xfrm>
+            <a:off x="838200" y="2449584"/>
+            <a:ext cx="6263677" cy="3617053"/>
+          </a:xfrm>
+          <a:prstGeom prst="rect">
+            <a:avLst/>
+          </a:prstGeom>
+        </p:spPr>
+      </p:pic>
+      <p:pic>
+        <p:nvPicPr>
+          <p:cNvPr id="7" name="Picture 6">
+            <a:extLst>
+              <a:ext uri="{FF2B5EF4-FFF2-40B4-BE49-F238E27FC236}">
+                <a16:creationId xmlns:a16="http://schemas.microsoft.com/office/drawing/2014/main" id="{67BB644D-3D0D-473B-9E95-8794BAE342E4}"/>
+              </a:ext>
+            </a:extLst>
+          </p:cNvPr>
+          <p:cNvPicPr>
+            <a:picLocks noChangeAspect="1"/>
+          </p:cNvPicPr>
+          <p:nvPr/>
+        </p:nvPicPr>
+        <p:blipFill>
+          <a:blip r:embed="rId3"/>
+          <a:stretch>
+            <a:fillRect/>
+          </a:stretch>
+        </p:blipFill>
+        <p:spPr>
+          <a:xfrm>
+            <a:off x="7505700" y="2237587"/>
+            <a:ext cx="3848100" cy="3829050"/>
+          </a:xfrm>
+          <a:prstGeom prst="rect">
+            <a:avLst/>
+          </a:prstGeom>
+        </p:spPr>
+      </p:pic>
+    </p:spTree>
+    <p:extLst>
+      <p:ext uri="{BB962C8B-B14F-4D97-AF65-F5344CB8AC3E}">
+        <p14:creationId xmlns:p14="http://schemas.microsoft.com/office/powerpoint/2010/main" val="2570431292"/>
+      </p:ext>
+    </p:extLst>
+  </p:cSld>
+  <p:clrMapOvr>
+    <a:masterClrMapping/>
+  </p:clrMapOvr>
+</p:sld>
+</file>
+
+<file path=ppt/slides/slide27.xml><?xml version="1.0" encoding="utf-8"?>
+<p:sld xmlns:a="http://schemas.openxmlformats.org/drawingml/2006/main" xmlns:r="http://schemas.openxmlformats.org/officeDocument/2006/relationships" xmlns:p="http://schemas.openxmlformats.org/presentationml/2006/main">
+  <p:cSld>
+    <p:spTree>
+      <p:nvGrpSpPr>
+        <p:cNvPr id="1" name=""/>
+        <p:cNvGrpSpPr/>
+        <p:nvPr/>
+      </p:nvGrpSpPr>
+      <p:grpSpPr>
+        <a:xfrm>
+          <a:off x="0" y="0"/>
+          <a:ext cx="0" cy="0"/>
+          <a:chOff x="0" y="0"/>
+          <a:chExt cx="0" cy="0"/>
+        </a:xfrm>
+      </p:grpSpPr>
       <p:sp>
         <p:nvSpPr>
           <p:cNvPr id="2" name="Title 1">
@@ -4456,7 +5990,7 @@
 </p:sld>
 </file>
 
-<file path=ppt/slides/slide21.xml><?xml version="1.0" encoding="utf-8"?>
+<file path=ppt/slides/slide28.xml><?xml version="1.0" encoding="utf-8"?>
 <p:sld xmlns:a="http://schemas.openxmlformats.org/drawingml/2006/main" xmlns:r="http://schemas.openxmlformats.org/officeDocument/2006/relationships" xmlns:p="http://schemas.openxmlformats.org/presentationml/2006/main">
   <p:cSld>
     <p:spTree>
@@ -4586,7 +6120,7 @@
 </p:sld>
 </file>
 
-<file path=ppt/slides/slide22.xml><?xml version="1.0" encoding="utf-8"?>
+<file path=ppt/slides/slide29.xml><?xml version="1.0" encoding="utf-8"?>
 <p:sld xmlns:a="http://schemas.openxmlformats.org/drawingml/2006/main" xmlns:r="http://schemas.openxmlformats.org/officeDocument/2006/relationships" xmlns:p="http://schemas.openxmlformats.org/presentationml/2006/main">
   <p:cSld>
     <p:spTree>
@@ -4663,386 +6197,6 @@
 </p:sld>
 </file>
 
-<file path=ppt/slides/slide23.xml><?xml version="1.0" encoding="utf-8"?>
-<p:sld xmlns:a="http://schemas.openxmlformats.org/drawingml/2006/main" xmlns:r="http://schemas.openxmlformats.org/officeDocument/2006/relationships" xmlns:p="http://schemas.openxmlformats.org/presentationml/2006/main">
-  <p:cSld>
-    <p:spTree>
-      <p:nvGrpSpPr>
-        <p:cNvPr id="1" name=""/>
-        <p:cNvGrpSpPr/>
-        <p:nvPr/>
-      </p:nvGrpSpPr>
-      <p:grpSpPr>
-        <a:xfrm>
-          <a:off x="0" y="0"/>
-          <a:ext cx="0" cy="0"/>
-          <a:chOff x="0" y="0"/>
-          <a:chExt cx="0" cy="0"/>
-        </a:xfrm>
-      </p:grpSpPr>
-      <p:sp>
-        <p:nvSpPr>
-          <p:cNvPr id="2" name="Title 1">
-            <a:extLst>
-              <a:ext uri="{FF2B5EF4-FFF2-40B4-BE49-F238E27FC236}">
-                <a16:creationId xmlns:a16="http://schemas.microsoft.com/office/drawing/2014/main" id="{C86F7AC2-376F-4F90-A7D4-6BD8EFE21020}"/>
-              </a:ext>
-            </a:extLst>
-          </p:cNvPr>
-          <p:cNvSpPr>
-            <a:spLocks noGrp="1"/>
-          </p:cNvSpPr>
-          <p:nvPr>
-            <p:ph type="title"/>
-          </p:nvPr>
-        </p:nvSpPr>
-        <p:spPr/>
-        <p:txBody>
-          <a:bodyPr/>
-          <a:lstStyle/>
-          <a:p>
-            <a:r>
-              <a:rPr lang="en-US" dirty="0" err="1"/>
-              <a:t>Giải</a:t>
-            </a:r>
-            <a:r>
-              <a:rPr lang="en-US" dirty="0"/>
-              <a:t> </a:t>
-            </a:r>
-            <a:r>
-              <a:rPr lang="en-US" dirty="0" err="1"/>
-              <a:t>pháp</a:t>
-            </a:r>
-            <a:r>
-              <a:rPr lang="en-US" dirty="0"/>
-              <a:t> </a:t>
-            </a:r>
-            <a:r>
-              <a:rPr lang="en-US" dirty="0" err="1"/>
-              <a:t>phòng</a:t>
-            </a:r>
-            <a:r>
-              <a:rPr lang="en-US" dirty="0"/>
-              <a:t> </a:t>
-            </a:r>
-            <a:r>
-              <a:rPr lang="en-US" dirty="0" err="1"/>
-              <a:t>vệ</a:t>
-            </a:r>
-            <a:endParaRPr lang="en-US" dirty="0"/>
-          </a:p>
-        </p:txBody>
-      </p:sp>
-      <p:sp>
-        <p:nvSpPr>
-          <p:cNvPr id="4" name="Content Placeholder 2">
-            <a:extLst>
-              <a:ext uri="{FF2B5EF4-FFF2-40B4-BE49-F238E27FC236}">
-                <a16:creationId xmlns:a16="http://schemas.microsoft.com/office/drawing/2014/main" id="{7FA642E0-5FA7-4CB3-9D21-A71FBEB8FFE4}"/>
-              </a:ext>
-            </a:extLst>
-          </p:cNvPr>
-          <p:cNvSpPr>
-            <a:spLocks noGrp="1"/>
-          </p:cNvSpPr>
-          <p:nvPr>
-            <p:ph idx="1"/>
-          </p:nvPr>
-        </p:nvSpPr>
-        <p:spPr>
-          <a:xfrm>
-            <a:off x="838200" y="1825625"/>
-            <a:ext cx="10515600" cy="4351338"/>
-          </a:xfrm>
-        </p:spPr>
-        <p:txBody>
-          <a:bodyPr/>
-          <a:lstStyle/>
-          <a:p>
-            <a:r>
-              <a:rPr lang="en-US" dirty="0" err="1"/>
-              <a:t>Cần</a:t>
-            </a:r>
-            <a:r>
-              <a:rPr lang="en-US" dirty="0"/>
-              <a:t> </a:t>
-            </a:r>
-            <a:r>
-              <a:rPr lang="en-US" dirty="0" err="1"/>
-              <a:t>tìm</a:t>
-            </a:r>
-            <a:r>
-              <a:rPr lang="en-US" dirty="0"/>
-              <a:t> </a:t>
-            </a:r>
-            <a:r>
-              <a:rPr lang="en-US" dirty="0" err="1"/>
-              <a:t>hiểu</a:t>
-            </a:r>
-            <a:r>
-              <a:rPr lang="en-US" dirty="0"/>
-              <a:t> </a:t>
-            </a:r>
-            <a:r>
-              <a:rPr lang="en-US" dirty="0" err="1"/>
-              <a:t>rõ</a:t>
-            </a:r>
-            <a:r>
-              <a:rPr lang="en-US" dirty="0"/>
-              <a:t> </a:t>
-            </a:r>
-            <a:r>
-              <a:rPr lang="en-US" dirty="0" err="1"/>
-              <a:t>nguồn</a:t>
-            </a:r>
-            <a:r>
-              <a:rPr lang="en-US" dirty="0"/>
-              <a:t> </a:t>
-            </a:r>
-            <a:r>
-              <a:rPr lang="en-US" dirty="0" err="1"/>
-              <a:t>gốc</a:t>
-            </a:r>
-            <a:r>
-              <a:rPr lang="en-US" dirty="0"/>
-              <a:t> </a:t>
-            </a:r>
-            <a:r>
-              <a:rPr lang="en-US" dirty="0" err="1"/>
-              <a:t>của</a:t>
-            </a:r>
-            <a:r>
-              <a:rPr lang="en-US" dirty="0"/>
-              <a:t> QR Code </a:t>
-            </a:r>
-            <a:r>
-              <a:rPr lang="en-US" dirty="0" err="1"/>
-              <a:t>trước</a:t>
-            </a:r>
-            <a:r>
-              <a:rPr lang="en-US" dirty="0"/>
-              <a:t> </a:t>
-            </a:r>
-            <a:r>
-              <a:rPr lang="en-US" dirty="0" err="1"/>
-              <a:t>khi</a:t>
-            </a:r>
-            <a:r>
-              <a:rPr lang="en-US" dirty="0"/>
-              <a:t> scan.</a:t>
-            </a:r>
-          </a:p>
-          <a:p>
-            <a:r>
-              <a:rPr lang="en-US" dirty="0" err="1"/>
-              <a:t>Nâng</a:t>
-            </a:r>
-            <a:r>
-              <a:rPr lang="en-US" dirty="0"/>
-              <a:t> </a:t>
-            </a:r>
-            <a:r>
-              <a:rPr lang="en-US" dirty="0" err="1"/>
-              <a:t>cao</a:t>
-            </a:r>
-            <a:r>
-              <a:rPr lang="en-US" dirty="0"/>
-              <a:t> </a:t>
-            </a:r>
-            <a:r>
-              <a:rPr lang="en-US" dirty="0" err="1"/>
-              <a:t>cảnh</a:t>
-            </a:r>
-            <a:r>
-              <a:rPr lang="en-US" dirty="0"/>
-              <a:t> </a:t>
-            </a:r>
-            <a:r>
-              <a:rPr lang="en-US" dirty="0" err="1"/>
-              <a:t>giác</a:t>
-            </a:r>
-            <a:r>
-              <a:rPr lang="en-US" dirty="0"/>
-              <a:t> </a:t>
-            </a:r>
-            <a:r>
-              <a:rPr lang="en-US" dirty="0" err="1"/>
-              <a:t>với</a:t>
-            </a:r>
-            <a:r>
-              <a:rPr lang="en-US" dirty="0"/>
-              <a:t> </a:t>
-            </a:r>
-            <a:r>
-              <a:rPr lang="en-US" dirty="0" err="1"/>
-              <a:t>các</a:t>
-            </a:r>
-            <a:r>
-              <a:rPr lang="en-US" dirty="0"/>
-              <a:t> link </a:t>
-            </a:r>
-            <a:r>
-              <a:rPr lang="en-US" dirty="0" err="1"/>
-              <a:t>url</a:t>
-            </a:r>
-            <a:r>
-              <a:rPr lang="en-US" dirty="0"/>
-              <a:t> </a:t>
-            </a:r>
-            <a:r>
-              <a:rPr lang="en-US" dirty="0" err="1"/>
-              <a:t>chứa</a:t>
-            </a:r>
-            <a:r>
-              <a:rPr lang="en-US" dirty="0"/>
-              <a:t> </a:t>
-            </a:r>
-            <a:r>
-              <a:rPr lang="en-US" dirty="0" err="1"/>
-              <a:t>trong</a:t>
-            </a:r>
-            <a:r>
-              <a:rPr lang="en-US" dirty="0"/>
-              <a:t> QR Code.</a:t>
-            </a:r>
-          </a:p>
-          <a:p>
-            <a:r>
-              <a:rPr lang="en-US" dirty="0" err="1"/>
-              <a:t>Đọc</a:t>
-            </a:r>
-            <a:r>
-              <a:rPr lang="en-US" dirty="0"/>
-              <a:t> </a:t>
-            </a:r>
-            <a:r>
-              <a:rPr lang="en-US" dirty="0" err="1"/>
-              <a:t>và</a:t>
-            </a:r>
-            <a:r>
-              <a:rPr lang="en-US" dirty="0"/>
-              <a:t> </a:t>
-            </a:r>
-            <a:r>
-              <a:rPr lang="en-US" dirty="0" err="1"/>
-              <a:t>hiểu</a:t>
-            </a:r>
-            <a:r>
-              <a:rPr lang="en-US" dirty="0"/>
-              <a:t> </a:t>
-            </a:r>
-            <a:r>
-              <a:rPr lang="en-US" dirty="0" err="1"/>
-              <a:t>rõ</a:t>
-            </a:r>
-            <a:r>
-              <a:rPr lang="en-US" dirty="0"/>
-              <a:t> </a:t>
-            </a:r>
-            <a:r>
-              <a:rPr lang="en-US" dirty="0" err="1"/>
-              <a:t>những</a:t>
-            </a:r>
-            <a:r>
-              <a:rPr lang="en-US" dirty="0"/>
-              <a:t> </a:t>
-            </a:r>
-            <a:r>
-              <a:rPr lang="en-US" dirty="0" err="1"/>
-              <a:t>nguy</a:t>
-            </a:r>
-            <a:r>
-              <a:rPr lang="en-US" dirty="0"/>
-              <a:t> </a:t>
-            </a:r>
-            <a:r>
-              <a:rPr lang="en-US" dirty="0" err="1"/>
-              <a:t>cơ</a:t>
-            </a:r>
-            <a:r>
-              <a:rPr lang="en-US" dirty="0"/>
-              <a:t> </a:t>
-            </a:r>
-            <a:r>
-              <a:rPr lang="en-US" dirty="0" err="1"/>
-              <a:t>khi</a:t>
-            </a:r>
-            <a:r>
-              <a:rPr lang="en-US" dirty="0"/>
-              <a:t> </a:t>
-            </a:r>
-            <a:r>
-              <a:rPr lang="en-US" dirty="0" err="1"/>
-              <a:t>ủy</a:t>
-            </a:r>
-            <a:r>
-              <a:rPr lang="en-US" dirty="0"/>
-              <a:t> </a:t>
-            </a:r>
-            <a:r>
-              <a:rPr lang="en-US" dirty="0" err="1"/>
-              <a:t>quyền</a:t>
-            </a:r>
-            <a:r>
-              <a:rPr lang="en-US" dirty="0"/>
-              <a:t> </a:t>
-            </a:r>
-            <a:r>
-              <a:rPr lang="en-US" dirty="0" err="1"/>
-              <a:t>cho</a:t>
-            </a:r>
-            <a:r>
-              <a:rPr lang="en-US" dirty="0"/>
-              <a:t> </a:t>
-            </a:r>
-            <a:r>
-              <a:rPr lang="en-US" dirty="0" err="1"/>
-              <a:t>các</a:t>
-            </a:r>
-            <a:r>
-              <a:rPr lang="en-US" dirty="0"/>
-              <a:t> </a:t>
-            </a:r>
-            <a:r>
-              <a:rPr lang="en-US" dirty="0" err="1"/>
-              <a:t>ứng</a:t>
-            </a:r>
-            <a:r>
-              <a:rPr lang="en-US" dirty="0"/>
-              <a:t> </a:t>
-            </a:r>
-            <a:r>
-              <a:rPr lang="en-US" dirty="0" err="1"/>
-              <a:t>dụng</a:t>
-            </a:r>
-            <a:r>
-              <a:rPr lang="en-US" dirty="0"/>
-              <a:t> </a:t>
-            </a:r>
-            <a:r>
-              <a:rPr lang="en-US" dirty="0" err="1"/>
-              <a:t>quét</a:t>
-            </a:r>
-            <a:r>
-              <a:rPr lang="en-US" dirty="0"/>
-              <a:t> QR code.</a:t>
-            </a:r>
-          </a:p>
-        </p:txBody>
-      </p:sp>
-    </p:spTree>
-    <p:extLst>
-      <p:ext uri="{BB962C8B-B14F-4D97-AF65-F5344CB8AC3E}">
-        <p14:creationId xmlns:p14="http://schemas.microsoft.com/office/powerpoint/2010/main" val="2630366688"/>
-      </p:ext>
-    </p:extLst>
-  </p:cSld>
-  <p:clrMapOvr>
-    <a:masterClrMapping/>
-  </p:clrMapOvr>
-</p:sld>
-</file>
-
 <file path=ppt/slides/slide3.xml><?xml version="1.0" encoding="utf-8"?>
 <p:sld xmlns:a="http://schemas.openxmlformats.org/drawingml/2006/main" xmlns:r="http://schemas.openxmlformats.org/officeDocument/2006/relationships" xmlns:p="http://schemas.openxmlformats.org/presentationml/2006/main">
   <p:cSld>
@@ -5168,7 +6322,661 @@
 </p:sld>
 </file>
 
+<file path=ppt/slides/slide30.xml><?xml version="1.0" encoding="utf-8"?>
+<p:sld xmlns:a="http://schemas.openxmlformats.org/drawingml/2006/main" xmlns:r="http://schemas.openxmlformats.org/officeDocument/2006/relationships" xmlns:p="http://schemas.openxmlformats.org/presentationml/2006/main">
+  <p:cSld>
+    <p:spTree>
+      <p:nvGrpSpPr>
+        <p:cNvPr id="1" name=""/>
+        <p:cNvGrpSpPr/>
+        <p:nvPr/>
+      </p:nvGrpSpPr>
+      <p:grpSpPr>
+        <a:xfrm>
+          <a:off x="0" y="0"/>
+          <a:ext cx="0" cy="0"/>
+          <a:chOff x="0" y="0"/>
+          <a:chExt cx="0" cy="0"/>
+        </a:xfrm>
+      </p:grpSpPr>
+      <p:sp>
+        <p:nvSpPr>
+          <p:cNvPr id="2" name="Title 1">
+            <a:extLst>
+              <a:ext uri="{FF2B5EF4-FFF2-40B4-BE49-F238E27FC236}">
+                <a16:creationId xmlns:a16="http://schemas.microsoft.com/office/drawing/2014/main" id="{C86F7AC2-376F-4F90-A7D4-6BD8EFE21020}"/>
+              </a:ext>
+            </a:extLst>
+          </p:cNvPr>
+          <p:cNvSpPr>
+            <a:spLocks noGrp="1"/>
+          </p:cNvSpPr>
+          <p:nvPr>
+            <p:ph type="title"/>
+          </p:nvPr>
+        </p:nvSpPr>
+        <p:spPr/>
+        <p:txBody>
+          <a:bodyPr/>
+          <a:lstStyle/>
+          <a:p>
+            <a:r>
+              <a:rPr lang="en-US" dirty="0" err="1"/>
+              <a:t>Giải</a:t>
+            </a:r>
+            <a:r>
+              <a:rPr lang="en-US" dirty="0"/>
+              <a:t> </a:t>
+            </a:r>
+            <a:r>
+              <a:rPr lang="en-US" dirty="0" err="1"/>
+              <a:t>pháp</a:t>
+            </a:r>
+            <a:r>
+              <a:rPr lang="en-US" dirty="0"/>
+              <a:t> </a:t>
+            </a:r>
+            <a:r>
+              <a:rPr lang="en-US" dirty="0" err="1"/>
+              <a:t>phòng</a:t>
+            </a:r>
+            <a:r>
+              <a:rPr lang="en-US" dirty="0"/>
+              <a:t> </a:t>
+            </a:r>
+            <a:r>
+              <a:rPr lang="en-US" dirty="0" err="1"/>
+              <a:t>vệ</a:t>
+            </a:r>
+            <a:endParaRPr lang="en-US" dirty="0"/>
+          </a:p>
+        </p:txBody>
+      </p:sp>
+      <p:sp>
+        <p:nvSpPr>
+          <p:cNvPr id="4" name="Content Placeholder 2">
+            <a:extLst>
+              <a:ext uri="{FF2B5EF4-FFF2-40B4-BE49-F238E27FC236}">
+                <a16:creationId xmlns:a16="http://schemas.microsoft.com/office/drawing/2014/main" id="{7FA642E0-5FA7-4CB3-9D21-A71FBEB8FFE4}"/>
+              </a:ext>
+            </a:extLst>
+          </p:cNvPr>
+          <p:cNvSpPr>
+            <a:spLocks noGrp="1"/>
+          </p:cNvSpPr>
+          <p:nvPr>
+            <p:ph idx="1"/>
+          </p:nvPr>
+        </p:nvSpPr>
+        <p:spPr>
+          <a:xfrm>
+            <a:off x="838200" y="1825625"/>
+            <a:ext cx="10515600" cy="4351338"/>
+          </a:xfrm>
+        </p:spPr>
+        <p:txBody>
+          <a:bodyPr/>
+          <a:lstStyle/>
+          <a:p>
+            <a:r>
+              <a:rPr lang="en-US" dirty="0" err="1"/>
+              <a:t>Cần</a:t>
+            </a:r>
+            <a:r>
+              <a:rPr lang="en-US" dirty="0"/>
+              <a:t> </a:t>
+            </a:r>
+            <a:r>
+              <a:rPr lang="en-US" dirty="0" err="1"/>
+              <a:t>tìm</a:t>
+            </a:r>
+            <a:r>
+              <a:rPr lang="en-US" dirty="0"/>
+              <a:t> </a:t>
+            </a:r>
+            <a:r>
+              <a:rPr lang="en-US" dirty="0" err="1"/>
+              <a:t>hiểu</a:t>
+            </a:r>
+            <a:r>
+              <a:rPr lang="en-US" dirty="0"/>
+              <a:t> </a:t>
+            </a:r>
+            <a:r>
+              <a:rPr lang="en-US" dirty="0" err="1"/>
+              <a:t>rõ</a:t>
+            </a:r>
+            <a:r>
+              <a:rPr lang="en-US" dirty="0"/>
+              <a:t> </a:t>
+            </a:r>
+            <a:r>
+              <a:rPr lang="en-US" dirty="0" err="1"/>
+              <a:t>nguồn</a:t>
+            </a:r>
+            <a:r>
+              <a:rPr lang="en-US" dirty="0"/>
+              <a:t> </a:t>
+            </a:r>
+            <a:r>
+              <a:rPr lang="en-US" dirty="0" err="1"/>
+              <a:t>gốc</a:t>
+            </a:r>
+            <a:r>
+              <a:rPr lang="en-US" dirty="0"/>
+              <a:t> </a:t>
+            </a:r>
+            <a:r>
+              <a:rPr lang="en-US" dirty="0" err="1"/>
+              <a:t>của</a:t>
+            </a:r>
+            <a:r>
+              <a:rPr lang="en-US" dirty="0"/>
+              <a:t> QR Code </a:t>
+            </a:r>
+            <a:r>
+              <a:rPr lang="en-US" dirty="0" err="1"/>
+              <a:t>trước</a:t>
+            </a:r>
+            <a:r>
+              <a:rPr lang="en-US" dirty="0"/>
+              <a:t> </a:t>
+            </a:r>
+            <a:r>
+              <a:rPr lang="en-US" dirty="0" err="1"/>
+              <a:t>khi</a:t>
+            </a:r>
+            <a:r>
+              <a:rPr lang="en-US" dirty="0"/>
+              <a:t> scan.</a:t>
+            </a:r>
+          </a:p>
+          <a:p>
+            <a:r>
+              <a:rPr lang="en-US" dirty="0" err="1"/>
+              <a:t>Nâng</a:t>
+            </a:r>
+            <a:r>
+              <a:rPr lang="en-US" dirty="0"/>
+              <a:t> </a:t>
+            </a:r>
+            <a:r>
+              <a:rPr lang="en-US" dirty="0" err="1"/>
+              <a:t>cao</a:t>
+            </a:r>
+            <a:r>
+              <a:rPr lang="en-US" dirty="0"/>
+              <a:t> </a:t>
+            </a:r>
+            <a:r>
+              <a:rPr lang="en-US" dirty="0" err="1"/>
+              <a:t>cảnh</a:t>
+            </a:r>
+            <a:r>
+              <a:rPr lang="en-US" dirty="0"/>
+              <a:t> </a:t>
+            </a:r>
+            <a:r>
+              <a:rPr lang="en-US" dirty="0" err="1"/>
+              <a:t>giác</a:t>
+            </a:r>
+            <a:r>
+              <a:rPr lang="en-US" dirty="0"/>
+              <a:t> </a:t>
+            </a:r>
+            <a:r>
+              <a:rPr lang="en-US" dirty="0" err="1"/>
+              <a:t>với</a:t>
+            </a:r>
+            <a:r>
+              <a:rPr lang="en-US" dirty="0"/>
+              <a:t> </a:t>
+            </a:r>
+            <a:r>
+              <a:rPr lang="en-US" dirty="0" err="1"/>
+              <a:t>các</a:t>
+            </a:r>
+            <a:r>
+              <a:rPr lang="en-US" dirty="0"/>
+              <a:t> link </a:t>
+            </a:r>
+            <a:r>
+              <a:rPr lang="en-US" dirty="0" err="1"/>
+              <a:t>url</a:t>
+            </a:r>
+            <a:r>
+              <a:rPr lang="en-US" dirty="0"/>
+              <a:t> </a:t>
+            </a:r>
+            <a:r>
+              <a:rPr lang="en-US" dirty="0" err="1"/>
+              <a:t>chứa</a:t>
+            </a:r>
+            <a:r>
+              <a:rPr lang="en-US" dirty="0"/>
+              <a:t> </a:t>
+            </a:r>
+            <a:r>
+              <a:rPr lang="en-US" dirty="0" err="1"/>
+              <a:t>trong</a:t>
+            </a:r>
+            <a:r>
+              <a:rPr lang="en-US" dirty="0"/>
+              <a:t> QR Code.</a:t>
+            </a:r>
+          </a:p>
+          <a:p>
+            <a:r>
+              <a:rPr lang="en-US" dirty="0" err="1"/>
+              <a:t>Đọc</a:t>
+            </a:r>
+            <a:r>
+              <a:rPr lang="en-US" dirty="0"/>
+              <a:t> </a:t>
+            </a:r>
+            <a:r>
+              <a:rPr lang="en-US" dirty="0" err="1"/>
+              <a:t>và</a:t>
+            </a:r>
+            <a:r>
+              <a:rPr lang="en-US" dirty="0"/>
+              <a:t> </a:t>
+            </a:r>
+            <a:r>
+              <a:rPr lang="en-US" dirty="0" err="1"/>
+              <a:t>hiểu</a:t>
+            </a:r>
+            <a:r>
+              <a:rPr lang="en-US" dirty="0"/>
+              <a:t> </a:t>
+            </a:r>
+            <a:r>
+              <a:rPr lang="en-US" dirty="0" err="1"/>
+              <a:t>rõ</a:t>
+            </a:r>
+            <a:r>
+              <a:rPr lang="en-US" dirty="0"/>
+              <a:t> </a:t>
+            </a:r>
+            <a:r>
+              <a:rPr lang="en-US" dirty="0" err="1"/>
+              <a:t>những</a:t>
+            </a:r>
+            <a:r>
+              <a:rPr lang="en-US" dirty="0"/>
+              <a:t> </a:t>
+            </a:r>
+            <a:r>
+              <a:rPr lang="en-US" dirty="0" err="1"/>
+              <a:t>nguy</a:t>
+            </a:r>
+            <a:r>
+              <a:rPr lang="en-US" dirty="0"/>
+              <a:t> </a:t>
+            </a:r>
+            <a:r>
+              <a:rPr lang="en-US" dirty="0" err="1"/>
+              <a:t>cơ</a:t>
+            </a:r>
+            <a:r>
+              <a:rPr lang="en-US" dirty="0"/>
+              <a:t> </a:t>
+            </a:r>
+            <a:r>
+              <a:rPr lang="en-US" dirty="0" err="1"/>
+              <a:t>khi</a:t>
+            </a:r>
+            <a:r>
+              <a:rPr lang="en-US" dirty="0"/>
+              <a:t> </a:t>
+            </a:r>
+            <a:r>
+              <a:rPr lang="en-US" dirty="0" err="1"/>
+              <a:t>ủy</a:t>
+            </a:r>
+            <a:r>
+              <a:rPr lang="en-US" dirty="0"/>
+              <a:t> </a:t>
+            </a:r>
+            <a:r>
+              <a:rPr lang="en-US" dirty="0" err="1"/>
+              <a:t>quyền</a:t>
+            </a:r>
+            <a:r>
+              <a:rPr lang="en-US" dirty="0"/>
+              <a:t> </a:t>
+            </a:r>
+            <a:r>
+              <a:rPr lang="en-US" dirty="0" err="1"/>
+              <a:t>cho</a:t>
+            </a:r>
+            <a:r>
+              <a:rPr lang="en-US" dirty="0"/>
+              <a:t> </a:t>
+            </a:r>
+            <a:r>
+              <a:rPr lang="en-US" dirty="0" err="1"/>
+              <a:t>các</a:t>
+            </a:r>
+            <a:r>
+              <a:rPr lang="en-US" dirty="0"/>
+              <a:t> </a:t>
+            </a:r>
+            <a:r>
+              <a:rPr lang="en-US" dirty="0" err="1"/>
+              <a:t>ứng</a:t>
+            </a:r>
+            <a:r>
+              <a:rPr lang="en-US" dirty="0"/>
+              <a:t> </a:t>
+            </a:r>
+            <a:r>
+              <a:rPr lang="en-US" dirty="0" err="1"/>
+              <a:t>dụng</a:t>
+            </a:r>
+            <a:r>
+              <a:rPr lang="en-US" dirty="0"/>
+              <a:t> </a:t>
+            </a:r>
+            <a:r>
+              <a:rPr lang="en-US" dirty="0" err="1"/>
+              <a:t>quét</a:t>
+            </a:r>
+            <a:r>
+              <a:rPr lang="en-US" dirty="0"/>
+              <a:t> QR code.</a:t>
+            </a:r>
+          </a:p>
+        </p:txBody>
+      </p:sp>
+    </p:spTree>
+    <p:extLst>
+      <p:ext uri="{BB962C8B-B14F-4D97-AF65-F5344CB8AC3E}">
+        <p14:creationId xmlns:p14="http://schemas.microsoft.com/office/powerpoint/2010/main" val="2630366688"/>
+      </p:ext>
+    </p:extLst>
+  </p:cSld>
+  <p:clrMapOvr>
+    <a:masterClrMapping/>
+  </p:clrMapOvr>
+</p:sld>
+</file>
+
 <file path=ppt/slides/slide4.xml><?xml version="1.0" encoding="utf-8"?>
+<p:sld xmlns:a="http://schemas.openxmlformats.org/drawingml/2006/main" xmlns:r="http://schemas.openxmlformats.org/officeDocument/2006/relationships" xmlns:p="http://schemas.openxmlformats.org/presentationml/2006/main">
+  <p:cSld>
+    <p:spTree>
+      <p:nvGrpSpPr>
+        <p:cNvPr id="1" name=""/>
+        <p:cNvGrpSpPr/>
+        <p:nvPr/>
+      </p:nvGrpSpPr>
+      <p:grpSpPr>
+        <a:xfrm>
+          <a:off x="0" y="0"/>
+          <a:ext cx="0" cy="0"/>
+          <a:chOff x="0" y="0"/>
+          <a:chExt cx="0" cy="0"/>
+        </a:xfrm>
+      </p:grpSpPr>
+      <p:sp>
+        <p:nvSpPr>
+          <p:cNvPr id="2" name="Title 1">
+            <a:extLst>
+              <a:ext uri="{FF2B5EF4-FFF2-40B4-BE49-F238E27FC236}">
+                <a16:creationId xmlns:a16="http://schemas.microsoft.com/office/drawing/2014/main" id="{B3EC736E-3556-4281-B2D2-1306DA76903C}"/>
+              </a:ext>
+            </a:extLst>
+          </p:cNvPr>
+          <p:cNvSpPr>
+            <a:spLocks noGrp="1"/>
+          </p:cNvSpPr>
+          <p:nvPr>
+            <p:ph type="title"/>
+          </p:nvPr>
+        </p:nvSpPr>
+        <p:spPr>
+          <a:xfrm>
+            <a:off x="838200" y="193964"/>
+            <a:ext cx="10515600" cy="1325563"/>
+          </a:xfrm>
+        </p:spPr>
+        <p:txBody>
+          <a:bodyPr/>
+          <a:lstStyle/>
+          <a:p>
+            <a:r>
+              <a:rPr lang="en-US" dirty="0"/>
+              <a:t>Code 128</a:t>
+            </a:r>
+          </a:p>
+        </p:txBody>
+      </p:sp>
+      <p:pic>
+        <p:nvPicPr>
+          <p:cNvPr id="7" name="Picture 6">
+            <a:extLst>
+              <a:ext uri="{FF2B5EF4-FFF2-40B4-BE49-F238E27FC236}">
+                <a16:creationId xmlns:a16="http://schemas.microsoft.com/office/drawing/2014/main" id="{5C9E14B0-1404-43D6-9D0D-168B49F70390}"/>
+              </a:ext>
+            </a:extLst>
+          </p:cNvPr>
+          <p:cNvPicPr>
+            <a:picLocks noChangeAspect="1"/>
+          </p:cNvPicPr>
+          <p:nvPr/>
+        </p:nvPicPr>
+        <p:blipFill>
+          <a:blip r:embed="rId2"/>
+          <a:stretch>
+            <a:fillRect/>
+          </a:stretch>
+        </p:blipFill>
+        <p:spPr>
+          <a:xfrm>
+            <a:off x="1357312" y="2924175"/>
+            <a:ext cx="9477375" cy="1009650"/>
+          </a:xfrm>
+          <a:prstGeom prst="rect">
+            <a:avLst/>
+          </a:prstGeom>
+        </p:spPr>
+      </p:pic>
+    </p:spTree>
+    <p:extLst>
+      <p:ext uri="{BB962C8B-B14F-4D97-AF65-F5344CB8AC3E}">
+        <p14:creationId xmlns:p14="http://schemas.microsoft.com/office/powerpoint/2010/main" val="2822263097"/>
+      </p:ext>
+    </p:extLst>
+  </p:cSld>
+  <p:clrMapOvr>
+    <a:masterClrMapping/>
+  </p:clrMapOvr>
+</p:sld>
+</file>
+
+<file path=ppt/slides/slide5.xml><?xml version="1.0" encoding="utf-8"?>
+<p:sld xmlns:a="http://schemas.openxmlformats.org/drawingml/2006/main" xmlns:r="http://schemas.openxmlformats.org/officeDocument/2006/relationships" xmlns:p="http://schemas.openxmlformats.org/presentationml/2006/main">
+  <p:cSld>
+    <p:spTree>
+      <p:nvGrpSpPr>
+        <p:cNvPr id="1" name=""/>
+        <p:cNvGrpSpPr/>
+        <p:nvPr/>
+      </p:nvGrpSpPr>
+      <p:grpSpPr>
+        <a:xfrm>
+          <a:off x="0" y="0"/>
+          <a:ext cx="0" cy="0"/>
+          <a:chOff x="0" y="0"/>
+          <a:chExt cx="0" cy="0"/>
+        </a:xfrm>
+      </p:grpSpPr>
+      <p:sp>
+        <p:nvSpPr>
+          <p:cNvPr id="2" name="Title 1">
+            <a:extLst>
+              <a:ext uri="{FF2B5EF4-FFF2-40B4-BE49-F238E27FC236}">
+                <a16:creationId xmlns:a16="http://schemas.microsoft.com/office/drawing/2014/main" id="{B3EC736E-3556-4281-B2D2-1306DA76903C}"/>
+              </a:ext>
+            </a:extLst>
+          </p:cNvPr>
+          <p:cNvSpPr>
+            <a:spLocks noGrp="1"/>
+          </p:cNvSpPr>
+          <p:nvPr>
+            <p:ph type="title"/>
+          </p:nvPr>
+        </p:nvSpPr>
+        <p:spPr>
+          <a:xfrm>
+            <a:off x="838200" y="193964"/>
+            <a:ext cx="10515600" cy="1325563"/>
+          </a:xfrm>
+        </p:spPr>
+        <p:txBody>
+          <a:bodyPr/>
+          <a:lstStyle/>
+          <a:p>
+            <a:r>
+              <a:rPr lang="en-US" dirty="0"/>
+              <a:t>Code 128</a:t>
+            </a:r>
+          </a:p>
+        </p:txBody>
+      </p:sp>
+      <p:pic>
+        <p:nvPicPr>
+          <p:cNvPr id="5" name="Picture 4">
+            <a:extLst>
+              <a:ext uri="{FF2B5EF4-FFF2-40B4-BE49-F238E27FC236}">
+                <a16:creationId xmlns:a16="http://schemas.microsoft.com/office/drawing/2014/main" id="{11036CA4-17F2-4571-B7B9-ECEC219F660E}"/>
+              </a:ext>
+            </a:extLst>
+          </p:cNvPr>
+          <p:cNvPicPr>
+            <a:picLocks noChangeAspect="1"/>
+          </p:cNvPicPr>
+          <p:nvPr/>
+        </p:nvPicPr>
+        <p:blipFill>
+          <a:blip r:embed="rId2"/>
+          <a:stretch>
+            <a:fillRect/>
+          </a:stretch>
+        </p:blipFill>
+        <p:spPr>
+          <a:xfrm>
+            <a:off x="3161190" y="1336046"/>
+            <a:ext cx="5869620" cy="5327990"/>
+          </a:xfrm>
+          <a:prstGeom prst="rect">
+            <a:avLst/>
+          </a:prstGeom>
+        </p:spPr>
+      </p:pic>
+    </p:spTree>
+    <p:extLst>
+      <p:ext uri="{BB962C8B-B14F-4D97-AF65-F5344CB8AC3E}">
+        <p14:creationId xmlns:p14="http://schemas.microsoft.com/office/powerpoint/2010/main" val="1279631428"/>
+      </p:ext>
+    </p:extLst>
+  </p:cSld>
+  <p:clrMapOvr>
+    <a:masterClrMapping/>
+  </p:clrMapOvr>
+</p:sld>
+</file>
+
+<file path=ppt/slides/slide6.xml><?xml version="1.0" encoding="utf-8"?>
+<p:sld xmlns:a="http://schemas.openxmlformats.org/drawingml/2006/main" xmlns:r="http://schemas.openxmlformats.org/officeDocument/2006/relationships" xmlns:p="http://schemas.openxmlformats.org/presentationml/2006/main">
+  <p:cSld>
+    <p:spTree>
+      <p:nvGrpSpPr>
+        <p:cNvPr id="1" name=""/>
+        <p:cNvGrpSpPr/>
+        <p:nvPr/>
+      </p:nvGrpSpPr>
+      <p:grpSpPr>
+        <a:xfrm>
+          <a:off x="0" y="0"/>
+          <a:ext cx="0" cy="0"/>
+          <a:chOff x="0" y="0"/>
+          <a:chExt cx="0" cy="0"/>
+        </a:xfrm>
+      </p:grpSpPr>
+      <p:sp>
+        <p:nvSpPr>
+          <p:cNvPr id="2" name="Title 1">
+            <a:extLst>
+              <a:ext uri="{FF2B5EF4-FFF2-40B4-BE49-F238E27FC236}">
+                <a16:creationId xmlns:a16="http://schemas.microsoft.com/office/drawing/2014/main" id="{385B6023-B206-41F7-A6A4-6C1BAAD50CC2}"/>
+              </a:ext>
+            </a:extLst>
+          </p:cNvPr>
+          <p:cNvSpPr>
+            <a:spLocks noGrp="1"/>
+          </p:cNvSpPr>
+          <p:nvPr>
+            <p:ph type="title"/>
+          </p:nvPr>
+        </p:nvSpPr>
+        <p:spPr/>
+        <p:txBody>
+          <a:bodyPr/>
+          <a:lstStyle/>
+          <a:p>
+            <a:r>
+              <a:rPr lang="en-US" dirty="0"/>
+              <a:t>Code 128</a:t>
+            </a:r>
+          </a:p>
+        </p:txBody>
+      </p:sp>
+      <p:pic>
+        <p:nvPicPr>
+          <p:cNvPr id="5" name="Picture 4">
+            <a:extLst>
+              <a:ext uri="{FF2B5EF4-FFF2-40B4-BE49-F238E27FC236}">
+                <a16:creationId xmlns:a16="http://schemas.microsoft.com/office/drawing/2014/main" id="{7F874E4D-9869-49A4-AA65-89A778AA3693}"/>
+              </a:ext>
+            </a:extLst>
+          </p:cNvPr>
+          <p:cNvPicPr>
+            <a:picLocks noChangeAspect="1"/>
+          </p:cNvPicPr>
+          <p:nvPr/>
+        </p:nvPicPr>
+        <p:blipFill>
+          <a:blip r:embed="rId2"/>
+          <a:stretch>
+            <a:fillRect/>
+          </a:stretch>
+        </p:blipFill>
+        <p:spPr>
+          <a:xfrm>
+            <a:off x="1343025" y="1747837"/>
+            <a:ext cx="9505950" cy="3362325"/>
+          </a:xfrm>
+          <a:prstGeom prst="rect">
+            <a:avLst/>
+          </a:prstGeom>
+        </p:spPr>
+      </p:pic>
+    </p:spTree>
+    <p:extLst>
+      <p:ext uri="{BB962C8B-B14F-4D97-AF65-F5344CB8AC3E}">
+        <p14:creationId xmlns:p14="http://schemas.microsoft.com/office/powerpoint/2010/main" val="2033024510"/>
+      </p:ext>
+    </p:extLst>
+  </p:cSld>
+  <p:clrMapOvr>
+    <a:masterClrMapping/>
+  </p:clrMapOvr>
+</p:sld>
+</file>
+
+<file path=ppt/slides/slide7.xml><?xml version="1.0" encoding="utf-8"?>
 <p:sld xmlns:a="http://schemas.openxmlformats.org/drawingml/2006/main" xmlns:r="http://schemas.openxmlformats.org/officeDocument/2006/relationships" xmlns:p="http://schemas.openxmlformats.org/presentationml/2006/main">
   <p:cSld>
     <p:spTree>
@@ -6411,7 +8219,7 @@
 </p:sld>
 </file>
 
-<file path=ppt/slides/slide5.xml><?xml version="1.0" encoding="utf-8"?>
+<file path=ppt/slides/slide8.xml><?xml version="1.0" encoding="utf-8"?>
 <p:sld xmlns:a="http://schemas.openxmlformats.org/drawingml/2006/main" xmlns:r="http://schemas.openxmlformats.org/officeDocument/2006/relationships" xmlns:p="http://schemas.openxmlformats.org/presentationml/2006/main">
   <p:cSld>
     <p:spTree>
@@ -6595,7 +8403,7 @@
 </p:sld>
 </file>
 
-<file path=ppt/slides/slide6.xml><?xml version="1.0" encoding="utf-8"?>
+<file path=ppt/slides/slide9.xml><?xml version="1.0" encoding="utf-8"?>
 <p:sld xmlns:a="http://schemas.openxmlformats.org/drawingml/2006/main" xmlns:r="http://schemas.openxmlformats.org/officeDocument/2006/relationships" xmlns:p="http://schemas.openxmlformats.org/presentationml/2006/main">
   <p:cSld>
     <p:spTree>
@@ -6897,326 +8705,6 @@
     <p:extLst>
       <p:ext uri="{BB962C8B-B14F-4D97-AF65-F5344CB8AC3E}">
         <p14:creationId xmlns:p14="http://schemas.microsoft.com/office/powerpoint/2010/main" val="1845389545"/>
-      </p:ext>
-    </p:extLst>
-  </p:cSld>
-  <p:clrMapOvr>
-    <a:masterClrMapping/>
-  </p:clrMapOvr>
-</p:sld>
-</file>
-
-<file path=ppt/slides/slide7.xml><?xml version="1.0" encoding="utf-8"?>
-<p:sld xmlns:a="http://schemas.openxmlformats.org/drawingml/2006/main" xmlns:r="http://schemas.openxmlformats.org/officeDocument/2006/relationships" xmlns:p="http://schemas.openxmlformats.org/presentationml/2006/main">
-  <p:cSld>
-    <p:spTree>
-      <p:nvGrpSpPr>
-        <p:cNvPr id="1" name=""/>
-        <p:cNvGrpSpPr/>
-        <p:nvPr/>
-      </p:nvGrpSpPr>
-      <p:grpSpPr>
-        <a:xfrm>
-          <a:off x="0" y="0"/>
-          <a:ext cx="0" cy="0"/>
-          <a:chOff x="0" y="0"/>
-          <a:chExt cx="0" cy="0"/>
-        </a:xfrm>
-      </p:grpSpPr>
-      <p:sp>
-        <p:nvSpPr>
-          <p:cNvPr id="2" name="Title 1">
-            <a:extLst>
-              <a:ext uri="{FF2B5EF4-FFF2-40B4-BE49-F238E27FC236}">
-                <a16:creationId xmlns:a16="http://schemas.microsoft.com/office/drawing/2014/main" id="{8D85656D-D400-4596-B84D-5B017F84A10E}"/>
-              </a:ext>
-            </a:extLst>
-          </p:cNvPr>
-          <p:cNvSpPr>
-            <a:spLocks noGrp="1"/>
-          </p:cNvSpPr>
-          <p:nvPr>
-            <p:ph type="title"/>
-          </p:nvPr>
-        </p:nvSpPr>
-        <p:spPr/>
-        <p:txBody>
-          <a:bodyPr/>
-          <a:lstStyle/>
-          <a:p>
-            <a:r>
-              <a:rPr lang="en-US" dirty="0"/>
-              <a:t>Barcode</a:t>
-            </a:r>
-          </a:p>
-        </p:txBody>
-      </p:sp>
-      <p:sp>
-        <p:nvSpPr>
-          <p:cNvPr id="3" name="Content Placeholder 2">
-            <a:extLst>
-              <a:ext uri="{FF2B5EF4-FFF2-40B4-BE49-F238E27FC236}">
-                <a16:creationId xmlns:a16="http://schemas.microsoft.com/office/drawing/2014/main" id="{580055F1-5959-4EF5-9119-69613928FE06}"/>
-              </a:ext>
-            </a:extLst>
-          </p:cNvPr>
-          <p:cNvSpPr>
-            <a:spLocks noGrp="1"/>
-          </p:cNvSpPr>
-          <p:nvPr>
-            <p:ph idx="1"/>
-          </p:nvPr>
-        </p:nvSpPr>
-        <p:spPr>
-          <a:xfrm>
-            <a:off x="838200" y="1690688"/>
-            <a:ext cx="10515600" cy="4351338"/>
-          </a:xfrm>
-        </p:spPr>
-        <p:txBody>
-          <a:bodyPr/>
-          <a:lstStyle/>
-          <a:p>
-            <a:r>
-              <a:rPr lang="en-US" dirty="0" err="1"/>
-              <a:t>Phát</a:t>
-            </a:r>
-            <a:r>
-              <a:rPr lang="en-US" dirty="0"/>
-              <a:t> </a:t>
-            </a:r>
-            <a:r>
-              <a:rPr lang="en-US" dirty="0" err="1"/>
-              <a:t>minh</a:t>
-            </a:r>
-            <a:r>
-              <a:rPr lang="en-US" dirty="0"/>
-              <a:t> </a:t>
-            </a:r>
-            <a:r>
-              <a:rPr lang="en-US" dirty="0" err="1"/>
-              <a:t>năm</a:t>
-            </a:r>
-            <a:r>
-              <a:rPr lang="en-US" dirty="0"/>
-              <a:t> 1994 </a:t>
-            </a:r>
-            <a:r>
-              <a:rPr lang="en-US" dirty="0" err="1"/>
-              <a:t>bởi</a:t>
-            </a:r>
-            <a:r>
-              <a:rPr lang="en-US" dirty="0"/>
-              <a:t> Masahiro Hara</a:t>
-            </a:r>
-          </a:p>
-        </p:txBody>
-      </p:sp>
-      <p:pic>
-        <p:nvPicPr>
-          <p:cNvPr id="6148" name="Picture 4">
-            <a:extLst>
-              <a:ext uri="{FF2B5EF4-FFF2-40B4-BE49-F238E27FC236}">
-                <a16:creationId xmlns:a16="http://schemas.microsoft.com/office/drawing/2014/main" id="{D4C86F6E-B6E0-4BF6-A5CF-3C6435F0D241}"/>
-              </a:ext>
-            </a:extLst>
-          </p:cNvPr>
-          <p:cNvPicPr>
-            <a:picLocks noChangeAspect="1" noChangeArrowheads="1"/>
-          </p:cNvPicPr>
-          <p:nvPr/>
-        </p:nvPicPr>
-        <p:blipFill>
-          <a:blip r:embed="rId2">
-            <a:extLst>
-              <a:ext uri="{28A0092B-C50C-407E-A947-70E740481C1C}">
-                <a14:useLocalDpi xmlns:a14="http://schemas.microsoft.com/office/drawing/2010/main" val="0"/>
-              </a:ext>
-            </a:extLst>
-          </a:blip>
-          <a:srcRect/>
-          <a:stretch>
-            <a:fillRect/>
-          </a:stretch>
-        </p:blipFill>
-        <p:spPr bwMode="auto">
-          <a:xfrm>
-            <a:off x="2286000" y="2216150"/>
-            <a:ext cx="7620000" cy="4276725"/>
-          </a:xfrm>
-          <a:prstGeom prst="rect">
-            <a:avLst/>
-          </a:prstGeom>
-          <a:noFill/>
-          <a:extLst>
-            <a:ext uri="{909E8E84-426E-40DD-AFC4-6F175D3DCCD1}">
-              <a14:hiddenFill xmlns:a14="http://schemas.microsoft.com/office/drawing/2010/main">
-                <a:solidFill>
-                  <a:srgbClr val="FFFFFF"/>
-                </a:solidFill>
-              </a14:hiddenFill>
-            </a:ext>
-          </a:extLst>
-        </p:spPr>
-      </p:pic>
-    </p:spTree>
-    <p:extLst>
-      <p:ext uri="{BB962C8B-B14F-4D97-AF65-F5344CB8AC3E}">
-        <p14:creationId xmlns:p14="http://schemas.microsoft.com/office/powerpoint/2010/main" val="3721273504"/>
-      </p:ext>
-    </p:extLst>
-  </p:cSld>
-  <p:clrMapOvr>
-    <a:masterClrMapping/>
-  </p:clrMapOvr>
-</p:sld>
-</file>
-
-<file path=ppt/slides/slide8.xml><?xml version="1.0" encoding="utf-8"?>
-<p:sld xmlns:a="http://schemas.openxmlformats.org/drawingml/2006/main" xmlns:r="http://schemas.openxmlformats.org/officeDocument/2006/relationships" xmlns:p="http://schemas.openxmlformats.org/presentationml/2006/main">
-  <p:cSld>
-    <p:spTree>
-      <p:nvGrpSpPr>
-        <p:cNvPr id="1" name=""/>
-        <p:cNvGrpSpPr/>
-        <p:nvPr/>
-      </p:nvGrpSpPr>
-      <p:grpSpPr>
-        <a:xfrm>
-          <a:off x="0" y="0"/>
-          <a:ext cx="0" cy="0"/>
-          <a:chOff x="0" y="0"/>
-          <a:chExt cx="0" cy="0"/>
-        </a:xfrm>
-      </p:grpSpPr>
-      <p:pic>
-        <p:nvPicPr>
-          <p:cNvPr id="7170" name="Picture 2">
-            <a:extLst>
-              <a:ext uri="{FF2B5EF4-FFF2-40B4-BE49-F238E27FC236}">
-                <a16:creationId xmlns:a16="http://schemas.microsoft.com/office/drawing/2014/main" id="{E89D8D70-A1C1-44DA-B00C-DDAFA510BF12}"/>
-              </a:ext>
-            </a:extLst>
-          </p:cNvPr>
-          <p:cNvPicPr>
-            <a:picLocks noChangeAspect="1" noChangeArrowheads="1"/>
-          </p:cNvPicPr>
-          <p:nvPr/>
-        </p:nvPicPr>
-        <p:blipFill>
-          <a:blip r:embed="rId2">
-            <a:extLst>
-              <a:ext uri="{28A0092B-C50C-407E-A947-70E740481C1C}">
-                <a14:useLocalDpi xmlns:a14="http://schemas.microsoft.com/office/drawing/2010/main" val="0"/>
-              </a:ext>
-            </a:extLst>
-          </a:blip>
-          <a:srcRect/>
-          <a:stretch>
-            <a:fillRect/>
-          </a:stretch>
-        </p:blipFill>
-        <p:spPr bwMode="auto">
-          <a:xfrm>
-            <a:off x="730250" y="0"/>
-            <a:ext cx="10731500" cy="6858000"/>
-          </a:xfrm>
-          <a:prstGeom prst="rect">
-            <a:avLst/>
-          </a:prstGeom>
-          <a:noFill/>
-          <a:extLst>
-            <a:ext uri="{909E8E84-426E-40DD-AFC4-6F175D3DCCD1}">
-              <a14:hiddenFill xmlns:a14="http://schemas.microsoft.com/office/drawing/2010/main">
-                <a:solidFill>
-                  <a:srgbClr val="FFFFFF"/>
-                </a:solidFill>
-              </a14:hiddenFill>
-            </a:ext>
-          </a:extLst>
-        </p:spPr>
-      </p:pic>
-    </p:spTree>
-    <p:extLst>
-      <p:ext uri="{BB962C8B-B14F-4D97-AF65-F5344CB8AC3E}">
-        <p14:creationId xmlns:p14="http://schemas.microsoft.com/office/powerpoint/2010/main" val="2280101826"/>
-      </p:ext>
-    </p:extLst>
-  </p:cSld>
-  <p:clrMapOvr>
-    <a:masterClrMapping/>
-  </p:clrMapOvr>
-</p:sld>
-</file>
-
-<file path=ppt/slides/slide9.xml><?xml version="1.0" encoding="utf-8"?>
-<p:sld xmlns:a="http://schemas.openxmlformats.org/drawingml/2006/main" xmlns:r="http://schemas.openxmlformats.org/officeDocument/2006/relationships" xmlns:p="http://schemas.openxmlformats.org/presentationml/2006/main">
-  <p:cSld>
-    <p:spTree>
-      <p:nvGrpSpPr>
-        <p:cNvPr id="1" name=""/>
-        <p:cNvGrpSpPr/>
-        <p:nvPr/>
-      </p:nvGrpSpPr>
-      <p:grpSpPr>
-        <a:xfrm>
-          <a:off x="0" y="0"/>
-          <a:ext cx="0" cy="0"/>
-          <a:chOff x="0" y="0"/>
-          <a:chExt cx="0" cy="0"/>
-        </a:xfrm>
-      </p:grpSpPr>
-      <p:pic>
-        <p:nvPicPr>
-          <p:cNvPr id="8196" name="Picture 4">
-            <a:extLst>
-              <a:ext uri="{FF2B5EF4-FFF2-40B4-BE49-F238E27FC236}">
-                <a16:creationId xmlns:a16="http://schemas.microsoft.com/office/drawing/2014/main" id="{53A65B0B-19F8-474A-9DB7-DC34150AE8BE}"/>
-              </a:ext>
-            </a:extLst>
-          </p:cNvPr>
-          <p:cNvPicPr>
-            <a:picLocks noChangeAspect="1" noChangeArrowheads="1"/>
-          </p:cNvPicPr>
-          <p:nvPr/>
-        </p:nvPicPr>
-        <p:blipFill>
-          <a:blip r:embed="rId2">
-            <a:extLst>
-              <a:ext uri="{28A0092B-C50C-407E-A947-70E740481C1C}">
-                <a14:useLocalDpi xmlns:a14="http://schemas.microsoft.com/office/drawing/2010/main" val="0"/>
-              </a:ext>
-            </a:extLst>
-          </a:blip>
-          <a:srcRect/>
-          <a:stretch>
-            <a:fillRect/>
-          </a:stretch>
-        </p:blipFill>
-        <p:spPr bwMode="auto">
-          <a:xfrm>
-            <a:off x="1101725" y="0"/>
-            <a:ext cx="9986963" cy="6858000"/>
-          </a:xfrm>
-          <a:prstGeom prst="rect">
-            <a:avLst/>
-          </a:prstGeom>
-          <a:noFill/>
-          <a:extLst>
-            <a:ext uri="{909E8E84-426E-40DD-AFC4-6F175D3DCCD1}">
-              <a14:hiddenFill xmlns:a14="http://schemas.microsoft.com/office/drawing/2010/main">
-                <a:solidFill>
-                  <a:srgbClr val="FFFFFF"/>
-                </a:solidFill>
-              </a14:hiddenFill>
-            </a:ext>
-          </a:extLst>
-        </p:spPr>
-      </p:pic>
-    </p:spTree>
-    <p:extLst>
-      <p:ext uri="{BB962C8B-B14F-4D97-AF65-F5344CB8AC3E}">
-        <p14:creationId xmlns:p14="http://schemas.microsoft.com/office/powerpoint/2010/main" val="1190742926"/>
       </p:ext>
     </p:extLst>
   </p:cSld>
